--- a/project.pptx
+++ b/project.pptx
@@ -10,6 +10,17 @@
     <p:sldId id="259" r:id="rId4"/>
     <p:sldId id="258" r:id="rId5"/>
     <p:sldId id="260" r:id="rId6"/>
+    <p:sldId id="261" r:id="rId7"/>
+    <p:sldId id="262" r:id="rId8"/>
+    <p:sldId id="263" r:id="rId9"/>
+    <p:sldId id="264" r:id="rId10"/>
+    <p:sldId id="265" r:id="rId11"/>
+    <p:sldId id="266" r:id="rId12"/>
+    <p:sldId id="267" r:id="rId13"/>
+    <p:sldId id="268" r:id="rId14"/>
+    <p:sldId id="269" r:id="rId15"/>
+    <p:sldId id="270" r:id="rId16"/>
+    <p:sldId id="271" r:id="rId17"/>
   </p:sldIdLst>
   <p:sldSz cx="12192000" cy="6858000"/>
   <p:notesSz cx="6858000" cy="9144000"/>
@@ -108,6 +119,11 @@
       </a:defRPr>
     </a:lvl9pPr>
   </p:defaultTextStyle>
+  <p:extLst>
+    <p:ext uri="{EFAFB233-063F-42B5-8137-9DF3F51BA10A}">
+      <p15:sldGuideLst xmlns:p15="http://schemas.microsoft.com/office/powerpoint/2012/main"/>
+    </p:ext>
+  </p:extLst>
 </p:presentation>
 </file>
 
@@ -260,7 +276,7 @@
           <a:p>
             <a:fld id="{756090CF-B298-4534-AD23-AB8589173D38}" type="datetimeFigureOut">
               <a:rPr lang="en-IN" smtClean="0"/>
-              <a:t>21-09-2023</a:t>
+              <a:t>23-09-2023</a:t>
             </a:fld>
             <a:endParaRPr lang="en-IN"/>
           </a:p>
@@ -460,7 +476,7 @@
           <a:p>
             <a:fld id="{756090CF-B298-4534-AD23-AB8589173D38}" type="datetimeFigureOut">
               <a:rPr lang="en-IN" smtClean="0"/>
-              <a:t>21-09-2023</a:t>
+              <a:t>23-09-2023</a:t>
             </a:fld>
             <a:endParaRPr lang="en-IN"/>
           </a:p>
@@ -670,7 +686,7 @@
           <a:p>
             <a:fld id="{756090CF-B298-4534-AD23-AB8589173D38}" type="datetimeFigureOut">
               <a:rPr lang="en-IN" smtClean="0"/>
-              <a:t>21-09-2023</a:t>
+              <a:t>23-09-2023</a:t>
             </a:fld>
             <a:endParaRPr lang="en-IN"/>
           </a:p>
@@ -870,7 +886,7 @@
           <a:p>
             <a:fld id="{756090CF-B298-4534-AD23-AB8589173D38}" type="datetimeFigureOut">
               <a:rPr lang="en-IN" smtClean="0"/>
-              <a:t>21-09-2023</a:t>
+              <a:t>23-09-2023</a:t>
             </a:fld>
             <a:endParaRPr lang="en-IN"/>
           </a:p>
@@ -1146,7 +1162,7 @@
           <a:p>
             <a:fld id="{756090CF-B298-4534-AD23-AB8589173D38}" type="datetimeFigureOut">
               <a:rPr lang="en-IN" smtClean="0"/>
-              <a:t>21-09-2023</a:t>
+              <a:t>23-09-2023</a:t>
             </a:fld>
             <a:endParaRPr lang="en-IN"/>
           </a:p>
@@ -1414,7 +1430,7 @@
           <a:p>
             <a:fld id="{756090CF-B298-4534-AD23-AB8589173D38}" type="datetimeFigureOut">
               <a:rPr lang="en-IN" smtClean="0"/>
-              <a:t>21-09-2023</a:t>
+              <a:t>23-09-2023</a:t>
             </a:fld>
             <a:endParaRPr lang="en-IN"/>
           </a:p>
@@ -1829,7 +1845,7 @@
           <a:p>
             <a:fld id="{756090CF-B298-4534-AD23-AB8589173D38}" type="datetimeFigureOut">
               <a:rPr lang="en-IN" smtClean="0"/>
-              <a:t>21-09-2023</a:t>
+              <a:t>23-09-2023</a:t>
             </a:fld>
             <a:endParaRPr lang="en-IN"/>
           </a:p>
@@ -1971,7 +1987,7 @@
           <a:p>
             <a:fld id="{756090CF-B298-4534-AD23-AB8589173D38}" type="datetimeFigureOut">
               <a:rPr lang="en-IN" smtClean="0"/>
-              <a:t>21-09-2023</a:t>
+              <a:t>23-09-2023</a:t>
             </a:fld>
             <a:endParaRPr lang="en-IN"/>
           </a:p>
@@ -2084,7 +2100,7 @@
           <a:p>
             <a:fld id="{756090CF-B298-4534-AD23-AB8589173D38}" type="datetimeFigureOut">
               <a:rPr lang="en-IN" smtClean="0"/>
-              <a:t>21-09-2023</a:t>
+              <a:t>23-09-2023</a:t>
             </a:fld>
             <a:endParaRPr lang="en-IN"/>
           </a:p>
@@ -2397,7 +2413,7 @@
           <a:p>
             <a:fld id="{756090CF-B298-4534-AD23-AB8589173D38}" type="datetimeFigureOut">
               <a:rPr lang="en-IN" smtClean="0"/>
-              <a:t>21-09-2023</a:t>
+              <a:t>23-09-2023</a:t>
             </a:fld>
             <a:endParaRPr lang="en-IN"/>
           </a:p>
@@ -2686,7 +2702,7 @@
           <a:p>
             <a:fld id="{756090CF-B298-4534-AD23-AB8589173D38}" type="datetimeFigureOut">
               <a:rPr lang="en-IN" smtClean="0"/>
-              <a:t>21-09-2023</a:t>
+              <a:t>23-09-2023</a:t>
             </a:fld>
             <a:endParaRPr lang="en-IN"/>
           </a:p>
@@ -2929,7 +2945,7 @@
           <a:p>
             <a:fld id="{756090CF-B298-4534-AD23-AB8589173D38}" type="datetimeFigureOut">
               <a:rPr lang="en-IN" smtClean="0"/>
-              <a:t>21-09-2023</a:t>
+              <a:t>23-09-2023</a:t>
             </a:fld>
             <a:endParaRPr lang="en-IN"/>
           </a:p>
@@ -3410,6 +3426,3256 @@
 </p:sld>
 </file>
 
+<file path=ppt/slides/slide10.xml><?xml version="1.0" encoding="utf-8"?>
+<p:sld xmlns:a="http://schemas.openxmlformats.org/drawingml/2006/main" xmlns:r="http://schemas.openxmlformats.org/officeDocument/2006/relationships" xmlns:p="http://schemas.openxmlformats.org/presentationml/2006/main">
+  <p:cSld>
+    <p:spTree>
+      <p:nvGrpSpPr>
+        <p:cNvPr id="1" name=""/>
+        <p:cNvGrpSpPr/>
+        <p:nvPr/>
+      </p:nvGrpSpPr>
+      <p:grpSpPr>
+        <a:xfrm>
+          <a:off x="0" y="0"/>
+          <a:ext cx="0" cy="0"/>
+          <a:chOff x="0" y="0"/>
+          <a:chExt cx="0" cy="0"/>
+        </a:xfrm>
+      </p:grpSpPr>
+      <p:sp>
+        <p:nvSpPr>
+          <p:cNvPr id="4" name="Rectangle 3">
+            <a:extLst>
+              <a:ext uri="{FF2B5EF4-FFF2-40B4-BE49-F238E27FC236}">
+                <a16:creationId xmlns:a16="http://schemas.microsoft.com/office/drawing/2014/main" id="{38B367FB-D077-9E65-BECD-D2765EDBFF41}"/>
+              </a:ext>
+            </a:extLst>
+          </p:cNvPr>
+          <p:cNvSpPr/>
+          <p:nvPr/>
+        </p:nvSpPr>
+        <p:spPr>
+          <a:xfrm>
+            <a:off x="0" y="0"/>
+            <a:ext cx="12192000" cy="794327"/>
+          </a:xfrm>
+          <a:prstGeom prst="rect">
+            <a:avLst/>
+          </a:prstGeom>
+        </p:spPr>
+        <p:style>
+          <a:lnRef idx="2">
+            <a:schemeClr val="accent1">
+              <a:shade val="15000"/>
+            </a:schemeClr>
+          </a:lnRef>
+          <a:fillRef idx="1">
+            <a:schemeClr val="accent1"/>
+          </a:fillRef>
+          <a:effectRef idx="0">
+            <a:schemeClr val="accent1"/>
+          </a:effectRef>
+          <a:fontRef idx="minor">
+            <a:schemeClr val="lt1"/>
+          </a:fontRef>
+        </p:style>
+        <p:txBody>
+          <a:bodyPr rtlCol="0" anchor="ctr"/>
+          <a:lstStyle/>
+          <a:p>
+            <a:pPr algn="ctr"/>
+            <a:r>
+              <a:rPr lang="en-US" dirty="0"/>
+              <a:t>h-1/6 w-screen/inline-block</a:t>
+            </a:r>
+            <a:endParaRPr lang="en-IN" dirty="0"/>
+          </a:p>
+        </p:txBody>
+      </p:sp>
+      <p:sp>
+        <p:nvSpPr>
+          <p:cNvPr id="5" name="Rectangle 4">
+            <a:extLst>
+              <a:ext uri="{FF2B5EF4-FFF2-40B4-BE49-F238E27FC236}">
+                <a16:creationId xmlns:a16="http://schemas.microsoft.com/office/drawing/2014/main" id="{E584F711-117C-8CE1-48AB-33B9C2731BCF}"/>
+              </a:ext>
+            </a:extLst>
+          </p:cNvPr>
+          <p:cNvSpPr/>
+          <p:nvPr/>
+        </p:nvSpPr>
+        <p:spPr>
+          <a:xfrm>
+            <a:off x="0" y="794327"/>
+            <a:ext cx="12192000" cy="6132946"/>
+          </a:xfrm>
+          <a:prstGeom prst="rect">
+            <a:avLst/>
+          </a:prstGeom>
+        </p:spPr>
+        <p:style>
+          <a:lnRef idx="2">
+            <a:schemeClr val="accent2">
+              <a:shade val="15000"/>
+            </a:schemeClr>
+          </a:lnRef>
+          <a:fillRef idx="1">
+            <a:schemeClr val="accent2"/>
+          </a:fillRef>
+          <a:effectRef idx="0">
+            <a:schemeClr val="accent2"/>
+          </a:effectRef>
+          <a:fontRef idx="minor">
+            <a:schemeClr val="lt1"/>
+          </a:fontRef>
+        </p:style>
+        <p:txBody>
+          <a:bodyPr rtlCol="0" anchor="ctr"/>
+          <a:lstStyle/>
+          <a:p>
+            <a:pPr algn="ctr"/>
+            <a:r>
+              <a:rPr lang="en-US" dirty="0"/>
+              <a:t>h-5/6 w-screen/inline-block</a:t>
+            </a:r>
+            <a:endParaRPr lang="en-IN" dirty="0"/>
+          </a:p>
+        </p:txBody>
+      </p:sp>
+    </p:spTree>
+    <p:extLst>
+      <p:ext uri="{BB962C8B-B14F-4D97-AF65-F5344CB8AC3E}">
+        <p14:creationId xmlns:p14="http://schemas.microsoft.com/office/powerpoint/2010/main" val="1544838354"/>
+      </p:ext>
+    </p:extLst>
+  </p:cSld>
+  <p:clrMapOvr>
+    <a:masterClrMapping/>
+  </p:clrMapOvr>
+</p:sld>
+</file>
+
+<file path=ppt/slides/slide11.xml><?xml version="1.0" encoding="utf-8"?>
+<p:sld xmlns:a="http://schemas.openxmlformats.org/drawingml/2006/main" xmlns:r="http://schemas.openxmlformats.org/officeDocument/2006/relationships" xmlns:p="http://schemas.openxmlformats.org/presentationml/2006/main">
+  <p:cSld>
+    <p:spTree>
+      <p:nvGrpSpPr>
+        <p:cNvPr id="1" name=""/>
+        <p:cNvGrpSpPr/>
+        <p:nvPr/>
+      </p:nvGrpSpPr>
+      <p:grpSpPr>
+        <a:xfrm>
+          <a:off x="0" y="0"/>
+          <a:ext cx="0" cy="0"/>
+          <a:chOff x="0" y="0"/>
+          <a:chExt cx="0" cy="0"/>
+        </a:xfrm>
+      </p:grpSpPr>
+      <p:sp>
+        <p:nvSpPr>
+          <p:cNvPr id="4" name="Rectangle 3">
+            <a:extLst>
+              <a:ext uri="{FF2B5EF4-FFF2-40B4-BE49-F238E27FC236}">
+                <a16:creationId xmlns:a16="http://schemas.microsoft.com/office/drawing/2014/main" id="{091AFF16-AFBB-CFEF-8BA4-0670AC06902B}"/>
+              </a:ext>
+            </a:extLst>
+          </p:cNvPr>
+          <p:cNvSpPr/>
+          <p:nvPr/>
+        </p:nvSpPr>
+        <p:spPr>
+          <a:xfrm>
+            <a:off x="0" y="0"/>
+            <a:ext cx="2355273" cy="6858000"/>
+          </a:xfrm>
+          <a:prstGeom prst="rect">
+            <a:avLst/>
+          </a:prstGeom>
+        </p:spPr>
+        <p:style>
+          <a:lnRef idx="2">
+            <a:schemeClr val="accent1">
+              <a:shade val="15000"/>
+            </a:schemeClr>
+          </a:lnRef>
+          <a:fillRef idx="1">
+            <a:schemeClr val="accent1"/>
+          </a:fillRef>
+          <a:effectRef idx="0">
+            <a:schemeClr val="accent1"/>
+          </a:effectRef>
+          <a:fontRef idx="minor">
+            <a:schemeClr val="lt1"/>
+          </a:fontRef>
+        </p:style>
+        <p:txBody>
+          <a:bodyPr rtlCol="0" anchor="ctr"/>
+          <a:lstStyle/>
+          <a:p>
+            <a:pPr algn="ctr"/>
+            <a:r>
+              <a:rPr lang="en-US" dirty="0"/>
+              <a:t>W-1/4 h-screen</a:t>
+            </a:r>
+          </a:p>
+          <a:p>
+            <a:pPr algn="ctr"/>
+            <a:endParaRPr lang="en-US" dirty="0"/>
+          </a:p>
+          <a:p>
+            <a:pPr algn="ctr"/>
+            <a:r>
+              <a:rPr lang="en-US" dirty="0"/>
+              <a:t>Normal </a:t>
+            </a:r>
+          </a:p>
+          <a:p>
+            <a:pPr algn="ctr"/>
+            <a:r>
+              <a:rPr lang="en-US" dirty="0"/>
+              <a:t>Width: 25%</a:t>
+            </a:r>
+          </a:p>
+          <a:p>
+            <a:pPr algn="ctr"/>
+            <a:endParaRPr lang="en-US" dirty="0"/>
+          </a:p>
+          <a:p>
+            <a:pPr algn="ctr"/>
+            <a:r>
+              <a:rPr lang="en-US" dirty="0"/>
+              <a:t>W-12 (48px)</a:t>
+            </a:r>
+            <a:endParaRPr lang="en-IN" dirty="0"/>
+          </a:p>
+        </p:txBody>
+      </p:sp>
+      <p:sp>
+        <p:nvSpPr>
+          <p:cNvPr id="8" name="TextBox 7">
+            <a:extLst>
+              <a:ext uri="{FF2B5EF4-FFF2-40B4-BE49-F238E27FC236}">
+                <a16:creationId xmlns:a16="http://schemas.microsoft.com/office/drawing/2014/main" id="{05FB4F8C-7A18-0DFD-FB4E-EFDE8FAA8D19}"/>
+              </a:ext>
+            </a:extLst>
+          </p:cNvPr>
+          <p:cNvSpPr txBox="1"/>
+          <p:nvPr/>
+        </p:nvSpPr>
+        <p:spPr>
+          <a:xfrm>
+            <a:off x="6659418" y="3244334"/>
+            <a:ext cx="4137891" cy="369332"/>
+          </a:xfrm>
+          <a:prstGeom prst="rect">
+            <a:avLst/>
+          </a:prstGeom>
+          <a:noFill/>
+        </p:spPr>
+        <p:txBody>
+          <a:bodyPr wrap="square" rtlCol="0">
+            <a:spAutoFit/>
+          </a:bodyPr>
+          <a:lstStyle/>
+          <a:p>
+            <a:r>
+              <a:rPr lang="en-US" dirty="0"/>
+              <a:t>(3/4)/2=3/8</a:t>
+            </a:r>
+            <a:endParaRPr lang="en-IN" dirty="0"/>
+          </a:p>
+        </p:txBody>
+      </p:sp>
+      <p:sp>
+        <p:nvSpPr>
+          <p:cNvPr id="9" name="Rectangle 8">
+            <a:extLst>
+              <a:ext uri="{FF2B5EF4-FFF2-40B4-BE49-F238E27FC236}">
+                <a16:creationId xmlns:a16="http://schemas.microsoft.com/office/drawing/2014/main" id="{2DA5C4A7-3AF8-8095-2820-A4C3A0BB8136}"/>
+              </a:ext>
+            </a:extLst>
+          </p:cNvPr>
+          <p:cNvSpPr/>
+          <p:nvPr/>
+        </p:nvSpPr>
+        <p:spPr>
+          <a:xfrm>
+            <a:off x="2355272" y="0"/>
+            <a:ext cx="5357092" cy="6858000"/>
+          </a:xfrm>
+          <a:prstGeom prst="rect">
+            <a:avLst/>
+          </a:prstGeom>
+        </p:spPr>
+        <p:style>
+          <a:lnRef idx="2">
+            <a:schemeClr val="accent1">
+              <a:shade val="15000"/>
+            </a:schemeClr>
+          </a:lnRef>
+          <a:fillRef idx="1">
+            <a:schemeClr val="accent1"/>
+          </a:fillRef>
+          <a:effectRef idx="0">
+            <a:schemeClr val="accent1"/>
+          </a:effectRef>
+          <a:fontRef idx="minor">
+            <a:schemeClr val="lt1"/>
+          </a:fontRef>
+        </p:style>
+        <p:txBody>
+          <a:bodyPr rtlCol="0" anchor="ctr"/>
+          <a:lstStyle/>
+          <a:p>
+            <a:pPr algn="ctr"/>
+            <a:r>
+              <a:rPr lang="en-US" dirty="0"/>
+              <a:t>W-3/8</a:t>
+            </a:r>
+          </a:p>
+          <a:p>
+            <a:pPr algn="ctr"/>
+            <a:r>
+              <a:rPr lang="en-US" dirty="0"/>
+              <a:t>75/2= width: 37.5%</a:t>
+            </a:r>
+          </a:p>
+          <a:p>
+            <a:pPr algn="ctr"/>
+            <a:endParaRPr lang="en-US" dirty="0"/>
+          </a:p>
+          <a:p>
+            <a:pPr algn="ctr"/>
+            <a:r>
+              <a:rPr lang="en-US" dirty="0"/>
+              <a:t>W-48 (192px)</a:t>
+            </a:r>
+            <a:endParaRPr lang="en-IN" dirty="0"/>
+          </a:p>
+        </p:txBody>
+      </p:sp>
+      <p:sp>
+        <p:nvSpPr>
+          <p:cNvPr id="10" name="Rectangle 9">
+            <a:extLst>
+              <a:ext uri="{FF2B5EF4-FFF2-40B4-BE49-F238E27FC236}">
+                <a16:creationId xmlns:a16="http://schemas.microsoft.com/office/drawing/2014/main" id="{7909CF85-B19C-7534-208E-7046081922E2}"/>
+              </a:ext>
+            </a:extLst>
+          </p:cNvPr>
+          <p:cNvSpPr/>
+          <p:nvPr/>
+        </p:nvSpPr>
+        <p:spPr>
+          <a:xfrm>
+            <a:off x="7458363" y="0"/>
+            <a:ext cx="5357092" cy="6858000"/>
+          </a:xfrm>
+          <a:prstGeom prst="rect">
+            <a:avLst/>
+          </a:prstGeom>
+        </p:spPr>
+        <p:style>
+          <a:lnRef idx="2">
+            <a:schemeClr val="accent1">
+              <a:shade val="15000"/>
+            </a:schemeClr>
+          </a:lnRef>
+          <a:fillRef idx="1">
+            <a:schemeClr val="accent1"/>
+          </a:fillRef>
+          <a:effectRef idx="0">
+            <a:schemeClr val="accent1"/>
+          </a:effectRef>
+          <a:fontRef idx="minor">
+            <a:schemeClr val="lt1"/>
+          </a:fontRef>
+        </p:style>
+        <p:txBody>
+          <a:bodyPr rtlCol="0" anchor="ctr"/>
+          <a:lstStyle/>
+          <a:p>
+            <a:pPr algn="ctr"/>
+            <a:r>
+              <a:rPr lang="en-US" dirty="0"/>
+              <a:t>W-3/8</a:t>
+            </a:r>
+          </a:p>
+          <a:p>
+            <a:pPr algn="ctr"/>
+            <a:r>
+              <a:rPr lang="en-US" dirty="0"/>
+              <a:t>75/2= width: 37.5%</a:t>
+            </a:r>
+          </a:p>
+          <a:p>
+            <a:pPr algn="ctr"/>
+            <a:endParaRPr lang="en-US" dirty="0"/>
+          </a:p>
+          <a:p>
+            <a:pPr algn="ctr"/>
+            <a:r>
+              <a:rPr lang="en-US" dirty="0"/>
+              <a:t>W-48 (192px)</a:t>
+            </a:r>
+            <a:endParaRPr lang="en-IN" dirty="0"/>
+          </a:p>
+        </p:txBody>
+      </p:sp>
+      <p:sp>
+        <p:nvSpPr>
+          <p:cNvPr id="11" name="Rectangle 10">
+            <a:extLst>
+              <a:ext uri="{FF2B5EF4-FFF2-40B4-BE49-F238E27FC236}">
+                <a16:creationId xmlns:a16="http://schemas.microsoft.com/office/drawing/2014/main" id="{7A30E574-2E52-18A2-2CF3-3F6FF8F1A6DC}"/>
+              </a:ext>
+            </a:extLst>
+          </p:cNvPr>
+          <p:cNvSpPr/>
+          <p:nvPr/>
+        </p:nvSpPr>
+        <p:spPr>
+          <a:xfrm>
+            <a:off x="179109" y="4817097"/>
+            <a:ext cx="12631918" cy="263950"/>
+          </a:xfrm>
+          <a:prstGeom prst="rect">
+            <a:avLst/>
+          </a:prstGeom>
+        </p:spPr>
+        <p:style>
+          <a:lnRef idx="2">
+            <a:schemeClr val="accent1">
+              <a:shade val="15000"/>
+            </a:schemeClr>
+          </a:lnRef>
+          <a:fillRef idx="1">
+            <a:schemeClr val="accent1"/>
+          </a:fillRef>
+          <a:effectRef idx="0">
+            <a:schemeClr val="accent1"/>
+          </a:effectRef>
+          <a:fontRef idx="minor">
+            <a:schemeClr val="lt1"/>
+          </a:fontRef>
+        </p:style>
+        <p:txBody>
+          <a:bodyPr rtlCol="0" anchor="ctr"/>
+          <a:lstStyle/>
+          <a:p>
+            <a:pPr algn="ctr"/>
+            <a:r>
+              <a:rPr lang="en-US" dirty="0"/>
+              <a:t>1024 </a:t>
+            </a:r>
+            <a:r>
+              <a:rPr lang="en-US" dirty="0" err="1"/>
+              <a:t>px</a:t>
+            </a:r>
+            <a:r>
+              <a:rPr lang="en-US" dirty="0"/>
+              <a:t> =/ (432px)48+192+192</a:t>
+            </a:r>
+          </a:p>
+          <a:p>
+            <a:pPr algn="ctr"/>
+            <a:r>
+              <a:rPr lang="en-US" dirty="0"/>
+              <a:t>1024-432 </a:t>
+            </a:r>
+            <a:r>
+              <a:rPr lang="en-US" dirty="0">
+                <a:sym typeface="Wingdings" panose="05000000000000000000" pitchFamily="2" charset="2"/>
+              </a:rPr>
+              <a:t> blank space</a:t>
+            </a:r>
+            <a:endParaRPr lang="en-IN" dirty="0"/>
+          </a:p>
+        </p:txBody>
+      </p:sp>
+    </p:spTree>
+    <p:extLst>
+      <p:ext uri="{BB962C8B-B14F-4D97-AF65-F5344CB8AC3E}">
+        <p14:creationId xmlns:p14="http://schemas.microsoft.com/office/powerpoint/2010/main" val="1574780263"/>
+      </p:ext>
+    </p:extLst>
+  </p:cSld>
+  <p:clrMapOvr>
+    <a:masterClrMapping/>
+  </p:clrMapOvr>
+</p:sld>
+</file>
+
+<file path=ppt/slides/slide12.xml><?xml version="1.0" encoding="utf-8"?>
+<p:sld xmlns:a="http://schemas.openxmlformats.org/drawingml/2006/main" xmlns:r="http://schemas.openxmlformats.org/officeDocument/2006/relationships" xmlns:p="http://schemas.openxmlformats.org/presentationml/2006/main">
+  <p:cSld>
+    <p:spTree>
+      <p:nvGrpSpPr>
+        <p:cNvPr id="1" name=""/>
+        <p:cNvGrpSpPr/>
+        <p:nvPr/>
+      </p:nvGrpSpPr>
+      <p:grpSpPr>
+        <a:xfrm>
+          <a:off x="0" y="0"/>
+          <a:ext cx="0" cy="0"/>
+          <a:chOff x="0" y="0"/>
+          <a:chExt cx="0" cy="0"/>
+        </a:xfrm>
+      </p:grpSpPr>
+      <p:sp>
+        <p:nvSpPr>
+          <p:cNvPr id="4" name="Rectangle 3">
+            <a:extLst>
+              <a:ext uri="{FF2B5EF4-FFF2-40B4-BE49-F238E27FC236}">
+                <a16:creationId xmlns:a16="http://schemas.microsoft.com/office/drawing/2014/main" id="{6C61A367-5176-4EF6-23FF-F990807BDEAD}"/>
+              </a:ext>
+            </a:extLst>
+          </p:cNvPr>
+          <p:cNvSpPr/>
+          <p:nvPr/>
+        </p:nvSpPr>
+        <p:spPr>
+          <a:xfrm>
+            <a:off x="45720" y="45720"/>
+            <a:ext cx="12082272" cy="6757416"/>
+          </a:xfrm>
+          <a:prstGeom prst="rect">
+            <a:avLst/>
+          </a:prstGeom>
+          <a:solidFill>
+            <a:schemeClr val="bg1">
+              <a:lumMod val="95000"/>
+            </a:schemeClr>
+          </a:solidFill>
+          <a:ln w="38100">
+            <a:solidFill>
+              <a:schemeClr val="tx1">
+                <a:lumMod val="95000"/>
+                <a:lumOff val="5000"/>
+              </a:schemeClr>
+            </a:solidFill>
+          </a:ln>
+        </p:spPr>
+        <p:style>
+          <a:lnRef idx="2">
+            <a:schemeClr val="accent1">
+              <a:shade val="15000"/>
+            </a:schemeClr>
+          </a:lnRef>
+          <a:fillRef idx="1">
+            <a:schemeClr val="accent1"/>
+          </a:fillRef>
+          <a:effectRef idx="0">
+            <a:schemeClr val="accent1"/>
+          </a:effectRef>
+          <a:fontRef idx="minor">
+            <a:schemeClr val="lt1"/>
+          </a:fontRef>
+        </p:style>
+        <p:txBody>
+          <a:bodyPr rtlCol="0" anchor="ctr"/>
+          <a:lstStyle/>
+          <a:p>
+            <a:pPr algn="ctr"/>
+            <a:endParaRPr lang="en-IN"/>
+          </a:p>
+        </p:txBody>
+      </p:sp>
+      <p:sp>
+        <p:nvSpPr>
+          <p:cNvPr id="5" name="Rectangle 4">
+            <a:extLst>
+              <a:ext uri="{FF2B5EF4-FFF2-40B4-BE49-F238E27FC236}">
+                <a16:creationId xmlns:a16="http://schemas.microsoft.com/office/drawing/2014/main" id="{67F41144-255C-0ABB-F07A-FB6E7A0AB094}"/>
+              </a:ext>
+            </a:extLst>
+          </p:cNvPr>
+          <p:cNvSpPr/>
+          <p:nvPr/>
+        </p:nvSpPr>
+        <p:spPr>
+          <a:xfrm>
+            <a:off x="91440" y="82296"/>
+            <a:ext cx="2660904" cy="6675120"/>
+          </a:xfrm>
+          <a:prstGeom prst="rect">
+            <a:avLst/>
+          </a:prstGeom>
+        </p:spPr>
+        <p:style>
+          <a:lnRef idx="0">
+            <a:schemeClr val="accent2"/>
+          </a:lnRef>
+          <a:fillRef idx="3">
+            <a:schemeClr val="accent2"/>
+          </a:fillRef>
+          <a:effectRef idx="3">
+            <a:schemeClr val="accent2"/>
+          </a:effectRef>
+          <a:fontRef idx="minor">
+            <a:schemeClr val="lt1"/>
+          </a:fontRef>
+        </p:style>
+        <p:txBody>
+          <a:bodyPr rtlCol="0" anchor="ctr"/>
+          <a:lstStyle/>
+          <a:p>
+            <a:pPr algn="ctr"/>
+            <a:endParaRPr lang="en-IN"/>
+          </a:p>
+        </p:txBody>
+      </p:sp>
+      <p:sp>
+        <p:nvSpPr>
+          <p:cNvPr id="6" name="Rectangle 5">
+            <a:extLst>
+              <a:ext uri="{FF2B5EF4-FFF2-40B4-BE49-F238E27FC236}">
+                <a16:creationId xmlns:a16="http://schemas.microsoft.com/office/drawing/2014/main" id="{9A262527-EFA4-CD5F-9979-83F03F9E0AE0}"/>
+              </a:ext>
+            </a:extLst>
+          </p:cNvPr>
+          <p:cNvSpPr/>
+          <p:nvPr/>
+        </p:nvSpPr>
+        <p:spPr>
+          <a:xfrm>
+            <a:off x="2788920" y="82296"/>
+            <a:ext cx="9302496" cy="6675120"/>
+          </a:xfrm>
+          <a:prstGeom prst="rect">
+            <a:avLst/>
+          </a:prstGeom>
+        </p:spPr>
+        <p:style>
+          <a:lnRef idx="2">
+            <a:schemeClr val="accent1">
+              <a:shade val="15000"/>
+            </a:schemeClr>
+          </a:lnRef>
+          <a:fillRef idx="1">
+            <a:schemeClr val="accent1"/>
+          </a:fillRef>
+          <a:effectRef idx="0">
+            <a:schemeClr val="accent1"/>
+          </a:effectRef>
+          <a:fontRef idx="minor">
+            <a:schemeClr val="lt1"/>
+          </a:fontRef>
+        </p:style>
+        <p:txBody>
+          <a:bodyPr rtlCol="0" anchor="ctr"/>
+          <a:lstStyle/>
+          <a:p>
+            <a:pPr algn="ctr"/>
+            <a:endParaRPr lang="en-IN"/>
+          </a:p>
+        </p:txBody>
+      </p:sp>
+      <p:sp>
+        <p:nvSpPr>
+          <p:cNvPr id="7" name="Rectangle 6">
+            <a:extLst>
+              <a:ext uri="{FF2B5EF4-FFF2-40B4-BE49-F238E27FC236}">
+                <a16:creationId xmlns:a16="http://schemas.microsoft.com/office/drawing/2014/main" id="{7C9D5474-90C8-B5B1-9375-6D18EBC2F341}"/>
+              </a:ext>
+            </a:extLst>
+          </p:cNvPr>
+          <p:cNvSpPr/>
+          <p:nvPr/>
+        </p:nvSpPr>
+        <p:spPr>
+          <a:xfrm>
+            <a:off x="2825496" y="118872"/>
+            <a:ext cx="9229344" cy="841248"/>
+          </a:xfrm>
+          <a:prstGeom prst="rect">
+            <a:avLst/>
+          </a:prstGeom>
+        </p:spPr>
+        <p:style>
+          <a:lnRef idx="2">
+            <a:schemeClr val="accent3">
+              <a:shade val="15000"/>
+            </a:schemeClr>
+          </a:lnRef>
+          <a:fillRef idx="1">
+            <a:schemeClr val="accent3"/>
+          </a:fillRef>
+          <a:effectRef idx="0">
+            <a:schemeClr val="accent3"/>
+          </a:effectRef>
+          <a:fontRef idx="minor">
+            <a:schemeClr val="lt1"/>
+          </a:fontRef>
+        </p:style>
+        <p:txBody>
+          <a:bodyPr rtlCol="0" anchor="ctr"/>
+          <a:lstStyle/>
+          <a:p>
+            <a:pPr algn="ctr"/>
+            <a:endParaRPr lang="en-IN"/>
+          </a:p>
+        </p:txBody>
+      </p:sp>
+      <p:sp>
+        <p:nvSpPr>
+          <p:cNvPr id="8" name="Rectangle 7">
+            <a:extLst>
+              <a:ext uri="{FF2B5EF4-FFF2-40B4-BE49-F238E27FC236}">
+                <a16:creationId xmlns:a16="http://schemas.microsoft.com/office/drawing/2014/main" id="{ABAC9916-B374-613A-D0D7-118A8CCE4923}"/>
+              </a:ext>
+            </a:extLst>
+          </p:cNvPr>
+          <p:cNvSpPr/>
+          <p:nvPr/>
+        </p:nvSpPr>
+        <p:spPr>
+          <a:xfrm>
+            <a:off x="2825496" y="216330"/>
+            <a:ext cx="3816173" cy="646331"/>
+          </a:xfrm>
+          <a:prstGeom prst="rect">
+            <a:avLst/>
+          </a:prstGeom>
+          <a:noFill/>
+        </p:spPr>
+        <p:txBody>
+          <a:bodyPr wrap="none" lIns="91440" tIns="45720" rIns="91440" bIns="45720">
+            <a:spAutoFit/>
+          </a:bodyPr>
+          <a:lstStyle/>
+          <a:p>
+            <a:pPr algn="ctr"/>
+            <a:r>
+              <a:rPr lang="en-US" sz="3600" b="1" cap="none" spc="0" dirty="0">
+                <a:ln w="9525">
+                  <a:solidFill>
+                    <a:schemeClr val="bg1"/>
+                  </a:solidFill>
+                  <a:prstDash val="solid"/>
+                </a:ln>
+                <a:solidFill>
+                  <a:schemeClr val="tx1"/>
+                </a:solidFill>
+                <a:effectLst>
+                  <a:outerShdw blurRad="12700" dist="38100" dir="2700000" algn="tl" rotWithShape="0">
+                    <a:schemeClr val="bg1">
+                      <a:lumMod val="50000"/>
+                    </a:schemeClr>
+                  </a:outerShdw>
+                </a:effectLst>
+              </a:rPr>
+              <a:t>Student Data Entry</a:t>
+            </a:r>
+          </a:p>
+        </p:txBody>
+      </p:sp>
+      <p:sp>
+        <p:nvSpPr>
+          <p:cNvPr id="9" name="Rectangle 8">
+            <a:extLst>
+              <a:ext uri="{FF2B5EF4-FFF2-40B4-BE49-F238E27FC236}">
+                <a16:creationId xmlns:a16="http://schemas.microsoft.com/office/drawing/2014/main" id="{C0FA4AF2-64DE-0FC2-3EFA-6D3F2F05E2EE}"/>
+              </a:ext>
+            </a:extLst>
+          </p:cNvPr>
+          <p:cNvSpPr/>
+          <p:nvPr/>
+        </p:nvSpPr>
+        <p:spPr>
+          <a:xfrm>
+            <a:off x="1873070" y="-4940886"/>
+            <a:ext cx="56313" cy="45719"/>
+          </a:xfrm>
+          <a:prstGeom prst="rect">
+            <a:avLst/>
+          </a:prstGeom>
+        </p:spPr>
+        <p:style>
+          <a:lnRef idx="2">
+            <a:schemeClr val="accent2">
+              <a:shade val="15000"/>
+            </a:schemeClr>
+          </a:lnRef>
+          <a:fillRef idx="1">
+            <a:schemeClr val="accent2"/>
+          </a:fillRef>
+          <a:effectRef idx="0">
+            <a:schemeClr val="accent2"/>
+          </a:effectRef>
+          <a:fontRef idx="minor">
+            <a:schemeClr val="lt1"/>
+          </a:fontRef>
+        </p:style>
+        <p:txBody>
+          <a:bodyPr rtlCol="0" anchor="ctr"/>
+          <a:lstStyle/>
+          <a:p>
+            <a:pPr algn="ctr"/>
+            <a:r>
+              <a:rPr lang="en-US" dirty="0"/>
+              <a:t>Log Out</a:t>
+            </a:r>
+            <a:endParaRPr lang="en-IN" dirty="0"/>
+          </a:p>
+        </p:txBody>
+      </p:sp>
+      <p:pic>
+        <p:nvPicPr>
+          <p:cNvPr id="10" name="Picture 2">
+            <a:extLst>
+              <a:ext uri="{FF2B5EF4-FFF2-40B4-BE49-F238E27FC236}">
+                <a16:creationId xmlns:a16="http://schemas.microsoft.com/office/drawing/2014/main" id="{D9735E11-470D-7B22-D60D-805B24237772}"/>
+              </a:ext>
+            </a:extLst>
+          </p:cNvPr>
+          <p:cNvPicPr>
+            <a:picLocks noChangeAspect="1" noChangeArrowheads="1"/>
+          </p:cNvPicPr>
+          <p:nvPr/>
+        </p:nvPicPr>
+        <p:blipFill>
+          <a:blip r:embed="rId2">
+            <a:extLst>
+              <a:ext uri="{28A0092B-C50C-407E-A947-70E740481C1C}">
+                <a14:useLocalDpi xmlns:a14="http://schemas.microsoft.com/office/drawing/2010/main" val="0"/>
+              </a:ext>
+            </a:extLst>
+          </a:blip>
+          <a:srcRect/>
+          <a:stretch>
+            <a:fillRect/>
+          </a:stretch>
+        </p:blipFill>
+        <p:spPr bwMode="auto">
+          <a:xfrm>
+            <a:off x="693840" y="216330"/>
+            <a:ext cx="1494623" cy="790321"/>
+          </a:xfrm>
+          <a:prstGeom prst="rect">
+            <a:avLst/>
+          </a:prstGeom>
+          <a:noFill/>
+          <a:extLst>
+            <a:ext uri="{909E8E84-426E-40DD-AFC4-6F175D3DCCD1}">
+              <a14:hiddenFill xmlns:a14="http://schemas.microsoft.com/office/drawing/2010/main">
+                <a:solidFill>
+                  <a:srgbClr val="FFFFFF"/>
+                </a:solidFill>
+              </a14:hiddenFill>
+            </a:ext>
+          </a:extLst>
+        </p:spPr>
+      </p:pic>
+      <p:sp>
+        <p:nvSpPr>
+          <p:cNvPr id="11" name="Rectangle: Rounded Corners 10">
+            <a:extLst>
+              <a:ext uri="{FF2B5EF4-FFF2-40B4-BE49-F238E27FC236}">
+                <a16:creationId xmlns:a16="http://schemas.microsoft.com/office/drawing/2014/main" id="{536770DC-FEE6-B37B-6AF5-D059234BD39C}"/>
+              </a:ext>
+            </a:extLst>
+          </p:cNvPr>
+          <p:cNvSpPr/>
+          <p:nvPr/>
+        </p:nvSpPr>
+        <p:spPr>
+          <a:xfrm>
+            <a:off x="274320" y="1262683"/>
+            <a:ext cx="2295144" cy="374904"/>
+          </a:xfrm>
+          <a:prstGeom prst="roundRect">
+            <a:avLst/>
+          </a:prstGeom>
+        </p:spPr>
+        <p:style>
+          <a:lnRef idx="1">
+            <a:schemeClr val="accent4"/>
+          </a:lnRef>
+          <a:fillRef idx="2">
+            <a:schemeClr val="accent4"/>
+          </a:fillRef>
+          <a:effectRef idx="1">
+            <a:schemeClr val="accent4"/>
+          </a:effectRef>
+          <a:fontRef idx="minor">
+            <a:schemeClr val="dk1"/>
+          </a:fontRef>
+        </p:style>
+        <p:txBody>
+          <a:bodyPr rtlCol="0" anchor="ctr"/>
+          <a:lstStyle/>
+          <a:p>
+            <a:pPr algn="ctr"/>
+            <a:r>
+              <a:rPr lang="en-US" dirty="0"/>
+              <a:t>Home</a:t>
+            </a:r>
+            <a:endParaRPr lang="en-IN" dirty="0"/>
+          </a:p>
+        </p:txBody>
+      </p:sp>
+      <p:sp>
+        <p:nvSpPr>
+          <p:cNvPr id="12" name="Rectangle 11">
+            <a:extLst>
+              <a:ext uri="{FF2B5EF4-FFF2-40B4-BE49-F238E27FC236}">
+                <a16:creationId xmlns:a16="http://schemas.microsoft.com/office/drawing/2014/main" id="{792CFC6A-D4FC-6264-C18A-05E6DBC96D67}"/>
+              </a:ext>
+            </a:extLst>
+          </p:cNvPr>
+          <p:cNvSpPr/>
+          <p:nvPr/>
+        </p:nvSpPr>
+        <p:spPr>
+          <a:xfrm>
+            <a:off x="2825496" y="996696"/>
+            <a:ext cx="9229344" cy="5742432"/>
+          </a:xfrm>
+          <a:prstGeom prst="rect">
+            <a:avLst/>
+          </a:prstGeom>
+        </p:spPr>
+        <p:style>
+          <a:lnRef idx="1">
+            <a:schemeClr val="accent6"/>
+          </a:lnRef>
+          <a:fillRef idx="2">
+            <a:schemeClr val="accent6"/>
+          </a:fillRef>
+          <a:effectRef idx="1">
+            <a:schemeClr val="accent6"/>
+          </a:effectRef>
+          <a:fontRef idx="minor">
+            <a:schemeClr val="dk1"/>
+          </a:fontRef>
+        </p:style>
+        <p:txBody>
+          <a:bodyPr rtlCol="0" anchor="ctr"/>
+          <a:lstStyle/>
+          <a:p>
+            <a:pPr algn="ctr"/>
+            <a:endParaRPr lang="en-IN"/>
+          </a:p>
+        </p:txBody>
+      </p:sp>
+      <p:sp>
+        <p:nvSpPr>
+          <p:cNvPr id="13" name="Rectangle: Rounded Corners 12">
+            <a:extLst>
+              <a:ext uri="{FF2B5EF4-FFF2-40B4-BE49-F238E27FC236}">
+                <a16:creationId xmlns:a16="http://schemas.microsoft.com/office/drawing/2014/main" id="{CFE31516-6077-DFD4-8DF0-6A0F4706335A}"/>
+              </a:ext>
+            </a:extLst>
+          </p:cNvPr>
+          <p:cNvSpPr/>
+          <p:nvPr/>
+        </p:nvSpPr>
+        <p:spPr>
+          <a:xfrm>
+            <a:off x="274320" y="1893619"/>
+            <a:ext cx="2295144" cy="374904"/>
+          </a:xfrm>
+          <a:prstGeom prst="roundRect">
+            <a:avLst/>
+          </a:prstGeom>
+        </p:spPr>
+        <p:style>
+          <a:lnRef idx="1">
+            <a:schemeClr val="accent4"/>
+          </a:lnRef>
+          <a:fillRef idx="2">
+            <a:schemeClr val="accent4"/>
+          </a:fillRef>
+          <a:effectRef idx="1">
+            <a:schemeClr val="accent4"/>
+          </a:effectRef>
+          <a:fontRef idx="minor">
+            <a:schemeClr val="dk1"/>
+          </a:fontRef>
+        </p:style>
+        <p:txBody>
+          <a:bodyPr rtlCol="0" anchor="ctr"/>
+          <a:lstStyle/>
+          <a:p>
+            <a:pPr algn="ctr"/>
+            <a:r>
+              <a:rPr lang="en-US" dirty="0"/>
+              <a:t>Data Entry</a:t>
+            </a:r>
+            <a:endParaRPr lang="en-IN" dirty="0"/>
+          </a:p>
+        </p:txBody>
+      </p:sp>
+      <p:sp>
+        <p:nvSpPr>
+          <p:cNvPr id="14" name="Rectangle: Rounded Corners 13">
+            <a:extLst>
+              <a:ext uri="{FF2B5EF4-FFF2-40B4-BE49-F238E27FC236}">
+                <a16:creationId xmlns:a16="http://schemas.microsoft.com/office/drawing/2014/main" id="{7FB232E3-4E57-43A1-0A72-48BC10291E84}"/>
+              </a:ext>
+            </a:extLst>
+          </p:cNvPr>
+          <p:cNvSpPr/>
+          <p:nvPr/>
+        </p:nvSpPr>
+        <p:spPr>
+          <a:xfrm>
+            <a:off x="251460" y="2498745"/>
+            <a:ext cx="2295144" cy="374904"/>
+          </a:xfrm>
+          <a:prstGeom prst="roundRect">
+            <a:avLst/>
+          </a:prstGeom>
+        </p:spPr>
+        <p:style>
+          <a:lnRef idx="1">
+            <a:schemeClr val="accent4"/>
+          </a:lnRef>
+          <a:fillRef idx="2">
+            <a:schemeClr val="accent4"/>
+          </a:fillRef>
+          <a:effectRef idx="1">
+            <a:schemeClr val="accent4"/>
+          </a:effectRef>
+          <a:fontRef idx="minor">
+            <a:schemeClr val="dk1"/>
+          </a:fontRef>
+        </p:style>
+        <p:txBody>
+          <a:bodyPr rtlCol="0" anchor="ctr"/>
+          <a:lstStyle/>
+          <a:p>
+            <a:pPr algn="ctr"/>
+            <a:r>
+              <a:rPr lang="en-US" dirty="0"/>
+              <a:t>Edit</a:t>
+            </a:r>
+            <a:endParaRPr lang="en-IN" dirty="0"/>
+          </a:p>
+        </p:txBody>
+      </p:sp>
+      <p:sp>
+        <p:nvSpPr>
+          <p:cNvPr id="15" name="Rectangle: Rounded Corners 14">
+            <a:extLst>
+              <a:ext uri="{FF2B5EF4-FFF2-40B4-BE49-F238E27FC236}">
+                <a16:creationId xmlns:a16="http://schemas.microsoft.com/office/drawing/2014/main" id="{0EAFC61C-7F79-31BD-E2B7-98001F2C6980}"/>
+              </a:ext>
+            </a:extLst>
+          </p:cNvPr>
+          <p:cNvSpPr/>
+          <p:nvPr/>
+        </p:nvSpPr>
+        <p:spPr>
+          <a:xfrm>
+            <a:off x="251460" y="3063645"/>
+            <a:ext cx="2295144" cy="374904"/>
+          </a:xfrm>
+          <a:prstGeom prst="roundRect">
+            <a:avLst/>
+          </a:prstGeom>
+        </p:spPr>
+        <p:style>
+          <a:lnRef idx="1">
+            <a:schemeClr val="accent4"/>
+          </a:lnRef>
+          <a:fillRef idx="2">
+            <a:schemeClr val="accent4"/>
+          </a:fillRef>
+          <a:effectRef idx="1">
+            <a:schemeClr val="accent4"/>
+          </a:effectRef>
+          <a:fontRef idx="minor">
+            <a:schemeClr val="dk1"/>
+          </a:fontRef>
+        </p:style>
+        <p:txBody>
+          <a:bodyPr rtlCol="0" anchor="ctr"/>
+          <a:lstStyle/>
+          <a:p>
+            <a:pPr algn="ctr"/>
+            <a:r>
+              <a:rPr lang="en-US" dirty="0"/>
+              <a:t>Delete</a:t>
+            </a:r>
+            <a:endParaRPr lang="en-IN" dirty="0"/>
+          </a:p>
+        </p:txBody>
+      </p:sp>
+      <p:sp>
+        <p:nvSpPr>
+          <p:cNvPr id="16" name="Rectangle: Rounded Corners 15">
+            <a:extLst>
+              <a:ext uri="{FF2B5EF4-FFF2-40B4-BE49-F238E27FC236}">
+                <a16:creationId xmlns:a16="http://schemas.microsoft.com/office/drawing/2014/main" id="{BE22BF9F-9DD0-4BAC-745A-0747D5882CEC}"/>
+              </a:ext>
+            </a:extLst>
+          </p:cNvPr>
+          <p:cNvSpPr/>
+          <p:nvPr/>
+        </p:nvSpPr>
+        <p:spPr>
+          <a:xfrm>
+            <a:off x="251460" y="3628545"/>
+            <a:ext cx="2295144" cy="374904"/>
+          </a:xfrm>
+          <a:prstGeom prst="roundRect">
+            <a:avLst/>
+          </a:prstGeom>
+        </p:spPr>
+        <p:style>
+          <a:lnRef idx="1">
+            <a:schemeClr val="accent4"/>
+          </a:lnRef>
+          <a:fillRef idx="2">
+            <a:schemeClr val="accent4"/>
+          </a:fillRef>
+          <a:effectRef idx="1">
+            <a:schemeClr val="accent4"/>
+          </a:effectRef>
+          <a:fontRef idx="minor">
+            <a:schemeClr val="dk1"/>
+          </a:fontRef>
+        </p:style>
+        <p:txBody>
+          <a:bodyPr rtlCol="0" anchor="ctr"/>
+          <a:lstStyle/>
+          <a:p>
+            <a:pPr algn="ctr"/>
+            <a:r>
+              <a:rPr lang="en-US" dirty="0"/>
+              <a:t>Reports</a:t>
+            </a:r>
+            <a:endParaRPr lang="en-IN" dirty="0"/>
+          </a:p>
+        </p:txBody>
+      </p:sp>
+      <p:sp>
+        <p:nvSpPr>
+          <p:cNvPr id="28" name="Rectangle: Rounded Corners 27">
+            <a:extLst>
+              <a:ext uri="{FF2B5EF4-FFF2-40B4-BE49-F238E27FC236}">
+                <a16:creationId xmlns:a16="http://schemas.microsoft.com/office/drawing/2014/main" id="{C2F747A1-520B-88FA-0FE8-BC6647F9C4F8}"/>
+              </a:ext>
+            </a:extLst>
+          </p:cNvPr>
+          <p:cNvSpPr/>
+          <p:nvPr/>
+        </p:nvSpPr>
+        <p:spPr>
+          <a:xfrm>
+            <a:off x="6541192" y="1378138"/>
+            <a:ext cx="2295144" cy="374904"/>
+          </a:xfrm>
+          <a:prstGeom prst="roundRect">
+            <a:avLst/>
+          </a:prstGeom>
+        </p:spPr>
+        <p:style>
+          <a:lnRef idx="1">
+            <a:schemeClr val="accent4"/>
+          </a:lnRef>
+          <a:fillRef idx="2">
+            <a:schemeClr val="accent4"/>
+          </a:fillRef>
+          <a:effectRef idx="1">
+            <a:schemeClr val="accent4"/>
+          </a:effectRef>
+          <a:fontRef idx="minor">
+            <a:schemeClr val="dk1"/>
+          </a:fontRef>
+        </p:style>
+        <p:txBody>
+          <a:bodyPr rtlCol="0" anchor="ctr"/>
+          <a:lstStyle/>
+          <a:p>
+            <a:pPr algn="ctr"/>
+            <a:r>
+              <a:rPr lang="en-US" dirty="0"/>
+              <a:t>{children}</a:t>
+            </a:r>
+          </a:p>
+          <a:p>
+            <a:pPr algn="ctr"/>
+            <a:endParaRPr lang="en-US" dirty="0"/>
+          </a:p>
+          <a:p>
+            <a:pPr algn="ctr"/>
+            <a:r>
+              <a:rPr lang="en-US" dirty="0"/>
+              <a:t>Dashboard</a:t>
+            </a:r>
+          </a:p>
+          <a:p>
+            <a:pPr algn="ctr"/>
+            <a:endParaRPr lang="en-US" dirty="0"/>
+          </a:p>
+          <a:p>
+            <a:pPr algn="ctr"/>
+            <a:r>
+              <a:rPr lang="en-US" dirty="0"/>
+              <a:t>Data entry</a:t>
+            </a:r>
+            <a:endParaRPr lang="en-IN" dirty="0"/>
+          </a:p>
+        </p:txBody>
+      </p:sp>
+    </p:spTree>
+    <p:extLst>
+      <p:ext uri="{BB962C8B-B14F-4D97-AF65-F5344CB8AC3E}">
+        <p14:creationId xmlns:p14="http://schemas.microsoft.com/office/powerpoint/2010/main" val="2360774107"/>
+      </p:ext>
+    </p:extLst>
+  </p:cSld>
+  <p:clrMapOvr>
+    <a:masterClrMapping/>
+  </p:clrMapOvr>
+</p:sld>
+</file>
+
+<file path=ppt/slides/slide13.xml><?xml version="1.0" encoding="utf-8"?>
+<p:sld xmlns:a="http://schemas.openxmlformats.org/drawingml/2006/main" xmlns:r="http://schemas.openxmlformats.org/officeDocument/2006/relationships" xmlns:p="http://schemas.openxmlformats.org/presentationml/2006/main">
+  <p:cSld>
+    <p:spTree>
+      <p:nvGrpSpPr>
+        <p:cNvPr id="1" name=""/>
+        <p:cNvGrpSpPr/>
+        <p:nvPr/>
+      </p:nvGrpSpPr>
+      <p:grpSpPr>
+        <a:xfrm>
+          <a:off x="0" y="0"/>
+          <a:ext cx="0" cy="0"/>
+          <a:chOff x="0" y="0"/>
+          <a:chExt cx="0" cy="0"/>
+        </a:xfrm>
+      </p:grpSpPr>
+      <p:sp>
+        <p:nvSpPr>
+          <p:cNvPr id="4" name="Rectangle 3">
+            <a:extLst>
+              <a:ext uri="{FF2B5EF4-FFF2-40B4-BE49-F238E27FC236}">
+                <a16:creationId xmlns:a16="http://schemas.microsoft.com/office/drawing/2014/main" id="{6C61A367-5176-4EF6-23FF-F990807BDEAD}"/>
+              </a:ext>
+            </a:extLst>
+          </p:cNvPr>
+          <p:cNvSpPr/>
+          <p:nvPr/>
+        </p:nvSpPr>
+        <p:spPr>
+          <a:xfrm>
+            <a:off x="45720" y="45720"/>
+            <a:ext cx="12082272" cy="6757416"/>
+          </a:xfrm>
+          <a:prstGeom prst="rect">
+            <a:avLst/>
+          </a:prstGeom>
+          <a:solidFill>
+            <a:schemeClr val="bg1">
+              <a:lumMod val="95000"/>
+            </a:schemeClr>
+          </a:solidFill>
+          <a:ln w="38100">
+            <a:solidFill>
+              <a:schemeClr val="tx1">
+                <a:lumMod val="95000"/>
+                <a:lumOff val="5000"/>
+              </a:schemeClr>
+            </a:solidFill>
+          </a:ln>
+        </p:spPr>
+        <p:style>
+          <a:lnRef idx="2">
+            <a:schemeClr val="accent1">
+              <a:shade val="15000"/>
+            </a:schemeClr>
+          </a:lnRef>
+          <a:fillRef idx="1">
+            <a:schemeClr val="accent1"/>
+          </a:fillRef>
+          <a:effectRef idx="0">
+            <a:schemeClr val="accent1"/>
+          </a:effectRef>
+          <a:fontRef idx="minor">
+            <a:schemeClr val="lt1"/>
+          </a:fontRef>
+        </p:style>
+        <p:txBody>
+          <a:bodyPr rtlCol="0" anchor="ctr"/>
+          <a:lstStyle/>
+          <a:p>
+            <a:pPr algn="ctr"/>
+            <a:endParaRPr lang="en-IN"/>
+          </a:p>
+        </p:txBody>
+      </p:sp>
+      <p:sp>
+        <p:nvSpPr>
+          <p:cNvPr id="5" name="Rectangle 4">
+            <a:extLst>
+              <a:ext uri="{FF2B5EF4-FFF2-40B4-BE49-F238E27FC236}">
+                <a16:creationId xmlns:a16="http://schemas.microsoft.com/office/drawing/2014/main" id="{67F41144-255C-0ABB-F07A-FB6E7A0AB094}"/>
+              </a:ext>
+            </a:extLst>
+          </p:cNvPr>
+          <p:cNvSpPr/>
+          <p:nvPr/>
+        </p:nvSpPr>
+        <p:spPr>
+          <a:xfrm>
+            <a:off x="91440" y="82296"/>
+            <a:ext cx="2660904" cy="6675120"/>
+          </a:xfrm>
+          <a:prstGeom prst="rect">
+            <a:avLst/>
+          </a:prstGeom>
+        </p:spPr>
+        <p:style>
+          <a:lnRef idx="0">
+            <a:schemeClr val="accent2"/>
+          </a:lnRef>
+          <a:fillRef idx="3">
+            <a:schemeClr val="accent2"/>
+          </a:fillRef>
+          <a:effectRef idx="3">
+            <a:schemeClr val="accent2"/>
+          </a:effectRef>
+          <a:fontRef idx="minor">
+            <a:schemeClr val="lt1"/>
+          </a:fontRef>
+        </p:style>
+        <p:txBody>
+          <a:bodyPr rtlCol="0" anchor="ctr"/>
+          <a:lstStyle/>
+          <a:p>
+            <a:pPr algn="ctr"/>
+            <a:endParaRPr lang="en-IN"/>
+          </a:p>
+        </p:txBody>
+      </p:sp>
+      <p:sp>
+        <p:nvSpPr>
+          <p:cNvPr id="6" name="Rectangle 5">
+            <a:extLst>
+              <a:ext uri="{FF2B5EF4-FFF2-40B4-BE49-F238E27FC236}">
+                <a16:creationId xmlns:a16="http://schemas.microsoft.com/office/drawing/2014/main" id="{9A262527-EFA4-CD5F-9979-83F03F9E0AE0}"/>
+              </a:ext>
+            </a:extLst>
+          </p:cNvPr>
+          <p:cNvSpPr/>
+          <p:nvPr/>
+        </p:nvSpPr>
+        <p:spPr>
+          <a:xfrm>
+            <a:off x="2788920" y="82296"/>
+            <a:ext cx="9302496" cy="6675120"/>
+          </a:xfrm>
+          <a:prstGeom prst="rect">
+            <a:avLst/>
+          </a:prstGeom>
+        </p:spPr>
+        <p:style>
+          <a:lnRef idx="2">
+            <a:schemeClr val="accent1">
+              <a:shade val="15000"/>
+            </a:schemeClr>
+          </a:lnRef>
+          <a:fillRef idx="1">
+            <a:schemeClr val="accent1"/>
+          </a:fillRef>
+          <a:effectRef idx="0">
+            <a:schemeClr val="accent1"/>
+          </a:effectRef>
+          <a:fontRef idx="minor">
+            <a:schemeClr val="lt1"/>
+          </a:fontRef>
+        </p:style>
+        <p:txBody>
+          <a:bodyPr rtlCol="0" anchor="ctr"/>
+          <a:lstStyle/>
+          <a:p>
+            <a:pPr algn="ctr"/>
+            <a:endParaRPr lang="en-IN"/>
+          </a:p>
+        </p:txBody>
+      </p:sp>
+      <p:sp>
+        <p:nvSpPr>
+          <p:cNvPr id="7" name="Rectangle 6">
+            <a:extLst>
+              <a:ext uri="{FF2B5EF4-FFF2-40B4-BE49-F238E27FC236}">
+                <a16:creationId xmlns:a16="http://schemas.microsoft.com/office/drawing/2014/main" id="{7C9D5474-90C8-B5B1-9375-6D18EBC2F341}"/>
+              </a:ext>
+            </a:extLst>
+          </p:cNvPr>
+          <p:cNvSpPr/>
+          <p:nvPr/>
+        </p:nvSpPr>
+        <p:spPr>
+          <a:xfrm>
+            <a:off x="2825496" y="118872"/>
+            <a:ext cx="9229344" cy="841248"/>
+          </a:xfrm>
+          <a:prstGeom prst="rect">
+            <a:avLst/>
+          </a:prstGeom>
+        </p:spPr>
+        <p:style>
+          <a:lnRef idx="2">
+            <a:schemeClr val="accent3">
+              <a:shade val="15000"/>
+            </a:schemeClr>
+          </a:lnRef>
+          <a:fillRef idx="1">
+            <a:schemeClr val="accent3"/>
+          </a:fillRef>
+          <a:effectRef idx="0">
+            <a:schemeClr val="accent3"/>
+          </a:effectRef>
+          <a:fontRef idx="minor">
+            <a:schemeClr val="lt1"/>
+          </a:fontRef>
+        </p:style>
+        <p:txBody>
+          <a:bodyPr rtlCol="0" anchor="ctr"/>
+          <a:lstStyle/>
+          <a:p>
+            <a:pPr algn="ctr"/>
+            <a:endParaRPr lang="en-IN"/>
+          </a:p>
+        </p:txBody>
+      </p:sp>
+      <p:sp>
+        <p:nvSpPr>
+          <p:cNvPr id="8" name="Rectangle 7">
+            <a:extLst>
+              <a:ext uri="{FF2B5EF4-FFF2-40B4-BE49-F238E27FC236}">
+                <a16:creationId xmlns:a16="http://schemas.microsoft.com/office/drawing/2014/main" id="{ABAC9916-B374-613A-D0D7-118A8CCE4923}"/>
+              </a:ext>
+            </a:extLst>
+          </p:cNvPr>
+          <p:cNvSpPr/>
+          <p:nvPr/>
+        </p:nvSpPr>
+        <p:spPr>
+          <a:xfrm>
+            <a:off x="2825496" y="216330"/>
+            <a:ext cx="3816173" cy="646331"/>
+          </a:xfrm>
+          <a:prstGeom prst="rect">
+            <a:avLst/>
+          </a:prstGeom>
+          <a:noFill/>
+        </p:spPr>
+        <p:txBody>
+          <a:bodyPr wrap="none" lIns="91440" tIns="45720" rIns="91440" bIns="45720">
+            <a:spAutoFit/>
+          </a:bodyPr>
+          <a:lstStyle/>
+          <a:p>
+            <a:pPr algn="ctr"/>
+            <a:r>
+              <a:rPr lang="en-US" sz="3600" b="1" cap="none" spc="0" dirty="0">
+                <a:ln w="9525">
+                  <a:solidFill>
+                    <a:schemeClr val="bg1"/>
+                  </a:solidFill>
+                  <a:prstDash val="solid"/>
+                </a:ln>
+                <a:solidFill>
+                  <a:schemeClr val="tx1"/>
+                </a:solidFill>
+                <a:effectLst>
+                  <a:outerShdw blurRad="12700" dist="38100" dir="2700000" algn="tl" rotWithShape="0">
+                    <a:schemeClr val="bg1">
+                      <a:lumMod val="50000"/>
+                    </a:schemeClr>
+                  </a:outerShdw>
+                </a:effectLst>
+              </a:rPr>
+              <a:t>Student Data Entry</a:t>
+            </a:r>
+          </a:p>
+        </p:txBody>
+      </p:sp>
+      <p:sp>
+        <p:nvSpPr>
+          <p:cNvPr id="9" name="Rectangle 8">
+            <a:extLst>
+              <a:ext uri="{FF2B5EF4-FFF2-40B4-BE49-F238E27FC236}">
+                <a16:creationId xmlns:a16="http://schemas.microsoft.com/office/drawing/2014/main" id="{C0FA4AF2-64DE-0FC2-3EFA-6D3F2F05E2EE}"/>
+              </a:ext>
+            </a:extLst>
+          </p:cNvPr>
+          <p:cNvSpPr/>
+          <p:nvPr/>
+        </p:nvSpPr>
+        <p:spPr>
+          <a:xfrm>
+            <a:off x="1873070" y="-4940886"/>
+            <a:ext cx="56313" cy="45719"/>
+          </a:xfrm>
+          <a:prstGeom prst="rect">
+            <a:avLst/>
+          </a:prstGeom>
+        </p:spPr>
+        <p:style>
+          <a:lnRef idx="2">
+            <a:schemeClr val="accent2">
+              <a:shade val="15000"/>
+            </a:schemeClr>
+          </a:lnRef>
+          <a:fillRef idx="1">
+            <a:schemeClr val="accent2"/>
+          </a:fillRef>
+          <a:effectRef idx="0">
+            <a:schemeClr val="accent2"/>
+          </a:effectRef>
+          <a:fontRef idx="minor">
+            <a:schemeClr val="lt1"/>
+          </a:fontRef>
+        </p:style>
+        <p:txBody>
+          <a:bodyPr rtlCol="0" anchor="ctr"/>
+          <a:lstStyle/>
+          <a:p>
+            <a:pPr algn="ctr"/>
+            <a:r>
+              <a:rPr lang="en-US" dirty="0"/>
+              <a:t>Log Out</a:t>
+            </a:r>
+            <a:endParaRPr lang="en-IN" dirty="0"/>
+          </a:p>
+        </p:txBody>
+      </p:sp>
+      <p:pic>
+        <p:nvPicPr>
+          <p:cNvPr id="10" name="Picture 2">
+            <a:extLst>
+              <a:ext uri="{FF2B5EF4-FFF2-40B4-BE49-F238E27FC236}">
+                <a16:creationId xmlns:a16="http://schemas.microsoft.com/office/drawing/2014/main" id="{D9735E11-470D-7B22-D60D-805B24237772}"/>
+              </a:ext>
+            </a:extLst>
+          </p:cNvPr>
+          <p:cNvPicPr>
+            <a:picLocks noChangeAspect="1" noChangeArrowheads="1"/>
+          </p:cNvPicPr>
+          <p:nvPr/>
+        </p:nvPicPr>
+        <p:blipFill>
+          <a:blip r:embed="rId2">
+            <a:extLst>
+              <a:ext uri="{28A0092B-C50C-407E-A947-70E740481C1C}">
+                <a14:useLocalDpi xmlns:a14="http://schemas.microsoft.com/office/drawing/2010/main" val="0"/>
+              </a:ext>
+            </a:extLst>
+          </a:blip>
+          <a:srcRect/>
+          <a:stretch>
+            <a:fillRect/>
+          </a:stretch>
+        </p:blipFill>
+        <p:spPr bwMode="auto">
+          <a:xfrm>
+            <a:off x="693840" y="216330"/>
+            <a:ext cx="1494623" cy="790321"/>
+          </a:xfrm>
+          <a:prstGeom prst="rect">
+            <a:avLst/>
+          </a:prstGeom>
+          <a:noFill/>
+          <a:extLst>
+            <a:ext uri="{909E8E84-426E-40DD-AFC4-6F175D3DCCD1}">
+              <a14:hiddenFill xmlns:a14="http://schemas.microsoft.com/office/drawing/2010/main">
+                <a:solidFill>
+                  <a:srgbClr val="FFFFFF"/>
+                </a:solidFill>
+              </a14:hiddenFill>
+            </a:ext>
+          </a:extLst>
+        </p:spPr>
+      </p:pic>
+      <p:sp>
+        <p:nvSpPr>
+          <p:cNvPr id="11" name="Rectangle: Rounded Corners 10">
+            <a:extLst>
+              <a:ext uri="{FF2B5EF4-FFF2-40B4-BE49-F238E27FC236}">
+                <a16:creationId xmlns:a16="http://schemas.microsoft.com/office/drawing/2014/main" id="{536770DC-FEE6-B37B-6AF5-D059234BD39C}"/>
+              </a:ext>
+            </a:extLst>
+          </p:cNvPr>
+          <p:cNvSpPr/>
+          <p:nvPr/>
+        </p:nvSpPr>
+        <p:spPr>
+          <a:xfrm>
+            <a:off x="274320" y="1262683"/>
+            <a:ext cx="2295144" cy="374904"/>
+          </a:xfrm>
+          <a:prstGeom prst="roundRect">
+            <a:avLst/>
+          </a:prstGeom>
+        </p:spPr>
+        <p:style>
+          <a:lnRef idx="1">
+            <a:schemeClr val="accent4"/>
+          </a:lnRef>
+          <a:fillRef idx="2">
+            <a:schemeClr val="accent4"/>
+          </a:fillRef>
+          <a:effectRef idx="1">
+            <a:schemeClr val="accent4"/>
+          </a:effectRef>
+          <a:fontRef idx="minor">
+            <a:schemeClr val="dk1"/>
+          </a:fontRef>
+        </p:style>
+        <p:txBody>
+          <a:bodyPr rtlCol="0" anchor="ctr"/>
+          <a:lstStyle/>
+          <a:p>
+            <a:pPr algn="ctr"/>
+            <a:r>
+              <a:rPr lang="en-US" dirty="0"/>
+              <a:t>Home</a:t>
+            </a:r>
+            <a:endParaRPr lang="en-IN" dirty="0"/>
+          </a:p>
+        </p:txBody>
+      </p:sp>
+      <p:sp>
+        <p:nvSpPr>
+          <p:cNvPr id="12" name="Rectangle 11">
+            <a:extLst>
+              <a:ext uri="{FF2B5EF4-FFF2-40B4-BE49-F238E27FC236}">
+                <a16:creationId xmlns:a16="http://schemas.microsoft.com/office/drawing/2014/main" id="{792CFC6A-D4FC-6264-C18A-05E6DBC96D67}"/>
+              </a:ext>
+            </a:extLst>
+          </p:cNvPr>
+          <p:cNvSpPr/>
+          <p:nvPr/>
+        </p:nvSpPr>
+        <p:spPr>
+          <a:xfrm>
+            <a:off x="2825496" y="996696"/>
+            <a:ext cx="9229344" cy="5742432"/>
+          </a:xfrm>
+          <a:prstGeom prst="rect">
+            <a:avLst/>
+          </a:prstGeom>
+        </p:spPr>
+        <p:style>
+          <a:lnRef idx="1">
+            <a:schemeClr val="accent6"/>
+          </a:lnRef>
+          <a:fillRef idx="2">
+            <a:schemeClr val="accent6"/>
+          </a:fillRef>
+          <a:effectRef idx="1">
+            <a:schemeClr val="accent6"/>
+          </a:effectRef>
+          <a:fontRef idx="minor">
+            <a:schemeClr val="dk1"/>
+          </a:fontRef>
+        </p:style>
+        <p:txBody>
+          <a:bodyPr rtlCol="0" anchor="ctr"/>
+          <a:lstStyle/>
+          <a:p>
+            <a:pPr algn="ctr"/>
+            <a:endParaRPr lang="en-IN"/>
+          </a:p>
+        </p:txBody>
+      </p:sp>
+      <p:sp>
+        <p:nvSpPr>
+          <p:cNvPr id="13" name="Rectangle: Rounded Corners 12">
+            <a:extLst>
+              <a:ext uri="{FF2B5EF4-FFF2-40B4-BE49-F238E27FC236}">
+                <a16:creationId xmlns:a16="http://schemas.microsoft.com/office/drawing/2014/main" id="{CFE31516-6077-DFD4-8DF0-6A0F4706335A}"/>
+              </a:ext>
+            </a:extLst>
+          </p:cNvPr>
+          <p:cNvSpPr/>
+          <p:nvPr/>
+        </p:nvSpPr>
+        <p:spPr>
+          <a:xfrm>
+            <a:off x="274320" y="1893619"/>
+            <a:ext cx="2295144" cy="374904"/>
+          </a:xfrm>
+          <a:prstGeom prst="roundRect">
+            <a:avLst/>
+          </a:prstGeom>
+        </p:spPr>
+        <p:style>
+          <a:lnRef idx="1">
+            <a:schemeClr val="accent4"/>
+          </a:lnRef>
+          <a:fillRef idx="2">
+            <a:schemeClr val="accent4"/>
+          </a:fillRef>
+          <a:effectRef idx="1">
+            <a:schemeClr val="accent4"/>
+          </a:effectRef>
+          <a:fontRef idx="minor">
+            <a:schemeClr val="dk1"/>
+          </a:fontRef>
+        </p:style>
+        <p:txBody>
+          <a:bodyPr rtlCol="0" anchor="ctr"/>
+          <a:lstStyle/>
+          <a:p>
+            <a:pPr algn="ctr"/>
+            <a:r>
+              <a:rPr lang="en-US" dirty="0"/>
+              <a:t>Data Entry</a:t>
+            </a:r>
+            <a:endParaRPr lang="en-IN" dirty="0"/>
+          </a:p>
+        </p:txBody>
+      </p:sp>
+      <p:sp>
+        <p:nvSpPr>
+          <p:cNvPr id="14" name="Rectangle: Rounded Corners 13">
+            <a:extLst>
+              <a:ext uri="{FF2B5EF4-FFF2-40B4-BE49-F238E27FC236}">
+                <a16:creationId xmlns:a16="http://schemas.microsoft.com/office/drawing/2014/main" id="{7FB232E3-4E57-43A1-0A72-48BC10291E84}"/>
+              </a:ext>
+            </a:extLst>
+          </p:cNvPr>
+          <p:cNvSpPr/>
+          <p:nvPr/>
+        </p:nvSpPr>
+        <p:spPr>
+          <a:xfrm>
+            <a:off x="251460" y="2498745"/>
+            <a:ext cx="2295144" cy="374904"/>
+          </a:xfrm>
+          <a:prstGeom prst="roundRect">
+            <a:avLst/>
+          </a:prstGeom>
+        </p:spPr>
+        <p:style>
+          <a:lnRef idx="1">
+            <a:schemeClr val="accent4"/>
+          </a:lnRef>
+          <a:fillRef idx="2">
+            <a:schemeClr val="accent4"/>
+          </a:fillRef>
+          <a:effectRef idx="1">
+            <a:schemeClr val="accent4"/>
+          </a:effectRef>
+          <a:fontRef idx="minor">
+            <a:schemeClr val="dk1"/>
+          </a:fontRef>
+        </p:style>
+        <p:txBody>
+          <a:bodyPr rtlCol="0" anchor="ctr"/>
+          <a:lstStyle/>
+          <a:p>
+            <a:pPr algn="ctr"/>
+            <a:r>
+              <a:rPr lang="en-US" dirty="0"/>
+              <a:t>Edit</a:t>
+            </a:r>
+            <a:endParaRPr lang="en-IN" dirty="0"/>
+          </a:p>
+        </p:txBody>
+      </p:sp>
+      <p:sp>
+        <p:nvSpPr>
+          <p:cNvPr id="15" name="Rectangle: Rounded Corners 14">
+            <a:extLst>
+              <a:ext uri="{FF2B5EF4-FFF2-40B4-BE49-F238E27FC236}">
+                <a16:creationId xmlns:a16="http://schemas.microsoft.com/office/drawing/2014/main" id="{0EAFC61C-7F79-31BD-E2B7-98001F2C6980}"/>
+              </a:ext>
+            </a:extLst>
+          </p:cNvPr>
+          <p:cNvSpPr/>
+          <p:nvPr/>
+        </p:nvSpPr>
+        <p:spPr>
+          <a:xfrm>
+            <a:off x="251460" y="3063645"/>
+            <a:ext cx="2295144" cy="374904"/>
+          </a:xfrm>
+          <a:prstGeom prst="roundRect">
+            <a:avLst/>
+          </a:prstGeom>
+        </p:spPr>
+        <p:style>
+          <a:lnRef idx="1">
+            <a:schemeClr val="accent4"/>
+          </a:lnRef>
+          <a:fillRef idx="2">
+            <a:schemeClr val="accent4"/>
+          </a:fillRef>
+          <a:effectRef idx="1">
+            <a:schemeClr val="accent4"/>
+          </a:effectRef>
+          <a:fontRef idx="minor">
+            <a:schemeClr val="dk1"/>
+          </a:fontRef>
+        </p:style>
+        <p:txBody>
+          <a:bodyPr rtlCol="0" anchor="ctr"/>
+          <a:lstStyle/>
+          <a:p>
+            <a:pPr algn="ctr"/>
+            <a:r>
+              <a:rPr lang="en-US" dirty="0"/>
+              <a:t>Delete</a:t>
+            </a:r>
+            <a:endParaRPr lang="en-IN" dirty="0"/>
+          </a:p>
+        </p:txBody>
+      </p:sp>
+      <p:sp>
+        <p:nvSpPr>
+          <p:cNvPr id="16" name="Rectangle: Rounded Corners 15">
+            <a:extLst>
+              <a:ext uri="{FF2B5EF4-FFF2-40B4-BE49-F238E27FC236}">
+                <a16:creationId xmlns:a16="http://schemas.microsoft.com/office/drawing/2014/main" id="{BE22BF9F-9DD0-4BAC-745A-0747D5882CEC}"/>
+              </a:ext>
+            </a:extLst>
+          </p:cNvPr>
+          <p:cNvSpPr/>
+          <p:nvPr/>
+        </p:nvSpPr>
+        <p:spPr>
+          <a:xfrm>
+            <a:off x="251460" y="3628545"/>
+            <a:ext cx="2295144" cy="374904"/>
+          </a:xfrm>
+          <a:prstGeom prst="roundRect">
+            <a:avLst/>
+          </a:prstGeom>
+        </p:spPr>
+        <p:style>
+          <a:lnRef idx="1">
+            <a:schemeClr val="accent4"/>
+          </a:lnRef>
+          <a:fillRef idx="2">
+            <a:schemeClr val="accent4"/>
+          </a:fillRef>
+          <a:effectRef idx="1">
+            <a:schemeClr val="accent4"/>
+          </a:effectRef>
+          <a:fontRef idx="minor">
+            <a:schemeClr val="dk1"/>
+          </a:fontRef>
+        </p:style>
+        <p:txBody>
+          <a:bodyPr rtlCol="0" anchor="ctr"/>
+          <a:lstStyle/>
+          <a:p>
+            <a:pPr algn="ctr"/>
+            <a:r>
+              <a:rPr lang="en-US" dirty="0"/>
+              <a:t>Reports</a:t>
+            </a:r>
+            <a:endParaRPr lang="en-IN" dirty="0"/>
+          </a:p>
+        </p:txBody>
+      </p:sp>
+      <p:sp>
+        <p:nvSpPr>
+          <p:cNvPr id="28" name="Rectangle: Rounded Corners 27">
+            <a:extLst>
+              <a:ext uri="{FF2B5EF4-FFF2-40B4-BE49-F238E27FC236}">
+                <a16:creationId xmlns:a16="http://schemas.microsoft.com/office/drawing/2014/main" id="{C2F747A1-520B-88FA-0FE8-BC6647F9C4F8}"/>
+              </a:ext>
+            </a:extLst>
+          </p:cNvPr>
+          <p:cNvSpPr/>
+          <p:nvPr/>
+        </p:nvSpPr>
+        <p:spPr>
+          <a:xfrm>
+            <a:off x="6541192" y="1378138"/>
+            <a:ext cx="2295144" cy="374904"/>
+          </a:xfrm>
+          <a:prstGeom prst="roundRect">
+            <a:avLst/>
+          </a:prstGeom>
+        </p:spPr>
+        <p:style>
+          <a:lnRef idx="1">
+            <a:schemeClr val="accent4"/>
+          </a:lnRef>
+          <a:fillRef idx="2">
+            <a:schemeClr val="accent4"/>
+          </a:fillRef>
+          <a:effectRef idx="1">
+            <a:schemeClr val="accent4"/>
+          </a:effectRef>
+          <a:fontRef idx="minor">
+            <a:schemeClr val="dk1"/>
+          </a:fontRef>
+        </p:style>
+        <p:txBody>
+          <a:bodyPr rtlCol="0" anchor="ctr"/>
+          <a:lstStyle/>
+          <a:p>
+            <a:pPr algn="ctr"/>
+            <a:r>
+              <a:rPr lang="en-US" dirty="0"/>
+              <a:t>Data Entry</a:t>
+            </a:r>
+            <a:endParaRPr lang="en-IN" dirty="0"/>
+          </a:p>
+        </p:txBody>
+      </p:sp>
+    </p:spTree>
+    <p:extLst>
+      <p:ext uri="{BB962C8B-B14F-4D97-AF65-F5344CB8AC3E}">
+        <p14:creationId xmlns:p14="http://schemas.microsoft.com/office/powerpoint/2010/main" val="1396103587"/>
+      </p:ext>
+    </p:extLst>
+  </p:cSld>
+  <p:clrMapOvr>
+    <a:masterClrMapping/>
+  </p:clrMapOvr>
+</p:sld>
+</file>
+
+<file path=ppt/slides/slide14.xml><?xml version="1.0" encoding="utf-8"?>
+<p:sld xmlns:a="http://schemas.openxmlformats.org/drawingml/2006/main" xmlns:r="http://schemas.openxmlformats.org/officeDocument/2006/relationships" xmlns:p="http://schemas.openxmlformats.org/presentationml/2006/main">
+  <p:cSld>
+    <p:spTree>
+      <p:nvGrpSpPr>
+        <p:cNvPr id="1" name=""/>
+        <p:cNvGrpSpPr/>
+        <p:nvPr/>
+      </p:nvGrpSpPr>
+      <p:grpSpPr>
+        <a:xfrm>
+          <a:off x="0" y="0"/>
+          <a:ext cx="0" cy="0"/>
+          <a:chOff x="0" y="0"/>
+          <a:chExt cx="0" cy="0"/>
+        </a:xfrm>
+      </p:grpSpPr>
+      <p:sp>
+        <p:nvSpPr>
+          <p:cNvPr id="4" name="Rectangle 3">
+            <a:extLst>
+              <a:ext uri="{FF2B5EF4-FFF2-40B4-BE49-F238E27FC236}">
+                <a16:creationId xmlns:a16="http://schemas.microsoft.com/office/drawing/2014/main" id="{6C61A367-5176-4EF6-23FF-F990807BDEAD}"/>
+              </a:ext>
+            </a:extLst>
+          </p:cNvPr>
+          <p:cNvSpPr/>
+          <p:nvPr/>
+        </p:nvSpPr>
+        <p:spPr>
+          <a:xfrm>
+            <a:off x="45720" y="45720"/>
+            <a:ext cx="12082272" cy="6757416"/>
+          </a:xfrm>
+          <a:prstGeom prst="rect">
+            <a:avLst/>
+          </a:prstGeom>
+          <a:solidFill>
+            <a:schemeClr val="bg1">
+              <a:lumMod val="95000"/>
+            </a:schemeClr>
+          </a:solidFill>
+          <a:ln w="38100">
+            <a:solidFill>
+              <a:schemeClr val="tx1">
+                <a:lumMod val="95000"/>
+                <a:lumOff val="5000"/>
+              </a:schemeClr>
+            </a:solidFill>
+          </a:ln>
+        </p:spPr>
+        <p:style>
+          <a:lnRef idx="2">
+            <a:schemeClr val="accent1">
+              <a:shade val="15000"/>
+            </a:schemeClr>
+          </a:lnRef>
+          <a:fillRef idx="1">
+            <a:schemeClr val="accent1"/>
+          </a:fillRef>
+          <a:effectRef idx="0">
+            <a:schemeClr val="accent1"/>
+          </a:effectRef>
+          <a:fontRef idx="minor">
+            <a:schemeClr val="lt1"/>
+          </a:fontRef>
+        </p:style>
+        <p:txBody>
+          <a:bodyPr rtlCol="0" anchor="ctr"/>
+          <a:lstStyle/>
+          <a:p>
+            <a:pPr algn="ctr"/>
+            <a:endParaRPr lang="en-IN"/>
+          </a:p>
+        </p:txBody>
+      </p:sp>
+      <p:sp>
+        <p:nvSpPr>
+          <p:cNvPr id="5" name="Rectangle 4">
+            <a:extLst>
+              <a:ext uri="{FF2B5EF4-FFF2-40B4-BE49-F238E27FC236}">
+                <a16:creationId xmlns:a16="http://schemas.microsoft.com/office/drawing/2014/main" id="{67F41144-255C-0ABB-F07A-FB6E7A0AB094}"/>
+              </a:ext>
+            </a:extLst>
+          </p:cNvPr>
+          <p:cNvSpPr/>
+          <p:nvPr/>
+        </p:nvSpPr>
+        <p:spPr>
+          <a:xfrm>
+            <a:off x="91440" y="82296"/>
+            <a:ext cx="2660904" cy="6675120"/>
+          </a:xfrm>
+          <a:prstGeom prst="rect">
+            <a:avLst/>
+          </a:prstGeom>
+        </p:spPr>
+        <p:style>
+          <a:lnRef idx="0">
+            <a:schemeClr val="accent2"/>
+          </a:lnRef>
+          <a:fillRef idx="3">
+            <a:schemeClr val="accent2"/>
+          </a:fillRef>
+          <a:effectRef idx="3">
+            <a:schemeClr val="accent2"/>
+          </a:effectRef>
+          <a:fontRef idx="minor">
+            <a:schemeClr val="lt1"/>
+          </a:fontRef>
+        </p:style>
+        <p:txBody>
+          <a:bodyPr rtlCol="0" anchor="ctr"/>
+          <a:lstStyle/>
+          <a:p>
+            <a:pPr algn="ctr"/>
+            <a:endParaRPr lang="en-IN"/>
+          </a:p>
+        </p:txBody>
+      </p:sp>
+      <p:sp>
+        <p:nvSpPr>
+          <p:cNvPr id="6" name="Rectangle 5">
+            <a:extLst>
+              <a:ext uri="{FF2B5EF4-FFF2-40B4-BE49-F238E27FC236}">
+                <a16:creationId xmlns:a16="http://schemas.microsoft.com/office/drawing/2014/main" id="{9A262527-EFA4-CD5F-9979-83F03F9E0AE0}"/>
+              </a:ext>
+            </a:extLst>
+          </p:cNvPr>
+          <p:cNvSpPr/>
+          <p:nvPr/>
+        </p:nvSpPr>
+        <p:spPr>
+          <a:xfrm>
+            <a:off x="2788920" y="82296"/>
+            <a:ext cx="9302496" cy="6675120"/>
+          </a:xfrm>
+          <a:prstGeom prst="rect">
+            <a:avLst/>
+          </a:prstGeom>
+        </p:spPr>
+        <p:style>
+          <a:lnRef idx="2">
+            <a:schemeClr val="accent1">
+              <a:shade val="15000"/>
+            </a:schemeClr>
+          </a:lnRef>
+          <a:fillRef idx="1">
+            <a:schemeClr val="accent1"/>
+          </a:fillRef>
+          <a:effectRef idx="0">
+            <a:schemeClr val="accent1"/>
+          </a:effectRef>
+          <a:fontRef idx="minor">
+            <a:schemeClr val="lt1"/>
+          </a:fontRef>
+        </p:style>
+        <p:txBody>
+          <a:bodyPr rtlCol="0" anchor="ctr"/>
+          <a:lstStyle/>
+          <a:p>
+            <a:pPr algn="ctr"/>
+            <a:endParaRPr lang="en-IN"/>
+          </a:p>
+        </p:txBody>
+      </p:sp>
+      <p:sp>
+        <p:nvSpPr>
+          <p:cNvPr id="7" name="Rectangle 6">
+            <a:extLst>
+              <a:ext uri="{FF2B5EF4-FFF2-40B4-BE49-F238E27FC236}">
+                <a16:creationId xmlns:a16="http://schemas.microsoft.com/office/drawing/2014/main" id="{7C9D5474-90C8-B5B1-9375-6D18EBC2F341}"/>
+              </a:ext>
+            </a:extLst>
+          </p:cNvPr>
+          <p:cNvSpPr/>
+          <p:nvPr/>
+        </p:nvSpPr>
+        <p:spPr>
+          <a:xfrm>
+            <a:off x="2825496" y="118872"/>
+            <a:ext cx="9229344" cy="841248"/>
+          </a:xfrm>
+          <a:prstGeom prst="rect">
+            <a:avLst/>
+          </a:prstGeom>
+        </p:spPr>
+        <p:style>
+          <a:lnRef idx="2">
+            <a:schemeClr val="accent3">
+              <a:shade val="15000"/>
+            </a:schemeClr>
+          </a:lnRef>
+          <a:fillRef idx="1">
+            <a:schemeClr val="accent3"/>
+          </a:fillRef>
+          <a:effectRef idx="0">
+            <a:schemeClr val="accent3"/>
+          </a:effectRef>
+          <a:fontRef idx="minor">
+            <a:schemeClr val="lt1"/>
+          </a:fontRef>
+        </p:style>
+        <p:txBody>
+          <a:bodyPr rtlCol="0" anchor="ctr"/>
+          <a:lstStyle/>
+          <a:p>
+            <a:pPr algn="ctr"/>
+            <a:endParaRPr lang="en-IN"/>
+          </a:p>
+        </p:txBody>
+      </p:sp>
+      <p:sp>
+        <p:nvSpPr>
+          <p:cNvPr id="8" name="Rectangle 7">
+            <a:extLst>
+              <a:ext uri="{FF2B5EF4-FFF2-40B4-BE49-F238E27FC236}">
+                <a16:creationId xmlns:a16="http://schemas.microsoft.com/office/drawing/2014/main" id="{ABAC9916-B374-613A-D0D7-118A8CCE4923}"/>
+              </a:ext>
+            </a:extLst>
+          </p:cNvPr>
+          <p:cNvSpPr/>
+          <p:nvPr/>
+        </p:nvSpPr>
+        <p:spPr>
+          <a:xfrm>
+            <a:off x="2825496" y="216330"/>
+            <a:ext cx="3816173" cy="646331"/>
+          </a:xfrm>
+          <a:prstGeom prst="rect">
+            <a:avLst/>
+          </a:prstGeom>
+          <a:noFill/>
+        </p:spPr>
+        <p:txBody>
+          <a:bodyPr wrap="none" lIns="91440" tIns="45720" rIns="91440" bIns="45720">
+            <a:spAutoFit/>
+          </a:bodyPr>
+          <a:lstStyle/>
+          <a:p>
+            <a:pPr algn="ctr"/>
+            <a:r>
+              <a:rPr lang="en-US" sz="3600" b="1" cap="none" spc="0" dirty="0">
+                <a:ln w="9525">
+                  <a:solidFill>
+                    <a:schemeClr val="bg1"/>
+                  </a:solidFill>
+                  <a:prstDash val="solid"/>
+                </a:ln>
+                <a:solidFill>
+                  <a:schemeClr val="tx1"/>
+                </a:solidFill>
+                <a:effectLst>
+                  <a:outerShdw blurRad="12700" dist="38100" dir="2700000" algn="tl" rotWithShape="0">
+                    <a:schemeClr val="bg1">
+                      <a:lumMod val="50000"/>
+                    </a:schemeClr>
+                  </a:outerShdw>
+                </a:effectLst>
+              </a:rPr>
+              <a:t>Student Data Entry</a:t>
+            </a:r>
+          </a:p>
+        </p:txBody>
+      </p:sp>
+      <p:sp>
+        <p:nvSpPr>
+          <p:cNvPr id="9" name="Rectangle 8">
+            <a:extLst>
+              <a:ext uri="{FF2B5EF4-FFF2-40B4-BE49-F238E27FC236}">
+                <a16:creationId xmlns:a16="http://schemas.microsoft.com/office/drawing/2014/main" id="{C0FA4AF2-64DE-0FC2-3EFA-6D3F2F05E2EE}"/>
+              </a:ext>
+            </a:extLst>
+          </p:cNvPr>
+          <p:cNvSpPr/>
+          <p:nvPr/>
+        </p:nvSpPr>
+        <p:spPr>
+          <a:xfrm>
+            <a:off x="1873070" y="-4940886"/>
+            <a:ext cx="56313" cy="45719"/>
+          </a:xfrm>
+          <a:prstGeom prst="rect">
+            <a:avLst/>
+          </a:prstGeom>
+        </p:spPr>
+        <p:style>
+          <a:lnRef idx="2">
+            <a:schemeClr val="accent2">
+              <a:shade val="15000"/>
+            </a:schemeClr>
+          </a:lnRef>
+          <a:fillRef idx="1">
+            <a:schemeClr val="accent2"/>
+          </a:fillRef>
+          <a:effectRef idx="0">
+            <a:schemeClr val="accent2"/>
+          </a:effectRef>
+          <a:fontRef idx="minor">
+            <a:schemeClr val="lt1"/>
+          </a:fontRef>
+        </p:style>
+        <p:txBody>
+          <a:bodyPr rtlCol="0" anchor="ctr"/>
+          <a:lstStyle/>
+          <a:p>
+            <a:pPr algn="ctr"/>
+            <a:r>
+              <a:rPr lang="en-US" dirty="0"/>
+              <a:t>Log Out</a:t>
+            </a:r>
+            <a:endParaRPr lang="en-IN" dirty="0"/>
+          </a:p>
+        </p:txBody>
+      </p:sp>
+      <p:pic>
+        <p:nvPicPr>
+          <p:cNvPr id="10" name="Picture 2">
+            <a:extLst>
+              <a:ext uri="{FF2B5EF4-FFF2-40B4-BE49-F238E27FC236}">
+                <a16:creationId xmlns:a16="http://schemas.microsoft.com/office/drawing/2014/main" id="{D9735E11-470D-7B22-D60D-805B24237772}"/>
+              </a:ext>
+            </a:extLst>
+          </p:cNvPr>
+          <p:cNvPicPr>
+            <a:picLocks noChangeAspect="1" noChangeArrowheads="1"/>
+          </p:cNvPicPr>
+          <p:nvPr/>
+        </p:nvPicPr>
+        <p:blipFill>
+          <a:blip r:embed="rId2">
+            <a:extLst>
+              <a:ext uri="{28A0092B-C50C-407E-A947-70E740481C1C}">
+                <a14:useLocalDpi xmlns:a14="http://schemas.microsoft.com/office/drawing/2010/main" val="0"/>
+              </a:ext>
+            </a:extLst>
+          </a:blip>
+          <a:srcRect/>
+          <a:stretch>
+            <a:fillRect/>
+          </a:stretch>
+        </p:blipFill>
+        <p:spPr bwMode="auto">
+          <a:xfrm>
+            <a:off x="693840" y="216330"/>
+            <a:ext cx="1494623" cy="790321"/>
+          </a:xfrm>
+          <a:prstGeom prst="rect">
+            <a:avLst/>
+          </a:prstGeom>
+          <a:noFill/>
+          <a:extLst>
+            <a:ext uri="{909E8E84-426E-40DD-AFC4-6F175D3DCCD1}">
+              <a14:hiddenFill xmlns:a14="http://schemas.microsoft.com/office/drawing/2010/main">
+                <a:solidFill>
+                  <a:srgbClr val="FFFFFF"/>
+                </a:solidFill>
+              </a14:hiddenFill>
+            </a:ext>
+          </a:extLst>
+        </p:spPr>
+      </p:pic>
+      <p:sp>
+        <p:nvSpPr>
+          <p:cNvPr id="11" name="Rectangle: Rounded Corners 10">
+            <a:extLst>
+              <a:ext uri="{FF2B5EF4-FFF2-40B4-BE49-F238E27FC236}">
+                <a16:creationId xmlns:a16="http://schemas.microsoft.com/office/drawing/2014/main" id="{536770DC-FEE6-B37B-6AF5-D059234BD39C}"/>
+              </a:ext>
+            </a:extLst>
+          </p:cNvPr>
+          <p:cNvSpPr/>
+          <p:nvPr/>
+        </p:nvSpPr>
+        <p:spPr>
+          <a:xfrm>
+            <a:off x="274320" y="1262683"/>
+            <a:ext cx="2295144" cy="374904"/>
+          </a:xfrm>
+          <a:prstGeom prst="roundRect">
+            <a:avLst/>
+          </a:prstGeom>
+        </p:spPr>
+        <p:style>
+          <a:lnRef idx="1">
+            <a:schemeClr val="accent4"/>
+          </a:lnRef>
+          <a:fillRef idx="2">
+            <a:schemeClr val="accent4"/>
+          </a:fillRef>
+          <a:effectRef idx="1">
+            <a:schemeClr val="accent4"/>
+          </a:effectRef>
+          <a:fontRef idx="minor">
+            <a:schemeClr val="dk1"/>
+          </a:fontRef>
+        </p:style>
+        <p:txBody>
+          <a:bodyPr rtlCol="0" anchor="ctr"/>
+          <a:lstStyle/>
+          <a:p>
+            <a:pPr algn="ctr"/>
+            <a:r>
+              <a:rPr lang="en-US" dirty="0"/>
+              <a:t>Home</a:t>
+            </a:r>
+            <a:endParaRPr lang="en-IN" dirty="0"/>
+          </a:p>
+        </p:txBody>
+      </p:sp>
+      <p:sp>
+        <p:nvSpPr>
+          <p:cNvPr id="12" name="Rectangle 11">
+            <a:extLst>
+              <a:ext uri="{FF2B5EF4-FFF2-40B4-BE49-F238E27FC236}">
+                <a16:creationId xmlns:a16="http://schemas.microsoft.com/office/drawing/2014/main" id="{792CFC6A-D4FC-6264-C18A-05E6DBC96D67}"/>
+              </a:ext>
+            </a:extLst>
+          </p:cNvPr>
+          <p:cNvSpPr/>
+          <p:nvPr/>
+        </p:nvSpPr>
+        <p:spPr>
+          <a:xfrm>
+            <a:off x="2825496" y="996696"/>
+            <a:ext cx="9229344" cy="5742432"/>
+          </a:xfrm>
+          <a:prstGeom prst="rect">
+            <a:avLst/>
+          </a:prstGeom>
+        </p:spPr>
+        <p:style>
+          <a:lnRef idx="1">
+            <a:schemeClr val="accent6"/>
+          </a:lnRef>
+          <a:fillRef idx="2">
+            <a:schemeClr val="accent6"/>
+          </a:fillRef>
+          <a:effectRef idx="1">
+            <a:schemeClr val="accent6"/>
+          </a:effectRef>
+          <a:fontRef idx="minor">
+            <a:schemeClr val="dk1"/>
+          </a:fontRef>
+        </p:style>
+        <p:txBody>
+          <a:bodyPr rtlCol="0" anchor="ctr"/>
+          <a:lstStyle/>
+          <a:p>
+            <a:pPr algn="ctr"/>
+            <a:endParaRPr lang="en-IN"/>
+          </a:p>
+        </p:txBody>
+      </p:sp>
+      <p:sp>
+        <p:nvSpPr>
+          <p:cNvPr id="13" name="Rectangle: Rounded Corners 12">
+            <a:extLst>
+              <a:ext uri="{FF2B5EF4-FFF2-40B4-BE49-F238E27FC236}">
+                <a16:creationId xmlns:a16="http://schemas.microsoft.com/office/drawing/2014/main" id="{CFE31516-6077-DFD4-8DF0-6A0F4706335A}"/>
+              </a:ext>
+            </a:extLst>
+          </p:cNvPr>
+          <p:cNvSpPr/>
+          <p:nvPr/>
+        </p:nvSpPr>
+        <p:spPr>
+          <a:xfrm>
+            <a:off x="274320" y="1893619"/>
+            <a:ext cx="2295144" cy="374904"/>
+          </a:xfrm>
+          <a:prstGeom prst="roundRect">
+            <a:avLst/>
+          </a:prstGeom>
+        </p:spPr>
+        <p:style>
+          <a:lnRef idx="1">
+            <a:schemeClr val="accent4"/>
+          </a:lnRef>
+          <a:fillRef idx="2">
+            <a:schemeClr val="accent4"/>
+          </a:fillRef>
+          <a:effectRef idx="1">
+            <a:schemeClr val="accent4"/>
+          </a:effectRef>
+          <a:fontRef idx="minor">
+            <a:schemeClr val="dk1"/>
+          </a:fontRef>
+        </p:style>
+        <p:txBody>
+          <a:bodyPr rtlCol="0" anchor="ctr"/>
+          <a:lstStyle/>
+          <a:p>
+            <a:pPr algn="ctr"/>
+            <a:r>
+              <a:rPr lang="en-US" dirty="0"/>
+              <a:t>Data Entry</a:t>
+            </a:r>
+            <a:endParaRPr lang="en-IN" dirty="0"/>
+          </a:p>
+        </p:txBody>
+      </p:sp>
+      <p:sp>
+        <p:nvSpPr>
+          <p:cNvPr id="14" name="Rectangle: Rounded Corners 13">
+            <a:extLst>
+              <a:ext uri="{FF2B5EF4-FFF2-40B4-BE49-F238E27FC236}">
+                <a16:creationId xmlns:a16="http://schemas.microsoft.com/office/drawing/2014/main" id="{7FB232E3-4E57-43A1-0A72-48BC10291E84}"/>
+              </a:ext>
+            </a:extLst>
+          </p:cNvPr>
+          <p:cNvSpPr/>
+          <p:nvPr/>
+        </p:nvSpPr>
+        <p:spPr>
+          <a:xfrm>
+            <a:off x="251460" y="2498745"/>
+            <a:ext cx="2295144" cy="374904"/>
+          </a:xfrm>
+          <a:prstGeom prst="roundRect">
+            <a:avLst/>
+          </a:prstGeom>
+        </p:spPr>
+        <p:style>
+          <a:lnRef idx="1">
+            <a:schemeClr val="accent4"/>
+          </a:lnRef>
+          <a:fillRef idx="2">
+            <a:schemeClr val="accent4"/>
+          </a:fillRef>
+          <a:effectRef idx="1">
+            <a:schemeClr val="accent4"/>
+          </a:effectRef>
+          <a:fontRef idx="minor">
+            <a:schemeClr val="dk1"/>
+          </a:fontRef>
+        </p:style>
+        <p:txBody>
+          <a:bodyPr rtlCol="0" anchor="ctr"/>
+          <a:lstStyle/>
+          <a:p>
+            <a:pPr algn="ctr"/>
+            <a:r>
+              <a:rPr lang="en-US" dirty="0"/>
+              <a:t>Edit</a:t>
+            </a:r>
+            <a:endParaRPr lang="en-IN" dirty="0"/>
+          </a:p>
+        </p:txBody>
+      </p:sp>
+      <p:sp>
+        <p:nvSpPr>
+          <p:cNvPr id="15" name="Rectangle: Rounded Corners 14">
+            <a:extLst>
+              <a:ext uri="{FF2B5EF4-FFF2-40B4-BE49-F238E27FC236}">
+                <a16:creationId xmlns:a16="http://schemas.microsoft.com/office/drawing/2014/main" id="{0EAFC61C-7F79-31BD-E2B7-98001F2C6980}"/>
+              </a:ext>
+            </a:extLst>
+          </p:cNvPr>
+          <p:cNvSpPr/>
+          <p:nvPr/>
+        </p:nvSpPr>
+        <p:spPr>
+          <a:xfrm>
+            <a:off x="251460" y="3063645"/>
+            <a:ext cx="2295144" cy="374904"/>
+          </a:xfrm>
+          <a:prstGeom prst="roundRect">
+            <a:avLst/>
+          </a:prstGeom>
+        </p:spPr>
+        <p:style>
+          <a:lnRef idx="1">
+            <a:schemeClr val="accent4"/>
+          </a:lnRef>
+          <a:fillRef idx="2">
+            <a:schemeClr val="accent4"/>
+          </a:fillRef>
+          <a:effectRef idx="1">
+            <a:schemeClr val="accent4"/>
+          </a:effectRef>
+          <a:fontRef idx="minor">
+            <a:schemeClr val="dk1"/>
+          </a:fontRef>
+        </p:style>
+        <p:txBody>
+          <a:bodyPr rtlCol="0" anchor="ctr"/>
+          <a:lstStyle/>
+          <a:p>
+            <a:pPr algn="ctr"/>
+            <a:r>
+              <a:rPr lang="en-US" dirty="0"/>
+              <a:t>Delete</a:t>
+            </a:r>
+            <a:endParaRPr lang="en-IN" dirty="0"/>
+          </a:p>
+        </p:txBody>
+      </p:sp>
+      <p:sp>
+        <p:nvSpPr>
+          <p:cNvPr id="16" name="Rectangle: Rounded Corners 15">
+            <a:extLst>
+              <a:ext uri="{FF2B5EF4-FFF2-40B4-BE49-F238E27FC236}">
+                <a16:creationId xmlns:a16="http://schemas.microsoft.com/office/drawing/2014/main" id="{BE22BF9F-9DD0-4BAC-745A-0747D5882CEC}"/>
+              </a:ext>
+            </a:extLst>
+          </p:cNvPr>
+          <p:cNvSpPr/>
+          <p:nvPr/>
+        </p:nvSpPr>
+        <p:spPr>
+          <a:xfrm>
+            <a:off x="251460" y="3628545"/>
+            <a:ext cx="2295144" cy="374904"/>
+          </a:xfrm>
+          <a:prstGeom prst="roundRect">
+            <a:avLst/>
+          </a:prstGeom>
+        </p:spPr>
+        <p:style>
+          <a:lnRef idx="1">
+            <a:schemeClr val="accent4"/>
+          </a:lnRef>
+          <a:fillRef idx="2">
+            <a:schemeClr val="accent4"/>
+          </a:fillRef>
+          <a:effectRef idx="1">
+            <a:schemeClr val="accent4"/>
+          </a:effectRef>
+          <a:fontRef idx="minor">
+            <a:schemeClr val="dk1"/>
+          </a:fontRef>
+        </p:style>
+        <p:txBody>
+          <a:bodyPr rtlCol="0" anchor="ctr"/>
+          <a:lstStyle/>
+          <a:p>
+            <a:pPr algn="ctr"/>
+            <a:r>
+              <a:rPr lang="en-US" dirty="0"/>
+              <a:t>Reports</a:t>
+            </a:r>
+            <a:endParaRPr lang="en-IN" dirty="0"/>
+          </a:p>
+        </p:txBody>
+      </p:sp>
+      <p:sp>
+        <p:nvSpPr>
+          <p:cNvPr id="28" name="Rectangle: Rounded Corners 27">
+            <a:extLst>
+              <a:ext uri="{FF2B5EF4-FFF2-40B4-BE49-F238E27FC236}">
+                <a16:creationId xmlns:a16="http://schemas.microsoft.com/office/drawing/2014/main" id="{C2F747A1-520B-88FA-0FE8-BC6647F9C4F8}"/>
+              </a:ext>
+            </a:extLst>
+          </p:cNvPr>
+          <p:cNvSpPr/>
+          <p:nvPr/>
+        </p:nvSpPr>
+        <p:spPr>
+          <a:xfrm>
+            <a:off x="6541192" y="1378138"/>
+            <a:ext cx="2295144" cy="374904"/>
+          </a:xfrm>
+          <a:prstGeom prst="roundRect">
+            <a:avLst/>
+          </a:prstGeom>
+        </p:spPr>
+        <p:style>
+          <a:lnRef idx="1">
+            <a:schemeClr val="accent4"/>
+          </a:lnRef>
+          <a:fillRef idx="2">
+            <a:schemeClr val="accent4"/>
+          </a:fillRef>
+          <a:effectRef idx="1">
+            <a:schemeClr val="accent4"/>
+          </a:effectRef>
+          <a:fontRef idx="minor">
+            <a:schemeClr val="dk1"/>
+          </a:fontRef>
+        </p:style>
+        <p:txBody>
+          <a:bodyPr rtlCol="0" anchor="ctr"/>
+          <a:lstStyle/>
+          <a:p>
+            <a:pPr algn="ctr"/>
+            <a:r>
+              <a:rPr lang="en-US" dirty="0"/>
+              <a:t>Edit</a:t>
+            </a:r>
+            <a:endParaRPr lang="en-IN" dirty="0"/>
+          </a:p>
+        </p:txBody>
+      </p:sp>
+    </p:spTree>
+    <p:extLst>
+      <p:ext uri="{BB962C8B-B14F-4D97-AF65-F5344CB8AC3E}">
+        <p14:creationId xmlns:p14="http://schemas.microsoft.com/office/powerpoint/2010/main" val="498501540"/>
+      </p:ext>
+    </p:extLst>
+  </p:cSld>
+  <p:clrMapOvr>
+    <a:masterClrMapping/>
+  </p:clrMapOvr>
+</p:sld>
+</file>
+
+<file path=ppt/slides/slide15.xml><?xml version="1.0" encoding="utf-8"?>
+<p:sld xmlns:a="http://schemas.openxmlformats.org/drawingml/2006/main" xmlns:r="http://schemas.openxmlformats.org/officeDocument/2006/relationships" xmlns:p="http://schemas.openxmlformats.org/presentationml/2006/main">
+  <p:cSld>
+    <p:spTree>
+      <p:nvGrpSpPr>
+        <p:cNvPr id="1" name=""/>
+        <p:cNvGrpSpPr/>
+        <p:nvPr/>
+      </p:nvGrpSpPr>
+      <p:grpSpPr>
+        <a:xfrm>
+          <a:off x="0" y="0"/>
+          <a:ext cx="0" cy="0"/>
+          <a:chOff x="0" y="0"/>
+          <a:chExt cx="0" cy="0"/>
+        </a:xfrm>
+      </p:grpSpPr>
+      <p:sp>
+        <p:nvSpPr>
+          <p:cNvPr id="4" name="Rectangle 3">
+            <a:extLst>
+              <a:ext uri="{FF2B5EF4-FFF2-40B4-BE49-F238E27FC236}">
+                <a16:creationId xmlns:a16="http://schemas.microsoft.com/office/drawing/2014/main" id="{83961CBF-E5EA-2D02-3FBF-2C12E925C41D}"/>
+              </a:ext>
+            </a:extLst>
+          </p:cNvPr>
+          <p:cNvSpPr/>
+          <p:nvPr/>
+        </p:nvSpPr>
+        <p:spPr>
+          <a:xfrm>
+            <a:off x="0" y="0"/>
+            <a:ext cx="12192000" cy="6858000"/>
+          </a:xfrm>
+          <a:prstGeom prst="rect">
+            <a:avLst/>
+          </a:prstGeom>
+        </p:spPr>
+        <p:style>
+          <a:lnRef idx="2">
+            <a:schemeClr val="dk1">
+              <a:shade val="15000"/>
+            </a:schemeClr>
+          </a:lnRef>
+          <a:fillRef idx="1">
+            <a:schemeClr val="dk1"/>
+          </a:fillRef>
+          <a:effectRef idx="0">
+            <a:schemeClr val="dk1"/>
+          </a:effectRef>
+          <a:fontRef idx="minor">
+            <a:schemeClr val="lt1"/>
+          </a:fontRef>
+        </p:style>
+        <p:txBody>
+          <a:bodyPr rtlCol="0" anchor="ctr"/>
+          <a:lstStyle/>
+          <a:p>
+            <a:pPr algn="ctr"/>
+            <a:endParaRPr lang="en-IN"/>
+          </a:p>
+        </p:txBody>
+      </p:sp>
+      <p:sp>
+        <p:nvSpPr>
+          <p:cNvPr id="5" name="Rectangle 4">
+            <a:extLst>
+              <a:ext uri="{FF2B5EF4-FFF2-40B4-BE49-F238E27FC236}">
+                <a16:creationId xmlns:a16="http://schemas.microsoft.com/office/drawing/2014/main" id="{5688A0F2-CAD0-2FC2-7E9B-12A1D0EB4ECE}"/>
+              </a:ext>
+            </a:extLst>
+          </p:cNvPr>
+          <p:cNvSpPr/>
+          <p:nvPr/>
+        </p:nvSpPr>
+        <p:spPr>
+          <a:xfrm>
+            <a:off x="0" y="0"/>
+            <a:ext cx="2752436" cy="6858000"/>
+          </a:xfrm>
+          <a:prstGeom prst="rect">
+            <a:avLst/>
+          </a:prstGeom>
+        </p:spPr>
+        <p:style>
+          <a:lnRef idx="2">
+            <a:schemeClr val="accent2">
+              <a:shade val="15000"/>
+            </a:schemeClr>
+          </a:lnRef>
+          <a:fillRef idx="1">
+            <a:schemeClr val="accent2"/>
+          </a:fillRef>
+          <a:effectRef idx="0">
+            <a:schemeClr val="accent2"/>
+          </a:effectRef>
+          <a:fontRef idx="minor">
+            <a:schemeClr val="lt1"/>
+          </a:fontRef>
+        </p:style>
+        <p:txBody>
+          <a:bodyPr rtlCol="0" anchor="ctr"/>
+          <a:lstStyle/>
+          <a:p>
+            <a:pPr algn="ctr"/>
+            <a:r>
+              <a:rPr lang="en-US" dirty="0"/>
+              <a:t>1/6 h-screen</a:t>
+            </a:r>
+            <a:endParaRPr lang="en-IN" dirty="0"/>
+          </a:p>
+        </p:txBody>
+      </p:sp>
+      <p:sp>
+        <p:nvSpPr>
+          <p:cNvPr id="6" name="Rectangle 5">
+            <a:extLst>
+              <a:ext uri="{FF2B5EF4-FFF2-40B4-BE49-F238E27FC236}">
+                <a16:creationId xmlns:a16="http://schemas.microsoft.com/office/drawing/2014/main" id="{D4800450-B68E-6738-A959-43C0EBCBFDC6}"/>
+              </a:ext>
+            </a:extLst>
+          </p:cNvPr>
+          <p:cNvSpPr/>
+          <p:nvPr/>
+        </p:nvSpPr>
+        <p:spPr>
+          <a:xfrm>
+            <a:off x="2752436" y="0"/>
+            <a:ext cx="9439564" cy="6858000"/>
+          </a:xfrm>
+          <a:prstGeom prst="rect">
+            <a:avLst/>
+          </a:prstGeom>
+        </p:spPr>
+        <p:style>
+          <a:lnRef idx="2">
+            <a:schemeClr val="accent1">
+              <a:shade val="15000"/>
+            </a:schemeClr>
+          </a:lnRef>
+          <a:fillRef idx="1">
+            <a:schemeClr val="accent1"/>
+          </a:fillRef>
+          <a:effectRef idx="0">
+            <a:schemeClr val="accent1"/>
+          </a:effectRef>
+          <a:fontRef idx="minor">
+            <a:schemeClr val="lt1"/>
+          </a:fontRef>
+        </p:style>
+        <p:txBody>
+          <a:bodyPr rtlCol="0" anchor="ctr"/>
+          <a:lstStyle/>
+          <a:p>
+            <a:pPr algn="ctr"/>
+            <a:r>
+              <a:rPr lang="en-US" dirty="0"/>
+              <a:t>5/6 h-screen</a:t>
+            </a:r>
+            <a:endParaRPr lang="en-IN" dirty="0"/>
+          </a:p>
+        </p:txBody>
+      </p:sp>
+      <p:sp>
+        <p:nvSpPr>
+          <p:cNvPr id="7" name="Rectangle 6">
+            <a:extLst>
+              <a:ext uri="{FF2B5EF4-FFF2-40B4-BE49-F238E27FC236}">
+                <a16:creationId xmlns:a16="http://schemas.microsoft.com/office/drawing/2014/main" id="{48D5E66A-5CD5-80BE-C713-929D67BD411D}"/>
+              </a:ext>
+            </a:extLst>
+          </p:cNvPr>
+          <p:cNvSpPr/>
+          <p:nvPr/>
+        </p:nvSpPr>
+        <p:spPr>
+          <a:xfrm>
+            <a:off x="2770911" y="0"/>
+            <a:ext cx="9365673" cy="1117600"/>
+          </a:xfrm>
+          <a:prstGeom prst="rect">
+            <a:avLst/>
+          </a:prstGeom>
+        </p:spPr>
+        <p:style>
+          <a:lnRef idx="2">
+            <a:schemeClr val="accent6">
+              <a:shade val="15000"/>
+            </a:schemeClr>
+          </a:lnRef>
+          <a:fillRef idx="1">
+            <a:schemeClr val="accent6"/>
+          </a:fillRef>
+          <a:effectRef idx="0">
+            <a:schemeClr val="accent6"/>
+          </a:effectRef>
+          <a:fontRef idx="minor">
+            <a:schemeClr val="lt1"/>
+          </a:fontRef>
+        </p:style>
+        <p:txBody>
+          <a:bodyPr rtlCol="0" anchor="ctr"/>
+          <a:lstStyle/>
+          <a:p>
+            <a:pPr algn="ctr"/>
+            <a:r>
+              <a:rPr lang="en-US" dirty="0"/>
+              <a:t>H-1/4 w-screen</a:t>
+            </a:r>
+            <a:endParaRPr lang="en-IN" dirty="0"/>
+          </a:p>
+        </p:txBody>
+      </p:sp>
+      <p:sp>
+        <p:nvSpPr>
+          <p:cNvPr id="8" name="Rectangle 7">
+            <a:extLst>
+              <a:ext uri="{FF2B5EF4-FFF2-40B4-BE49-F238E27FC236}">
+                <a16:creationId xmlns:a16="http://schemas.microsoft.com/office/drawing/2014/main" id="{4AC454E9-C922-6759-BE05-FF10DBDD48E0}"/>
+              </a:ext>
+            </a:extLst>
+          </p:cNvPr>
+          <p:cNvSpPr/>
+          <p:nvPr/>
+        </p:nvSpPr>
+        <p:spPr>
+          <a:xfrm>
+            <a:off x="2761671" y="1117600"/>
+            <a:ext cx="9365673" cy="5740400"/>
+          </a:xfrm>
+          <a:prstGeom prst="rect">
+            <a:avLst/>
+          </a:prstGeom>
+        </p:spPr>
+        <p:style>
+          <a:lnRef idx="2">
+            <a:schemeClr val="accent3">
+              <a:shade val="15000"/>
+            </a:schemeClr>
+          </a:lnRef>
+          <a:fillRef idx="1">
+            <a:schemeClr val="accent3"/>
+          </a:fillRef>
+          <a:effectRef idx="0">
+            <a:schemeClr val="accent3"/>
+          </a:effectRef>
+          <a:fontRef idx="minor">
+            <a:schemeClr val="lt1"/>
+          </a:fontRef>
+        </p:style>
+        <p:txBody>
+          <a:bodyPr rtlCol="0" anchor="ctr"/>
+          <a:lstStyle/>
+          <a:p>
+            <a:pPr algn="ctr"/>
+            <a:r>
+              <a:rPr lang="en-US" dirty="0"/>
+              <a:t>H-3/4 w-screen</a:t>
+            </a:r>
+            <a:endParaRPr lang="en-IN" dirty="0"/>
+          </a:p>
+        </p:txBody>
+      </p:sp>
+    </p:spTree>
+    <p:extLst>
+      <p:ext uri="{BB962C8B-B14F-4D97-AF65-F5344CB8AC3E}">
+        <p14:creationId xmlns:p14="http://schemas.microsoft.com/office/powerpoint/2010/main" val="2172955698"/>
+      </p:ext>
+    </p:extLst>
+  </p:cSld>
+  <p:clrMapOvr>
+    <a:masterClrMapping/>
+  </p:clrMapOvr>
+</p:sld>
+</file>
+
+<file path=ppt/slides/slide16.xml><?xml version="1.0" encoding="utf-8"?>
+<p:sld xmlns:a="http://schemas.openxmlformats.org/drawingml/2006/main" xmlns:r="http://schemas.openxmlformats.org/officeDocument/2006/relationships" xmlns:p="http://schemas.openxmlformats.org/presentationml/2006/main">
+  <p:cSld>
+    <p:spTree>
+      <p:nvGrpSpPr>
+        <p:cNvPr id="1" name=""/>
+        <p:cNvGrpSpPr/>
+        <p:nvPr/>
+      </p:nvGrpSpPr>
+      <p:grpSpPr>
+        <a:xfrm>
+          <a:off x="0" y="0"/>
+          <a:ext cx="0" cy="0"/>
+          <a:chOff x="0" y="0"/>
+          <a:chExt cx="0" cy="0"/>
+        </a:xfrm>
+      </p:grpSpPr>
+      <p:sp>
+        <p:nvSpPr>
+          <p:cNvPr id="4" name="Rectangle 3">
+            <a:extLst>
+              <a:ext uri="{FF2B5EF4-FFF2-40B4-BE49-F238E27FC236}">
+                <a16:creationId xmlns:a16="http://schemas.microsoft.com/office/drawing/2014/main" id="{32BA3862-16E1-9091-E613-1809B01D2205}"/>
+              </a:ext>
+            </a:extLst>
+          </p:cNvPr>
+          <p:cNvSpPr/>
+          <p:nvPr/>
+        </p:nvSpPr>
+        <p:spPr>
+          <a:xfrm>
+            <a:off x="0" y="0"/>
+            <a:ext cx="11508509" cy="5661891"/>
+          </a:xfrm>
+          <a:prstGeom prst="rect">
+            <a:avLst/>
+          </a:prstGeom>
+        </p:spPr>
+        <p:style>
+          <a:lnRef idx="2">
+            <a:schemeClr val="accent1">
+              <a:shade val="15000"/>
+            </a:schemeClr>
+          </a:lnRef>
+          <a:fillRef idx="1">
+            <a:schemeClr val="accent1"/>
+          </a:fillRef>
+          <a:effectRef idx="0">
+            <a:schemeClr val="accent1"/>
+          </a:effectRef>
+          <a:fontRef idx="minor">
+            <a:schemeClr val="lt1"/>
+          </a:fontRef>
+        </p:style>
+        <p:txBody>
+          <a:bodyPr rtlCol="0" anchor="ctr"/>
+          <a:lstStyle/>
+          <a:p>
+            <a:pPr algn="ctr"/>
+            <a:endParaRPr lang="en-IN"/>
+          </a:p>
+        </p:txBody>
+      </p:sp>
+      <p:sp>
+        <p:nvSpPr>
+          <p:cNvPr id="5" name="Rectangle 4">
+            <a:extLst>
+              <a:ext uri="{FF2B5EF4-FFF2-40B4-BE49-F238E27FC236}">
+                <a16:creationId xmlns:a16="http://schemas.microsoft.com/office/drawing/2014/main" id="{50C61301-80F6-7070-B6E8-40055FCE1B89}"/>
+              </a:ext>
+            </a:extLst>
+          </p:cNvPr>
+          <p:cNvSpPr/>
+          <p:nvPr/>
+        </p:nvSpPr>
+        <p:spPr>
+          <a:xfrm>
+            <a:off x="0" y="0"/>
+            <a:ext cx="1828800" cy="5661891"/>
+          </a:xfrm>
+          <a:prstGeom prst="rect">
+            <a:avLst/>
+          </a:prstGeom>
+        </p:spPr>
+        <p:style>
+          <a:lnRef idx="2">
+            <a:schemeClr val="accent2">
+              <a:shade val="15000"/>
+            </a:schemeClr>
+          </a:lnRef>
+          <a:fillRef idx="1">
+            <a:schemeClr val="accent2"/>
+          </a:fillRef>
+          <a:effectRef idx="0">
+            <a:schemeClr val="accent2"/>
+          </a:effectRef>
+          <a:fontRef idx="minor">
+            <a:schemeClr val="lt1"/>
+          </a:fontRef>
+        </p:style>
+        <p:txBody>
+          <a:bodyPr rtlCol="0" anchor="ctr"/>
+          <a:lstStyle/>
+          <a:p>
+            <a:pPr algn="ctr"/>
+            <a:endParaRPr lang="en-IN"/>
+          </a:p>
+        </p:txBody>
+      </p:sp>
+      <p:sp>
+        <p:nvSpPr>
+          <p:cNvPr id="6" name="Rectangle 5">
+            <a:extLst>
+              <a:ext uri="{FF2B5EF4-FFF2-40B4-BE49-F238E27FC236}">
+                <a16:creationId xmlns:a16="http://schemas.microsoft.com/office/drawing/2014/main" id="{7101DBFC-7020-13B3-E977-C707FCE35735}"/>
+              </a:ext>
+            </a:extLst>
+          </p:cNvPr>
+          <p:cNvSpPr/>
+          <p:nvPr/>
+        </p:nvSpPr>
+        <p:spPr>
+          <a:xfrm>
+            <a:off x="1828800" y="0"/>
+            <a:ext cx="9679709" cy="1108364"/>
+          </a:xfrm>
+          <a:prstGeom prst="rect">
+            <a:avLst/>
+          </a:prstGeom>
+        </p:spPr>
+        <p:style>
+          <a:lnRef idx="2">
+            <a:schemeClr val="accent3">
+              <a:shade val="15000"/>
+            </a:schemeClr>
+          </a:lnRef>
+          <a:fillRef idx="1">
+            <a:schemeClr val="accent3"/>
+          </a:fillRef>
+          <a:effectRef idx="0">
+            <a:schemeClr val="accent3"/>
+          </a:effectRef>
+          <a:fontRef idx="minor">
+            <a:schemeClr val="lt1"/>
+          </a:fontRef>
+        </p:style>
+        <p:txBody>
+          <a:bodyPr rtlCol="0" anchor="ctr"/>
+          <a:lstStyle/>
+          <a:p>
+            <a:pPr algn="ctr"/>
+            <a:endParaRPr lang="en-IN"/>
+          </a:p>
+        </p:txBody>
+      </p:sp>
+      <p:sp>
+        <p:nvSpPr>
+          <p:cNvPr id="7" name="Oval 6">
+            <a:extLst>
+              <a:ext uri="{FF2B5EF4-FFF2-40B4-BE49-F238E27FC236}">
+                <a16:creationId xmlns:a16="http://schemas.microsoft.com/office/drawing/2014/main" id="{18CF4097-BC74-AB68-49A5-C8FF0443F0E6}"/>
+              </a:ext>
+            </a:extLst>
+          </p:cNvPr>
+          <p:cNvSpPr/>
+          <p:nvPr/>
+        </p:nvSpPr>
+        <p:spPr>
+          <a:xfrm>
+            <a:off x="8968509" y="5320145"/>
+            <a:ext cx="905164" cy="914400"/>
+          </a:xfrm>
+          <a:prstGeom prst="ellipse">
+            <a:avLst/>
+          </a:prstGeom>
+        </p:spPr>
+        <p:style>
+          <a:lnRef idx="2">
+            <a:schemeClr val="accent1">
+              <a:shade val="15000"/>
+            </a:schemeClr>
+          </a:lnRef>
+          <a:fillRef idx="1">
+            <a:schemeClr val="accent1"/>
+          </a:fillRef>
+          <a:effectRef idx="0">
+            <a:schemeClr val="accent1"/>
+          </a:effectRef>
+          <a:fontRef idx="minor">
+            <a:schemeClr val="lt1"/>
+          </a:fontRef>
+        </p:style>
+        <p:txBody>
+          <a:bodyPr rtlCol="0" anchor="ctr"/>
+          <a:lstStyle/>
+          <a:p>
+            <a:pPr algn="ctr"/>
+            <a:r>
+              <a:rPr lang="en-US" dirty="0"/>
+              <a:t>Door</a:t>
+            </a:r>
+            <a:endParaRPr lang="en-IN" dirty="0"/>
+          </a:p>
+        </p:txBody>
+      </p:sp>
+      <p:cxnSp>
+        <p:nvCxnSpPr>
+          <p:cNvPr id="9" name="Straight Arrow Connector 8">
+            <a:extLst>
+              <a:ext uri="{FF2B5EF4-FFF2-40B4-BE49-F238E27FC236}">
+                <a16:creationId xmlns:a16="http://schemas.microsoft.com/office/drawing/2014/main" id="{5C49BB9A-CBA6-B0BF-3C23-795E5083F0BB}"/>
+              </a:ext>
+            </a:extLst>
+          </p:cNvPr>
+          <p:cNvCxnSpPr/>
+          <p:nvPr/>
+        </p:nvCxnSpPr>
+        <p:spPr>
+          <a:xfrm flipV="1">
+            <a:off x="8783782" y="5172364"/>
+            <a:ext cx="895927" cy="1062181"/>
+          </a:xfrm>
+          <a:prstGeom prst="straightConnector1">
+            <a:avLst/>
+          </a:prstGeom>
+          <a:ln>
+            <a:tailEnd type="triangle"/>
+          </a:ln>
+        </p:spPr>
+        <p:style>
+          <a:lnRef idx="3">
+            <a:schemeClr val="dk1"/>
+          </a:lnRef>
+          <a:fillRef idx="0">
+            <a:schemeClr val="dk1"/>
+          </a:fillRef>
+          <a:effectRef idx="2">
+            <a:schemeClr val="dk1"/>
+          </a:effectRef>
+          <a:fontRef idx="minor">
+            <a:schemeClr val="tx1"/>
+          </a:fontRef>
+        </p:style>
+      </p:cxnSp>
+      <p:sp>
+        <p:nvSpPr>
+          <p:cNvPr id="10" name="Rectangle 9">
+            <a:extLst>
+              <a:ext uri="{FF2B5EF4-FFF2-40B4-BE49-F238E27FC236}">
+                <a16:creationId xmlns:a16="http://schemas.microsoft.com/office/drawing/2014/main" id="{10A20637-15C4-2C6A-78A3-9AC29427EF43}"/>
+              </a:ext>
+            </a:extLst>
+          </p:cNvPr>
+          <p:cNvSpPr/>
+          <p:nvPr/>
+        </p:nvSpPr>
+        <p:spPr>
+          <a:xfrm>
+            <a:off x="6594764" y="5994400"/>
+            <a:ext cx="2096654" cy="480291"/>
+          </a:xfrm>
+          <a:prstGeom prst="rect">
+            <a:avLst/>
+          </a:prstGeom>
+        </p:spPr>
+        <p:style>
+          <a:lnRef idx="2">
+            <a:schemeClr val="accent1">
+              <a:shade val="15000"/>
+            </a:schemeClr>
+          </a:lnRef>
+          <a:fillRef idx="1">
+            <a:schemeClr val="accent1"/>
+          </a:fillRef>
+          <a:effectRef idx="0">
+            <a:schemeClr val="accent1"/>
+          </a:effectRef>
+          <a:fontRef idx="minor">
+            <a:schemeClr val="lt1"/>
+          </a:fontRef>
+        </p:style>
+        <p:txBody>
+          <a:bodyPr rtlCol="0" anchor="ctr"/>
+          <a:lstStyle/>
+          <a:p>
+            <a:pPr algn="ctr"/>
+            <a:endParaRPr lang="en-IN" dirty="0"/>
+          </a:p>
+        </p:txBody>
+      </p:sp>
+      <p:sp>
+        <p:nvSpPr>
+          <p:cNvPr id="13" name="Rectangle 12">
+            <a:extLst>
+              <a:ext uri="{FF2B5EF4-FFF2-40B4-BE49-F238E27FC236}">
+                <a16:creationId xmlns:a16="http://schemas.microsoft.com/office/drawing/2014/main" id="{55F808E6-1CB8-C8C8-7D7B-A34D1A2C47C8}"/>
+              </a:ext>
+            </a:extLst>
+          </p:cNvPr>
+          <p:cNvSpPr/>
+          <p:nvPr/>
+        </p:nvSpPr>
+        <p:spPr>
+          <a:xfrm>
+            <a:off x="3883891" y="1898073"/>
+            <a:ext cx="2096654" cy="480291"/>
+          </a:xfrm>
+          <a:prstGeom prst="rect">
+            <a:avLst/>
+          </a:prstGeom>
+        </p:spPr>
+        <p:style>
+          <a:lnRef idx="2">
+            <a:schemeClr val="accent1">
+              <a:shade val="15000"/>
+            </a:schemeClr>
+          </a:lnRef>
+          <a:fillRef idx="1">
+            <a:schemeClr val="accent1"/>
+          </a:fillRef>
+          <a:effectRef idx="0">
+            <a:schemeClr val="accent1"/>
+          </a:effectRef>
+          <a:fontRef idx="minor">
+            <a:schemeClr val="lt1"/>
+          </a:fontRef>
+        </p:style>
+        <p:txBody>
+          <a:bodyPr rtlCol="0" anchor="ctr"/>
+          <a:lstStyle/>
+          <a:p>
+            <a:pPr algn="ctr"/>
+            <a:endParaRPr lang="en-IN" dirty="0"/>
+          </a:p>
+        </p:txBody>
+      </p:sp>
+    </p:spTree>
+    <p:extLst>
+      <p:ext uri="{BB962C8B-B14F-4D97-AF65-F5344CB8AC3E}">
+        <p14:creationId xmlns:p14="http://schemas.microsoft.com/office/powerpoint/2010/main" val="1146237762"/>
+      </p:ext>
+    </p:extLst>
+  </p:cSld>
+  <p:clrMapOvr>
+    <a:masterClrMapping/>
+  </p:clrMapOvr>
+</p:sld>
+</file>
+
 <file path=ppt/slides/slide2.xml><?xml version="1.0" encoding="utf-8"?>
 <p:sld xmlns:a="http://schemas.openxmlformats.org/drawingml/2006/main" xmlns:r="http://schemas.openxmlformats.org/officeDocument/2006/relationships" xmlns:p="http://schemas.openxmlformats.org/presentationml/2006/main">
   <p:cSld>
@@ -4435,8 +7701,8 @@
           <a:p>
             <a:pPr algn="ctr"/>
             <a:r>
-              <a:rPr lang="en-US" dirty="0"/>
-              <a:t>Login.js</a:t>
+              <a:rPr lang="en-US" dirty="0" err="1"/>
+              <a:t>Login.jS</a:t>
             </a:r>
             <a:endParaRPr lang="en-IN" dirty="0"/>
           </a:p>
@@ -4563,6 +7829,2327 @@
     <p:extLst>
       <p:ext uri="{BB962C8B-B14F-4D97-AF65-F5344CB8AC3E}">
         <p14:creationId xmlns:p14="http://schemas.microsoft.com/office/powerpoint/2010/main" val="1801518996"/>
+      </p:ext>
+    </p:extLst>
+  </p:cSld>
+  <p:clrMapOvr>
+    <a:masterClrMapping/>
+  </p:clrMapOvr>
+</p:sld>
+</file>
+
+<file path=ppt/slides/slide6.xml><?xml version="1.0" encoding="utf-8"?>
+<p:sld xmlns:a="http://schemas.openxmlformats.org/drawingml/2006/main" xmlns:r="http://schemas.openxmlformats.org/officeDocument/2006/relationships" xmlns:p="http://schemas.openxmlformats.org/presentationml/2006/main">
+  <p:cSld>
+    <p:spTree>
+      <p:nvGrpSpPr>
+        <p:cNvPr id="1" name=""/>
+        <p:cNvGrpSpPr/>
+        <p:nvPr/>
+      </p:nvGrpSpPr>
+      <p:grpSpPr>
+        <a:xfrm>
+          <a:off x="0" y="0"/>
+          <a:ext cx="0" cy="0"/>
+          <a:chOff x="0" y="0"/>
+          <a:chExt cx="0" cy="0"/>
+        </a:xfrm>
+      </p:grpSpPr>
+      <p:sp>
+        <p:nvSpPr>
+          <p:cNvPr id="4" name="Rectangle 3">
+            <a:extLst>
+              <a:ext uri="{FF2B5EF4-FFF2-40B4-BE49-F238E27FC236}">
+                <a16:creationId xmlns:a16="http://schemas.microsoft.com/office/drawing/2014/main" id="{C7A16F1A-9778-2980-F7FE-E5A1C8CF2BC5}"/>
+              </a:ext>
+            </a:extLst>
+          </p:cNvPr>
+          <p:cNvSpPr/>
+          <p:nvPr/>
+        </p:nvSpPr>
+        <p:spPr>
+          <a:xfrm>
+            <a:off x="45720" y="45720"/>
+            <a:ext cx="12082272" cy="6757416"/>
+          </a:xfrm>
+          <a:prstGeom prst="rect">
+            <a:avLst/>
+          </a:prstGeom>
+          <a:solidFill>
+            <a:schemeClr val="bg1">
+              <a:lumMod val="95000"/>
+            </a:schemeClr>
+          </a:solidFill>
+          <a:ln w="38100">
+            <a:solidFill>
+              <a:schemeClr val="tx1">
+                <a:lumMod val="95000"/>
+                <a:lumOff val="5000"/>
+              </a:schemeClr>
+            </a:solidFill>
+          </a:ln>
+        </p:spPr>
+        <p:style>
+          <a:lnRef idx="2">
+            <a:schemeClr val="accent1">
+              <a:shade val="15000"/>
+            </a:schemeClr>
+          </a:lnRef>
+          <a:fillRef idx="1">
+            <a:schemeClr val="accent1"/>
+          </a:fillRef>
+          <a:effectRef idx="0">
+            <a:schemeClr val="accent1"/>
+          </a:effectRef>
+          <a:fontRef idx="minor">
+            <a:schemeClr val="lt1"/>
+          </a:fontRef>
+        </p:style>
+        <p:txBody>
+          <a:bodyPr rtlCol="0" anchor="ctr"/>
+          <a:lstStyle/>
+          <a:p>
+            <a:pPr algn="ctr"/>
+            <a:endParaRPr lang="en-IN"/>
+          </a:p>
+        </p:txBody>
+      </p:sp>
+      <p:sp>
+        <p:nvSpPr>
+          <p:cNvPr id="5" name="Rectangle 4">
+            <a:extLst>
+              <a:ext uri="{FF2B5EF4-FFF2-40B4-BE49-F238E27FC236}">
+                <a16:creationId xmlns:a16="http://schemas.microsoft.com/office/drawing/2014/main" id="{8F5466DE-0D96-BBB6-5C94-ABBB67FFDEA7}"/>
+              </a:ext>
+            </a:extLst>
+          </p:cNvPr>
+          <p:cNvSpPr/>
+          <p:nvPr/>
+        </p:nvSpPr>
+        <p:spPr>
+          <a:xfrm>
+            <a:off x="91440" y="82296"/>
+            <a:ext cx="2660904" cy="6675120"/>
+          </a:xfrm>
+          <a:prstGeom prst="rect">
+            <a:avLst/>
+          </a:prstGeom>
+        </p:spPr>
+        <p:style>
+          <a:lnRef idx="0">
+            <a:schemeClr val="accent2"/>
+          </a:lnRef>
+          <a:fillRef idx="3">
+            <a:schemeClr val="accent2"/>
+          </a:fillRef>
+          <a:effectRef idx="3">
+            <a:schemeClr val="accent2"/>
+          </a:effectRef>
+          <a:fontRef idx="minor">
+            <a:schemeClr val="lt1"/>
+          </a:fontRef>
+        </p:style>
+        <p:txBody>
+          <a:bodyPr rtlCol="0" anchor="ctr"/>
+          <a:lstStyle/>
+          <a:p>
+            <a:pPr algn="ctr"/>
+            <a:endParaRPr lang="en-IN"/>
+          </a:p>
+        </p:txBody>
+      </p:sp>
+      <p:sp>
+        <p:nvSpPr>
+          <p:cNvPr id="6" name="Rectangle 5">
+            <a:extLst>
+              <a:ext uri="{FF2B5EF4-FFF2-40B4-BE49-F238E27FC236}">
+                <a16:creationId xmlns:a16="http://schemas.microsoft.com/office/drawing/2014/main" id="{0498B653-5F51-413D-55DE-ADFE282E6F69}"/>
+              </a:ext>
+            </a:extLst>
+          </p:cNvPr>
+          <p:cNvSpPr/>
+          <p:nvPr/>
+        </p:nvSpPr>
+        <p:spPr>
+          <a:xfrm>
+            <a:off x="2788920" y="82296"/>
+            <a:ext cx="9302496" cy="6675120"/>
+          </a:xfrm>
+          <a:prstGeom prst="rect">
+            <a:avLst/>
+          </a:prstGeom>
+        </p:spPr>
+        <p:style>
+          <a:lnRef idx="2">
+            <a:schemeClr val="accent1">
+              <a:shade val="15000"/>
+            </a:schemeClr>
+          </a:lnRef>
+          <a:fillRef idx="1">
+            <a:schemeClr val="accent1"/>
+          </a:fillRef>
+          <a:effectRef idx="0">
+            <a:schemeClr val="accent1"/>
+          </a:effectRef>
+          <a:fontRef idx="minor">
+            <a:schemeClr val="lt1"/>
+          </a:fontRef>
+        </p:style>
+        <p:txBody>
+          <a:bodyPr rtlCol="0" anchor="ctr"/>
+          <a:lstStyle/>
+          <a:p>
+            <a:pPr algn="ctr"/>
+            <a:endParaRPr lang="en-IN"/>
+          </a:p>
+        </p:txBody>
+      </p:sp>
+      <p:sp>
+        <p:nvSpPr>
+          <p:cNvPr id="7" name="Rectangle 6">
+            <a:extLst>
+              <a:ext uri="{FF2B5EF4-FFF2-40B4-BE49-F238E27FC236}">
+                <a16:creationId xmlns:a16="http://schemas.microsoft.com/office/drawing/2014/main" id="{2FC0F901-D2F2-EA2B-77C3-28ECBA5DE1B7}"/>
+              </a:ext>
+            </a:extLst>
+          </p:cNvPr>
+          <p:cNvSpPr/>
+          <p:nvPr/>
+        </p:nvSpPr>
+        <p:spPr>
+          <a:xfrm>
+            <a:off x="2825496" y="118872"/>
+            <a:ext cx="9229344" cy="841248"/>
+          </a:xfrm>
+          <a:prstGeom prst="rect">
+            <a:avLst/>
+          </a:prstGeom>
+        </p:spPr>
+        <p:style>
+          <a:lnRef idx="2">
+            <a:schemeClr val="accent3">
+              <a:shade val="15000"/>
+            </a:schemeClr>
+          </a:lnRef>
+          <a:fillRef idx="1">
+            <a:schemeClr val="accent3"/>
+          </a:fillRef>
+          <a:effectRef idx="0">
+            <a:schemeClr val="accent3"/>
+          </a:effectRef>
+          <a:fontRef idx="minor">
+            <a:schemeClr val="lt1"/>
+          </a:fontRef>
+        </p:style>
+        <p:txBody>
+          <a:bodyPr rtlCol="0" anchor="ctr"/>
+          <a:lstStyle/>
+          <a:p>
+            <a:pPr algn="ctr"/>
+            <a:endParaRPr lang="en-IN"/>
+          </a:p>
+        </p:txBody>
+      </p:sp>
+      <p:sp>
+        <p:nvSpPr>
+          <p:cNvPr id="9" name="Rectangle 8">
+            <a:extLst>
+              <a:ext uri="{FF2B5EF4-FFF2-40B4-BE49-F238E27FC236}">
+                <a16:creationId xmlns:a16="http://schemas.microsoft.com/office/drawing/2014/main" id="{F1A570FE-9473-B518-C1EF-58EA2D06E250}"/>
+              </a:ext>
+            </a:extLst>
+          </p:cNvPr>
+          <p:cNvSpPr/>
+          <p:nvPr/>
+        </p:nvSpPr>
+        <p:spPr>
+          <a:xfrm>
+            <a:off x="2825496" y="216330"/>
+            <a:ext cx="3816173" cy="646331"/>
+          </a:xfrm>
+          <a:prstGeom prst="rect">
+            <a:avLst/>
+          </a:prstGeom>
+          <a:noFill/>
+        </p:spPr>
+        <p:txBody>
+          <a:bodyPr wrap="none" lIns="91440" tIns="45720" rIns="91440" bIns="45720">
+            <a:spAutoFit/>
+          </a:bodyPr>
+          <a:lstStyle/>
+          <a:p>
+            <a:pPr algn="ctr"/>
+            <a:r>
+              <a:rPr lang="en-US" sz="3600" b="1" cap="none" spc="0" dirty="0">
+                <a:ln w="9525">
+                  <a:solidFill>
+                    <a:schemeClr val="bg1"/>
+                  </a:solidFill>
+                  <a:prstDash val="solid"/>
+                </a:ln>
+                <a:solidFill>
+                  <a:schemeClr val="tx1"/>
+                </a:solidFill>
+                <a:effectLst>
+                  <a:outerShdw blurRad="12700" dist="38100" dir="2700000" algn="tl" rotWithShape="0">
+                    <a:schemeClr val="bg1">
+                      <a:lumMod val="50000"/>
+                    </a:schemeClr>
+                  </a:outerShdw>
+                </a:effectLst>
+              </a:rPr>
+              <a:t>Student Data Entry</a:t>
+            </a:r>
+          </a:p>
+        </p:txBody>
+      </p:sp>
+      <p:sp>
+        <p:nvSpPr>
+          <p:cNvPr id="10" name="Rectangle 9">
+            <a:extLst>
+              <a:ext uri="{FF2B5EF4-FFF2-40B4-BE49-F238E27FC236}">
+                <a16:creationId xmlns:a16="http://schemas.microsoft.com/office/drawing/2014/main" id="{21A2033F-49EF-CBC0-79BD-E1C6E663B8DD}"/>
+              </a:ext>
+            </a:extLst>
+          </p:cNvPr>
+          <p:cNvSpPr/>
+          <p:nvPr/>
+        </p:nvSpPr>
+        <p:spPr>
+          <a:xfrm>
+            <a:off x="1873070" y="-4940886"/>
+            <a:ext cx="56313" cy="45719"/>
+          </a:xfrm>
+          <a:prstGeom prst="rect">
+            <a:avLst/>
+          </a:prstGeom>
+        </p:spPr>
+        <p:style>
+          <a:lnRef idx="2">
+            <a:schemeClr val="accent2">
+              <a:shade val="15000"/>
+            </a:schemeClr>
+          </a:lnRef>
+          <a:fillRef idx="1">
+            <a:schemeClr val="accent2"/>
+          </a:fillRef>
+          <a:effectRef idx="0">
+            <a:schemeClr val="accent2"/>
+          </a:effectRef>
+          <a:fontRef idx="minor">
+            <a:schemeClr val="lt1"/>
+          </a:fontRef>
+        </p:style>
+        <p:txBody>
+          <a:bodyPr rtlCol="0" anchor="ctr"/>
+          <a:lstStyle/>
+          <a:p>
+            <a:pPr algn="ctr"/>
+            <a:r>
+              <a:rPr lang="en-US" dirty="0"/>
+              <a:t>Log Out</a:t>
+            </a:r>
+            <a:endParaRPr lang="en-IN" dirty="0"/>
+          </a:p>
+        </p:txBody>
+      </p:sp>
+      <p:pic>
+        <p:nvPicPr>
+          <p:cNvPr id="1026" name="Picture 2">
+            <a:extLst>
+              <a:ext uri="{FF2B5EF4-FFF2-40B4-BE49-F238E27FC236}">
+                <a16:creationId xmlns:a16="http://schemas.microsoft.com/office/drawing/2014/main" id="{ED6E420C-BD11-AF5D-CC0C-DCE4C3E1A525}"/>
+              </a:ext>
+            </a:extLst>
+          </p:cNvPr>
+          <p:cNvPicPr>
+            <a:picLocks noChangeAspect="1" noChangeArrowheads="1"/>
+          </p:cNvPicPr>
+          <p:nvPr/>
+        </p:nvPicPr>
+        <p:blipFill>
+          <a:blip r:embed="rId2">
+            <a:extLst>
+              <a:ext uri="{28A0092B-C50C-407E-A947-70E740481C1C}">
+                <a14:useLocalDpi xmlns:a14="http://schemas.microsoft.com/office/drawing/2010/main" val="0"/>
+              </a:ext>
+            </a:extLst>
+          </a:blip>
+          <a:srcRect/>
+          <a:stretch>
+            <a:fillRect/>
+          </a:stretch>
+        </p:blipFill>
+        <p:spPr bwMode="auto">
+          <a:xfrm>
+            <a:off x="693840" y="216330"/>
+            <a:ext cx="1494623" cy="790321"/>
+          </a:xfrm>
+          <a:prstGeom prst="rect">
+            <a:avLst/>
+          </a:prstGeom>
+          <a:noFill/>
+          <a:extLst>
+            <a:ext uri="{909E8E84-426E-40DD-AFC4-6F175D3DCCD1}">
+              <a14:hiddenFill xmlns:a14="http://schemas.microsoft.com/office/drawing/2010/main">
+                <a:solidFill>
+                  <a:srgbClr val="FFFFFF"/>
+                </a:solidFill>
+              </a14:hiddenFill>
+            </a:ext>
+          </a:extLst>
+        </p:spPr>
+      </p:pic>
+      <p:sp>
+        <p:nvSpPr>
+          <p:cNvPr id="11" name="Rectangle: Rounded Corners 10">
+            <a:extLst>
+              <a:ext uri="{FF2B5EF4-FFF2-40B4-BE49-F238E27FC236}">
+                <a16:creationId xmlns:a16="http://schemas.microsoft.com/office/drawing/2014/main" id="{8F0D3DD7-FB47-F572-184E-FB4D3FF7DE0B}"/>
+              </a:ext>
+            </a:extLst>
+          </p:cNvPr>
+          <p:cNvSpPr/>
+          <p:nvPr/>
+        </p:nvSpPr>
+        <p:spPr>
+          <a:xfrm>
+            <a:off x="274320" y="1262683"/>
+            <a:ext cx="2295144" cy="374904"/>
+          </a:xfrm>
+          <a:prstGeom prst="roundRect">
+            <a:avLst/>
+          </a:prstGeom>
+        </p:spPr>
+        <p:style>
+          <a:lnRef idx="1">
+            <a:schemeClr val="accent4"/>
+          </a:lnRef>
+          <a:fillRef idx="2">
+            <a:schemeClr val="accent4"/>
+          </a:fillRef>
+          <a:effectRef idx="1">
+            <a:schemeClr val="accent4"/>
+          </a:effectRef>
+          <a:fontRef idx="minor">
+            <a:schemeClr val="dk1"/>
+          </a:fontRef>
+        </p:style>
+        <p:txBody>
+          <a:bodyPr rtlCol="0" anchor="ctr"/>
+          <a:lstStyle/>
+          <a:p>
+            <a:pPr algn="ctr"/>
+            <a:r>
+              <a:rPr lang="en-US" dirty="0"/>
+              <a:t>Home</a:t>
+            </a:r>
+            <a:endParaRPr lang="en-IN" dirty="0"/>
+          </a:p>
+        </p:txBody>
+      </p:sp>
+      <p:sp>
+        <p:nvSpPr>
+          <p:cNvPr id="8" name="Rectangle 7">
+            <a:extLst>
+              <a:ext uri="{FF2B5EF4-FFF2-40B4-BE49-F238E27FC236}">
+                <a16:creationId xmlns:a16="http://schemas.microsoft.com/office/drawing/2014/main" id="{A62AC3F2-E542-E488-5752-4C45FD70F948}"/>
+              </a:ext>
+            </a:extLst>
+          </p:cNvPr>
+          <p:cNvSpPr/>
+          <p:nvPr/>
+        </p:nvSpPr>
+        <p:spPr>
+          <a:xfrm>
+            <a:off x="2825496" y="996696"/>
+            <a:ext cx="9229344" cy="5742432"/>
+          </a:xfrm>
+          <a:prstGeom prst="rect">
+            <a:avLst/>
+          </a:prstGeom>
+        </p:spPr>
+        <p:style>
+          <a:lnRef idx="1">
+            <a:schemeClr val="accent6"/>
+          </a:lnRef>
+          <a:fillRef idx="2">
+            <a:schemeClr val="accent6"/>
+          </a:fillRef>
+          <a:effectRef idx="1">
+            <a:schemeClr val="accent6"/>
+          </a:effectRef>
+          <a:fontRef idx="minor">
+            <a:schemeClr val="dk1"/>
+          </a:fontRef>
+        </p:style>
+        <p:txBody>
+          <a:bodyPr rtlCol="0" anchor="ctr"/>
+          <a:lstStyle/>
+          <a:p>
+            <a:pPr algn="ctr"/>
+            <a:endParaRPr lang="en-IN"/>
+          </a:p>
+        </p:txBody>
+      </p:sp>
+      <p:sp>
+        <p:nvSpPr>
+          <p:cNvPr id="12" name="Rectangle: Rounded Corners 11">
+            <a:extLst>
+              <a:ext uri="{FF2B5EF4-FFF2-40B4-BE49-F238E27FC236}">
+                <a16:creationId xmlns:a16="http://schemas.microsoft.com/office/drawing/2014/main" id="{BA8B8304-A616-16CA-0CE6-B28CE65EF533}"/>
+              </a:ext>
+            </a:extLst>
+          </p:cNvPr>
+          <p:cNvSpPr/>
+          <p:nvPr/>
+        </p:nvSpPr>
+        <p:spPr>
+          <a:xfrm>
+            <a:off x="274320" y="1893619"/>
+            <a:ext cx="2295144" cy="374904"/>
+          </a:xfrm>
+          <a:prstGeom prst="roundRect">
+            <a:avLst/>
+          </a:prstGeom>
+        </p:spPr>
+        <p:style>
+          <a:lnRef idx="1">
+            <a:schemeClr val="accent4"/>
+          </a:lnRef>
+          <a:fillRef idx="2">
+            <a:schemeClr val="accent4"/>
+          </a:fillRef>
+          <a:effectRef idx="1">
+            <a:schemeClr val="accent4"/>
+          </a:effectRef>
+          <a:fontRef idx="minor">
+            <a:schemeClr val="dk1"/>
+          </a:fontRef>
+        </p:style>
+        <p:txBody>
+          <a:bodyPr rtlCol="0" anchor="ctr"/>
+          <a:lstStyle/>
+          <a:p>
+            <a:pPr algn="ctr"/>
+            <a:r>
+              <a:rPr lang="en-US" dirty="0"/>
+              <a:t>Data Entry</a:t>
+            </a:r>
+            <a:endParaRPr lang="en-IN" dirty="0"/>
+          </a:p>
+        </p:txBody>
+      </p:sp>
+      <p:sp>
+        <p:nvSpPr>
+          <p:cNvPr id="13" name="Rectangle: Rounded Corners 12">
+            <a:extLst>
+              <a:ext uri="{FF2B5EF4-FFF2-40B4-BE49-F238E27FC236}">
+                <a16:creationId xmlns:a16="http://schemas.microsoft.com/office/drawing/2014/main" id="{9875791E-5569-5A8D-EC3C-73377F5AF4E5}"/>
+              </a:ext>
+            </a:extLst>
+          </p:cNvPr>
+          <p:cNvSpPr/>
+          <p:nvPr/>
+        </p:nvSpPr>
+        <p:spPr>
+          <a:xfrm>
+            <a:off x="251460" y="2498745"/>
+            <a:ext cx="2295144" cy="374904"/>
+          </a:xfrm>
+          <a:prstGeom prst="roundRect">
+            <a:avLst/>
+          </a:prstGeom>
+        </p:spPr>
+        <p:style>
+          <a:lnRef idx="1">
+            <a:schemeClr val="accent4"/>
+          </a:lnRef>
+          <a:fillRef idx="2">
+            <a:schemeClr val="accent4"/>
+          </a:fillRef>
+          <a:effectRef idx="1">
+            <a:schemeClr val="accent4"/>
+          </a:effectRef>
+          <a:fontRef idx="minor">
+            <a:schemeClr val="dk1"/>
+          </a:fontRef>
+        </p:style>
+        <p:txBody>
+          <a:bodyPr rtlCol="0" anchor="ctr"/>
+          <a:lstStyle/>
+          <a:p>
+            <a:pPr algn="ctr"/>
+            <a:r>
+              <a:rPr lang="en-US" dirty="0"/>
+              <a:t>Edit</a:t>
+            </a:r>
+            <a:endParaRPr lang="en-IN" dirty="0"/>
+          </a:p>
+        </p:txBody>
+      </p:sp>
+      <p:sp>
+        <p:nvSpPr>
+          <p:cNvPr id="14" name="Rectangle: Rounded Corners 13">
+            <a:extLst>
+              <a:ext uri="{FF2B5EF4-FFF2-40B4-BE49-F238E27FC236}">
+                <a16:creationId xmlns:a16="http://schemas.microsoft.com/office/drawing/2014/main" id="{4AC98DD2-C9FB-3C4D-5C75-15C73BE99684}"/>
+              </a:ext>
+            </a:extLst>
+          </p:cNvPr>
+          <p:cNvSpPr/>
+          <p:nvPr/>
+        </p:nvSpPr>
+        <p:spPr>
+          <a:xfrm>
+            <a:off x="251460" y="3063645"/>
+            <a:ext cx="2295144" cy="374904"/>
+          </a:xfrm>
+          <a:prstGeom prst="roundRect">
+            <a:avLst/>
+          </a:prstGeom>
+        </p:spPr>
+        <p:style>
+          <a:lnRef idx="1">
+            <a:schemeClr val="accent4"/>
+          </a:lnRef>
+          <a:fillRef idx="2">
+            <a:schemeClr val="accent4"/>
+          </a:fillRef>
+          <a:effectRef idx="1">
+            <a:schemeClr val="accent4"/>
+          </a:effectRef>
+          <a:fontRef idx="minor">
+            <a:schemeClr val="dk1"/>
+          </a:fontRef>
+        </p:style>
+        <p:txBody>
+          <a:bodyPr rtlCol="0" anchor="ctr"/>
+          <a:lstStyle/>
+          <a:p>
+            <a:pPr algn="ctr"/>
+            <a:r>
+              <a:rPr lang="en-US" dirty="0"/>
+              <a:t>Delete</a:t>
+            </a:r>
+            <a:endParaRPr lang="en-IN" dirty="0"/>
+          </a:p>
+        </p:txBody>
+      </p:sp>
+      <p:sp>
+        <p:nvSpPr>
+          <p:cNvPr id="15" name="Rectangle: Rounded Corners 14">
+            <a:extLst>
+              <a:ext uri="{FF2B5EF4-FFF2-40B4-BE49-F238E27FC236}">
+                <a16:creationId xmlns:a16="http://schemas.microsoft.com/office/drawing/2014/main" id="{2F0DEF82-D096-351B-51E0-7BD58DDBC351}"/>
+              </a:ext>
+            </a:extLst>
+          </p:cNvPr>
+          <p:cNvSpPr/>
+          <p:nvPr/>
+        </p:nvSpPr>
+        <p:spPr>
+          <a:xfrm>
+            <a:off x="251460" y="3628545"/>
+            <a:ext cx="2295144" cy="374904"/>
+          </a:xfrm>
+          <a:prstGeom prst="roundRect">
+            <a:avLst/>
+          </a:prstGeom>
+        </p:spPr>
+        <p:style>
+          <a:lnRef idx="1">
+            <a:schemeClr val="accent4"/>
+          </a:lnRef>
+          <a:fillRef idx="2">
+            <a:schemeClr val="accent4"/>
+          </a:fillRef>
+          <a:effectRef idx="1">
+            <a:schemeClr val="accent4"/>
+          </a:effectRef>
+          <a:fontRef idx="minor">
+            <a:schemeClr val="dk1"/>
+          </a:fontRef>
+        </p:style>
+        <p:txBody>
+          <a:bodyPr rtlCol="0" anchor="ctr"/>
+          <a:lstStyle/>
+          <a:p>
+            <a:pPr algn="ctr"/>
+            <a:r>
+              <a:rPr lang="en-US" dirty="0"/>
+              <a:t>Reports</a:t>
+            </a:r>
+            <a:endParaRPr lang="en-IN" dirty="0"/>
+          </a:p>
+        </p:txBody>
+      </p:sp>
+      <p:cxnSp>
+        <p:nvCxnSpPr>
+          <p:cNvPr id="17" name="Straight Arrow Connector 16">
+            <a:extLst>
+              <a:ext uri="{FF2B5EF4-FFF2-40B4-BE49-F238E27FC236}">
+                <a16:creationId xmlns:a16="http://schemas.microsoft.com/office/drawing/2014/main" id="{FE2CD5EF-5FF3-E71E-811A-A6BC588A62EA}"/>
+              </a:ext>
+            </a:extLst>
+          </p:cNvPr>
+          <p:cNvCxnSpPr/>
+          <p:nvPr/>
+        </p:nvCxnSpPr>
+        <p:spPr>
+          <a:xfrm>
+            <a:off x="2546604" y="45720"/>
+            <a:ext cx="544068" cy="1591867"/>
+          </a:xfrm>
+          <a:prstGeom prst="straightConnector1">
+            <a:avLst/>
+          </a:prstGeom>
+          <a:ln>
+            <a:tailEnd type="triangle"/>
+          </a:ln>
+        </p:spPr>
+        <p:style>
+          <a:lnRef idx="3">
+            <a:schemeClr val="dk1"/>
+          </a:lnRef>
+          <a:fillRef idx="0">
+            <a:schemeClr val="dk1"/>
+          </a:fillRef>
+          <a:effectRef idx="2">
+            <a:schemeClr val="dk1"/>
+          </a:effectRef>
+          <a:fontRef idx="minor">
+            <a:schemeClr val="tx1"/>
+          </a:fontRef>
+        </p:style>
+      </p:cxnSp>
+      <p:sp>
+        <p:nvSpPr>
+          <p:cNvPr id="18" name="TextBox 17">
+            <a:extLst>
+              <a:ext uri="{FF2B5EF4-FFF2-40B4-BE49-F238E27FC236}">
+                <a16:creationId xmlns:a16="http://schemas.microsoft.com/office/drawing/2014/main" id="{07B8B3A1-0815-633A-8C0E-65D3407088E0}"/>
+              </a:ext>
+            </a:extLst>
+          </p:cNvPr>
+          <p:cNvSpPr txBox="1"/>
+          <p:nvPr/>
+        </p:nvSpPr>
+        <p:spPr>
+          <a:xfrm>
+            <a:off x="2935224" y="1703623"/>
+            <a:ext cx="1821942" cy="338554"/>
+          </a:xfrm>
+          <a:prstGeom prst="rect">
+            <a:avLst/>
+          </a:prstGeom>
+        </p:spPr>
+        <p:style>
+          <a:lnRef idx="2">
+            <a:schemeClr val="dk1">
+              <a:shade val="15000"/>
+            </a:schemeClr>
+          </a:lnRef>
+          <a:fillRef idx="1">
+            <a:schemeClr val="dk1"/>
+          </a:fillRef>
+          <a:effectRef idx="0">
+            <a:schemeClr val="dk1"/>
+          </a:effectRef>
+          <a:fontRef idx="minor">
+            <a:schemeClr val="lt1"/>
+          </a:fontRef>
+        </p:style>
+        <p:txBody>
+          <a:bodyPr wrap="square" rtlCol="0">
+            <a:spAutoFit/>
+          </a:bodyPr>
+          <a:lstStyle/>
+          <a:p>
+            <a:r>
+              <a:rPr lang="en-US" sz="1600" dirty="0"/>
+              <a:t>Div 1 (Container)</a:t>
+            </a:r>
+            <a:endParaRPr lang="en-IN" sz="1600" dirty="0"/>
+          </a:p>
+        </p:txBody>
+      </p:sp>
+      <p:cxnSp>
+        <p:nvCxnSpPr>
+          <p:cNvPr id="19" name="Straight Arrow Connector 18">
+            <a:extLst>
+              <a:ext uri="{FF2B5EF4-FFF2-40B4-BE49-F238E27FC236}">
+                <a16:creationId xmlns:a16="http://schemas.microsoft.com/office/drawing/2014/main" id="{717EAB56-D1E5-5033-4B4D-C1507959FE0A}"/>
+              </a:ext>
+            </a:extLst>
+          </p:cNvPr>
+          <p:cNvCxnSpPr>
+            <a:cxnSpLocks/>
+          </p:cNvCxnSpPr>
+          <p:nvPr/>
+        </p:nvCxnSpPr>
+        <p:spPr>
+          <a:xfrm>
+            <a:off x="2753868" y="2285610"/>
+            <a:ext cx="876300" cy="0"/>
+          </a:xfrm>
+          <a:prstGeom prst="straightConnector1">
+            <a:avLst/>
+          </a:prstGeom>
+          <a:ln>
+            <a:tailEnd type="triangle"/>
+          </a:ln>
+        </p:spPr>
+        <p:style>
+          <a:lnRef idx="3">
+            <a:schemeClr val="accent2"/>
+          </a:lnRef>
+          <a:fillRef idx="0">
+            <a:schemeClr val="accent2"/>
+          </a:fillRef>
+          <a:effectRef idx="2">
+            <a:schemeClr val="accent2"/>
+          </a:effectRef>
+          <a:fontRef idx="minor">
+            <a:schemeClr val="tx1"/>
+          </a:fontRef>
+        </p:style>
+      </p:cxnSp>
+      <p:sp>
+        <p:nvSpPr>
+          <p:cNvPr id="20" name="TextBox 19">
+            <a:extLst>
+              <a:ext uri="{FF2B5EF4-FFF2-40B4-BE49-F238E27FC236}">
+                <a16:creationId xmlns:a16="http://schemas.microsoft.com/office/drawing/2014/main" id="{528F2222-C98D-7FC3-E812-33DFBFA633E1}"/>
+              </a:ext>
+            </a:extLst>
+          </p:cNvPr>
+          <p:cNvSpPr txBox="1"/>
+          <p:nvPr/>
+        </p:nvSpPr>
+        <p:spPr>
+          <a:xfrm>
+            <a:off x="3665219" y="2126196"/>
+            <a:ext cx="1562101" cy="369332"/>
+          </a:xfrm>
+          <a:prstGeom prst="rect">
+            <a:avLst/>
+          </a:prstGeom>
+        </p:spPr>
+        <p:style>
+          <a:lnRef idx="3">
+            <a:schemeClr val="lt1"/>
+          </a:lnRef>
+          <a:fillRef idx="1">
+            <a:schemeClr val="accent2"/>
+          </a:fillRef>
+          <a:effectRef idx="1">
+            <a:schemeClr val="accent2"/>
+          </a:effectRef>
+          <a:fontRef idx="minor">
+            <a:schemeClr val="lt1"/>
+          </a:fontRef>
+        </p:style>
+        <p:txBody>
+          <a:bodyPr wrap="square" rtlCol="0">
+            <a:spAutoFit/>
+          </a:bodyPr>
+          <a:lstStyle/>
+          <a:p>
+            <a:r>
+              <a:rPr lang="en-US" dirty="0"/>
+              <a:t>Div 2 Side Bar</a:t>
+            </a:r>
+            <a:endParaRPr lang="en-IN" dirty="0"/>
+          </a:p>
+        </p:txBody>
+      </p:sp>
+      <p:cxnSp>
+        <p:nvCxnSpPr>
+          <p:cNvPr id="22" name="Straight Arrow Connector 21">
+            <a:extLst>
+              <a:ext uri="{FF2B5EF4-FFF2-40B4-BE49-F238E27FC236}">
+                <a16:creationId xmlns:a16="http://schemas.microsoft.com/office/drawing/2014/main" id="{0CB09B92-21C5-332D-B35F-279A07FB3C82}"/>
+              </a:ext>
+            </a:extLst>
+          </p:cNvPr>
+          <p:cNvCxnSpPr/>
+          <p:nvPr/>
+        </p:nvCxnSpPr>
+        <p:spPr>
+          <a:xfrm>
+            <a:off x="6692646" y="92417"/>
+            <a:ext cx="544068" cy="1591867"/>
+          </a:xfrm>
+          <a:prstGeom prst="straightConnector1">
+            <a:avLst/>
+          </a:prstGeom>
+          <a:ln>
+            <a:tailEnd type="triangle"/>
+          </a:ln>
+        </p:spPr>
+        <p:style>
+          <a:lnRef idx="3">
+            <a:schemeClr val="accent5"/>
+          </a:lnRef>
+          <a:fillRef idx="0">
+            <a:schemeClr val="accent5"/>
+          </a:fillRef>
+          <a:effectRef idx="2">
+            <a:schemeClr val="accent5"/>
+          </a:effectRef>
+          <a:fontRef idx="minor">
+            <a:schemeClr val="tx1"/>
+          </a:fontRef>
+        </p:style>
+      </p:cxnSp>
+      <p:sp>
+        <p:nvSpPr>
+          <p:cNvPr id="23" name="TextBox 22">
+            <a:extLst>
+              <a:ext uri="{FF2B5EF4-FFF2-40B4-BE49-F238E27FC236}">
+                <a16:creationId xmlns:a16="http://schemas.microsoft.com/office/drawing/2014/main" id="{305E7EB6-766B-663A-632D-426AB1F75534}"/>
+              </a:ext>
+            </a:extLst>
+          </p:cNvPr>
+          <p:cNvSpPr txBox="1"/>
+          <p:nvPr/>
+        </p:nvSpPr>
+        <p:spPr>
+          <a:xfrm>
+            <a:off x="6214109" y="1750320"/>
+            <a:ext cx="1562101" cy="369332"/>
+          </a:xfrm>
+          <a:prstGeom prst="rect">
+            <a:avLst/>
+          </a:prstGeom>
+        </p:spPr>
+        <p:style>
+          <a:lnRef idx="3">
+            <a:schemeClr val="lt1"/>
+          </a:lnRef>
+          <a:fillRef idx="1">
+            <a:schemeClr val="accent1"/>
+          </a:fillRef>
+          <a:effectRef idx="1">
+            <a:schemeClr val="accent1"/>
+          </a:effectRef>
+          <a:fontRef idx="minor">
+            <a:schemeClr val="lt1"/>
+          </a:fontRef>
+        </p:style>
+        <p:txBody>
+          <a:bodyPr wrap="square" rtlCol="0">
+            <a:spAutoFit/>
+          </a:bodyPr>
+          <a:lstStyle/>
+          <a:p>
+            <a:r>
+              <a:rPr lang="en-US" dirty="0"/>
+              <a:t>Div 3 Right Bar</a:t>
+            </a:r>
+            <a:endParaRPr lang="en-IN" dirty="0"/>
+          </a:p>
+        </p:txBody>
+      </p:sp>
+      <p:cxnSp>
+        <p:nvCxnSpPr>
+          <p:cNvPr id="26" name="Straight Arrow Connector 25">
+            <a:extLst>
+              <a:ext uri="{FF2B5EF4-FFF2-40B4-BE49-F238E27FC236}">
+                <a16:creationId xmlns:a16="http://schemas.microsoft.com/office/drawing/2014/main" id="{AD2D9B3F-2566-D754-D54C-C3AE1638CEC7}"/>
+              </a:ext>
+            </a:extLst>
+          </p:cNvPr>
+          <p:cNvCxnSpPr/>
+          <p:nvPr/>
+        </p:nvCxnSpPr>
+        <p:spPr>
+          <a:xfrm>
+            <a:off x="8514588" y="271272"/>
+            <a:ext cx="544068" cy="1591867"/>
+          </a:xfrm>
+          <a:prstGeom prst="straightConnector1">
+            <a:avLst/>
+          </a:prstGeom>
+          <a:ln>
+            <a:solidFill>
+              <a:schemeClr val="tx1">
+                <a:lumMod val="65000"/>
+                <a:lumOff val="35000"/>
+              </a:schemeClr>
+            </a:solidFill>
+            <a:tailEnd type="triangle"/>
+          </a:ln>
+        </p:spPr>
+        <p:style>
+          <a:lnRef idx="3">
+            <a:schemeClr val="dk1"/>
+          </a:lnRef>
+          <a:fillRef idx="0">
+            <a:schemeClr val="dk1"/>
+          </a:fillRef>
+          <a:effectRef idx="2">
+            <a:schemeClr val="dk1"/>
+          </a:effectRef>
+          <a:fontRef idx="minor">
+            <a:schemeClr val="tx1"/>
+          </a:fontRef>
+        </p:style>
+      </p:cxnSp>
+      <p:sp>
+        <p:nvSpPr>
+          <p:cNvPr id="27" name="TextBox 26">
+            <a:extLst>
+              <a:ext uri="{FF2B5EF4-FFF2-40B4-BE49-F238E27FC236}">
+                <a16:creationId xmlns:a16="http://schemas.microsoft.com/office/drawing/2014/main" id="{5BEAC58F-F4FF-78BA-4803-9175989327F3}"/>
+              </a:ext>
+            </a:extLst>
+          </p:cNvPr>
+          <p:cNvSpPr txBox="1"/>
+          <p:nvPr/>
+        </p:nvSpPr>
+        <p:spPr>
+          <a:xfrm>
+            <a:off x="8903208" y="1929175"/>
+            <a:ext cx="1562100" cy="369332"/>
+          </a:xfrm>
+          <a:prstGeom prst="rect">
+            <a:avLst/>
+          </a:prstGeom>
+        </p:spPr>
+        <p:style>
+          <a:lnRef idx="1">
+            <a:schemeClr val="dk1"/>
+          </a:lnRef>
+          <a:fillRef idx="2">
+            <a:schemeClr val="dk1"/>
+          </a:fillRef>
+          <a:effectRef idx="1">
+            <a:schemeClr val="dk1"/>
+          </a:effectRef>
+          <a:fontRef idx="minor">
+            <a:schemeClr val="dk1"/>
+          </a:fontRef>
+        </p:style>
+        <p:txBody>
+          <a:bodyPr wrap="square" rtlCol="0">
+            <a:spAutoFit/>
+          </a:bodyPr>
+          <a:lstStyle/>
+          <a:p>
+            <a:r>
+              <a:rPr lang="en-US" dirty="0"/>
+              <a:t>Div 4 Header</a:t>
+            </a:r>
+            <a:endParaRPr lang="en-IN" dirty="0"/>
+          </a:p>
+        </p:txBody>
+      </p:sp>
+      <p:cxnSp>
+        <p:nvCxnSpPr>
+          <p:cNvPr id="28" name="Straight Arrow Connector 27">
+            <a:extLst>
+              <a:ext uri="{FF2B5EF4-FFF2-40B4-BE49-F238E27FC236}">
+                <a16:creationId xmlns:a16="http://schemas.microsoft.com/office/drawing/2014/main" id="{6853C8F7-479C-E62D-B4F9-C497A4FCE89A}"/>
+              </a:ext>
+            </a:extLst>
+          </p:cNvPr>
+          <p:cNvCxnSpPr>
+            <a:cxnSpLocks/>
+          </p:cNvCxnSpPr>
+          <p:nvPr/>
+        </p:nvCxnSpPr>
+        <p:spPr>
+          <a:xfrm flipH="1">
+            <a:off x="2188463" y="3881293"/>
+            <a:ext cx="1699261" cy="1240446"/>
+          </a:xfrm>
+          <a:prstGeom prst="straightConnector1">
+            <a:avLst/>
+          </a:prstGeom>
+          <a:ln>
+            <a:tailEnd type="triangle"/>
+          </a:ln>
+        </p:spPr>
+        <p:style>
+          <a:lnRef idx="3">
+            <a:schemeClr val="accent6"/>
+          </a:lnRef>
+          <a:fillRef idx="0">
+            <a:schemeClr val="accent6"/>
+          </a:fillRef>
+          <a:effectRef idx="2">
+            <a:schemeClr val="accent6"/>
+          </a:effectRef>
+          <a:fontRef idx="minor">
+            <a:schemeClr val="tx1"/>
+          </a:fontRef>
+        </p:style>
+      </p:cxnSp>
+      <p:sp>
+        <p:nvSpPr>
+          <p:cNvPr id="29" name="TextBox 28">
+            <a:extLst>
+              <a:ext uri="{FF2B5EF4-FFF2-40B4-BE49-F238E27FC236}">
+                <a16:creationId xmlns:a16="http://schemas.microsoft.com/office/drawing/2014/main" id="{9C1FF3AE-D9DA-0834-23A7-96ECB520DD87}"/>
+              </a:ext>
+            </a:extLst>
+          </p:cNvPr>
+          <p:cNvSpPr txBox="1"/>
+          <p:nvPr/>
+        </p:nvSpPr>
+        <p:spPr>
+          <a:xfrm>
+            <a:off x="1170433" y="5139116"/>
+            <a:ext cx="1463040" cy="369332"/>
+          </a:xfrm>
+          <a:prstGeom prst="rect">
+            <a:avLst/>
+          </a:prstGeom>
+        </p:spPr>
+        <p:style>
+          <a:lnRef idx="3">
+            <a:schemeClr val="lt1"/>
+          </a:lnRef>
+          <a:fillRef idx="1">
+            <a:schemeClr val="accent6"/>
+          </a:fillRef>
+          <a:effectRef idx="1">
+            <a:schemeClr val="accent6"/>
+          </a:effectRef>
+          <a:fontRef idx="minor">
+            <a:schemeClr val="lt1"/>
+          </a:fontRef>
+        </p:style>
+        <p:txBody>
+          <a:bodyPr wrap="square" rtlCol="0">
+            <a:spAutoFit/>
+          </a:bodyPr>
+          <a:lstStyle/>
+          <a:p>
+            <a:r>
+              <a:rPr lang="en-US" dirty="0"/>
+              <a:t>Div 5 Content</a:t>
+            </a:r>
+            <a:endParaRPr lang="en-IN" dirty="0"/>
+          </a:p>
+        </p:txBody>
+      </p:sp>
+      <p:sp>
+        <p:nvSpPr>
+          <p:cNvPr id="31" name="TextBox 30">
+            <a:extLst>
+              <a:ext uri="{FF2B5EF4-FFF2-40B4-BE49-F238E27FC236}">
+                <a16:creationId xmlns:a16="http://schemas.microsoft.com/office/drawing/2014/main" id="{3157F5AB-A446-4CD2-5EAE-86359BBFFA84}"/>
+              </a:ext>
+            </a:extLst>
+          </p:cNvPr>
+          <p:cNvSpPr txBox="1"/>
+          <p:nvPr/>
+        </p:nvSpPr>
+        <p:spPr>
+          <a:xfrm>
+            <a:off x="6964680" y="2873649"/>
+            <a:ext cx="4831080" cy="2862322"/>
+          </a:xfrm>
+          <a:prstGeom prst="rect">
+            <a:avLst/>
+          </a:prstGeom>
+          <a:noFill/>
+        </p:spPr>
+        <p:txBody>
+          <a:bodyPr wrap="square" rtlCol="0">
+            <a:spAutoFit/>
+          </a:bodyPr>
+          <a:lstStyle/>
+          <a:p>
+            <a:r>
+              <a:rPr lang="en-US" dirty="0"/>
+              <a:t>&lt;div 1&gt;</a:t>
+            </a:r>
+          </a:p>
+          <a:p>
+            <a:r>
+              <a:rPr lang="en-US" dirty="0"/>
+              <a:t>	&lt;div 2&gt;</a:t>
+            </a:r>
+          </a:p>
+          <a:p>
+            <a:r>
+              <a:rPr lang="en-US" dirty="0"/>
+              <a:t>	&lt;/div 2&gt;</a:t>
+            </a:r>
+          </a:p>
+          <a:p>
+            <a:r>
+              <a:rPr lang="en-US" dirty="0"/>
+              <a:t>	&lt;div 3&gt;</a:t>
+            </a:r>
+          </a:p>
+          <a:p>
+            <a:r>
+              <a:rPr lang="en-US" dirty="0"/>
+              <a:t>		&lt;div 4&gt;</a:t>
+            </a:r>
+          </a:p>
+          <a:p>
+            <a:r>
+              <a:rPr lang="en-US" dirty="0"/>
+              <a:t>		&lt;/div 4&gt;</a:t>
+            </a:r>
+          </a:p>
+          <a:p>
+            <a:r>
+              <a:rPr lang="en-US" dirty="0"/>
+              <a:t>		&lt;div 5&gt;</a:t>
+            </a:r>
+          </a:p>
+          <a:p>
+            <a:r>
+              <a:rPr lang="en-US" dirty="0"/>
+              <a:t>	</a:t>
+            </a:r>
+            <a:r>
+              <a:rPr lang="en-US"/>
+              <a:t>	&lt;/</a:t>
+            </a:r>
+            <a:r>
+              <a:rPr lang="en-US" dirty="0"/>
+              <a:t>div 5&gt;</a:t>
+            </a:r>
+          </a:p>
+          <a:p>
+            <a:r>
+              <a:rPr lang="en-US" dirty="0"/>
+              <a:t>	&lt;div 3&gt;</a:t>
+            </a:r>
+          </a:p>
+          <a:p>
+            <a:r>
+              <a:rPr lang="en-US" dirty="0"/>
+              <a:t>&lt;/div1&gt;</a:t>
+            </a:r>
+            <a:endParaRPr lang="en-IN" dirty="0"/>
+          </a:p>
+        </p:txBody>
+      </p:sp>
+    </p:spTree>
+    <p:extLst>
+      <p:ext uri="{BB962C8B-B14F-4D97-AF65-F5344CB8AC3E}">
+        <p14:creationId xmlns:p14="http://schemas.microsoft.com/office/powerpoint/2010/main" val="43277689"/>
+      </p:ext>
+    </p:extLst>
+  </p:cSld>
+  <p:clrMapOvr>
+    <a:masterClrMapping/>
+  </p:clrMapOvr>
+</p:sld>
+</file>
+
+<file path=ppt/slides/slide7.xml><?xml version="1.0" encoding="utf-8"?>
+<p:sld xmlns:a="http://schemas.openxmlformats.org/drawingml/2006/main" xmlns:r="http://schemas.openxmlformats.org/officeDocument/2006/relationships" xmlns:p="http://schemas.openxmlformats.org/presentationml/2006/main">
+  <p:cSld>
+    <p:spTree>
+      <p:nvGrpSpPr>
+        <p:cNvPr id="1" name=""/>
+        <p:cNvGrpSpPr/>
+        <p:nvPr/>
+      </p:nvGrpSpPr>
+      <p:grpSpPr>
+        <a:xfrm>
+          <a:off x="0" y="0"/>
+          <a:ext cx="0" cy="0"/>
+          <a:chOff x="0" y="0"/>
+          <a:chExt cx="0" cy="0"/>
+        </a:xfrm>
+      </p:grpSpPr>
+      <p:graphicFrame>
+        <p:nvGraphicFramePr>
+          <p:cNvPr id="4" name="Table 4">
+            <a:extLst>
+              <a:ext uri="{FF2B5EF4-FFF2-40B4-BE49-F238E27FC236}">
+                <a16:creationId xmlns:a16="http://schemas.microsoft.com/office/drawing/2014/main" id="{188F7854-4D4D-EFBD-5F2E-2C934D6E636A}"/>
+              </a:ext>
+            </a:extLst>
+          </p:cNvPr>
+          <p:cNvGraphicFramePr>
+            <a:graphicFrameLocks noGrp="1"/>
+          </p:cNvGraphicFramePr>
+          <p:nvPr>
+            <p:extLst>
+              <p:ext uri="{D42A27DB-BD31-4B8C-83A1-F6EECF244321}">
+                <p14:modId xmlns:p14="http://schemas.microsoft.com/office/powerpoint/2010/main" val="861743898"/>
+              </p:ext>
+            </p:extLst>
+          </p:nvPr>
+        </p:nvGraphicFramePr>
+        <p:xfrm>
+          <a:off x="2032000" y="719666"/>
+          <a:ext cx="8127999" cy="1381760"/>
+        </p:xfrm>
+        <a:graphic>
+          <a:graphicData uri="http://schemas.openxmlformats.org/drawingml/2006/table">
+            <a:tbl>
+              <a:tblPr firstRow="1" bandRow="1">
+                <a:tableStyleId>{5C22544A-7EE6-4342-B048-85BDC9FD1C3A}</a:tableStyleId>
+              </a:tblPr>
+              <a:tblGrid>
+                <a:gridCol w="2709333">
+                  <a:extLst>
+                    <a:ext uri="{9D8B030D-6E8A-4147-A177-3AD203B41FA5}">
+                      <a16:colId xmlns:a16="http://schemas.microsoft.com/office/drawing/2014/main" val="1289844633"/>
+                    </a:ext>
+                  </a:extLst>
+                </a:gridCol>
+                <a:gridCol w="2709333">
+                  <a:extLst>
+                    <a:ext uri="{9D8B030D-6E8A-4147-A177-3AD203B41FA5}">
+                      <a16:colId xmlns:a16="http://schemas.microsoft.com/office/drawing/2014/main" val="1459239304"/>
+                    </a:ext>
+                  </a:extLst>
+                </a:gridCol>
+                <a:gridCol w="2709333">
+                  <a:extLst>
+                    <a:ext uri="{9D8B030D-6E8A-4147-A177-3AD203B41FA5}">
+                      <a16:colId xmlns:a16="http://schemas.microsoft.com/office/drawing/2014/main" val="1017402314"/>
+                    </a:ext>
+                  </a:extLst>
+                </a:gridCol>
+              </a:tblGrid>
+              <a:tr h="370840">
+                <a:tc gridSpan="3">
+                  <a:txBody>
+                    <a:bodyPr/>
+                    <a:lstStyle/>
+                    <a:p>
+                      <a:r>
+                        <a:rPr lang="en-US" dirty="0"/>
+                        <a:t>Inside Div 1 </a:t>
+                      </a:r>
+                      <a:r>
+                        <a:rPr lang="en-US" dirty="0">
+                          <a:sym typeface="Wingdings" panose="05000000000000000000" pitchFamily="2" charset="2"/>
+                        </a:rPr>
+                        <a:t> Div 2 and Div 3 should be there…hence width of Div2+ Width of Div 3 should be equal to 1.</a:t>
+                      </a:r>
+                      <a:endParaRPr lang="en-IN" dirty="0"/>
+                    </a:p>
+                  </a:txBody>
+                  <a:tcPr/>
+                </a:tc>
+                <a:tc hMerge="1">
+                  <a:txBody>
+                    <a:bodyPr/>
+                    <a:lstStyle/>
+                    <a:p>
+                      <a:endParaRPr lang="en-IN" dirty="0"/>
+                    </a:p>
+                  </a:txBody>
+                  <a:tcPr/>
+                </a:tc>
+                <a:tc hMerge="1">
+                  <a:txBody>
+                    <a:bodyPr/>
+                    <a:lstStyle/>
+                    <a:p>
+                      <a:endParaRPr lang="en-IN" dirty="0"/>
+                    </a:p>
+                  </a:txBody>
+                  <a:tcPr/>
+                </a:tc>
+                <a:extLst>
+                  <a:ext uri="{0D108BD9-81ED-4DB2-BD59-A6C34878D82A}">
+                    <a16:rowId xmlns:a16="http://schemas.microsoft.com/office/drawing/2014/main" val="3578977689"/>
+                  </a:ext>
+                </a:extLst>
+              </a:tr>
+              <a:tr h="370840">
+                <a:tc>
+                  <a:txBody>
+                    <a:bodyPr/>
+                    <a:lstStyle/>
+                    <a:p>
+                      <a:r>
+                        <a:rPr lang="en-US" dirty="0"/>
+                        <a:t>Div 2</a:t>
+                      </a:r>
+                      <a:endParaRPr lang="en-IN" dirty="0"/>
+                    </a:p>
+                  </a:txBody>
+                  <a:tcPr/>
+                </a:tc>
+                <a:tc>
+                  <a:txBody>
+                    <a:bodyPr/>
+                    <a:lstStyle/>
+                    <a:p>
+                      <a:r>
+                        <a:rPr lang="en-US" dirty="0">
+                          <a:highlight>
+                            <a:srgbClr val="FF0000"/>
+                          </a:highlight>
+                        </a:rPr>
+                        <a:t>w-1/3</a:t>
+                      </a:r>
+                      <a:endParaRPr lang="en-IN" dirty="0">
+                        <a:highlight>
+                          <a:srgbClr val="FF0000"/>
+                        </a:highlight>
+                      </a:endParaRPr>
+                    </a:p>
+                  </a:txBody>
+                  <a:tcPr/>
+                </a:tc>
+                <a:tc>
+                  <a:txBody>
+                    <a:bodyPr/>
+                    <a:lstStyle/>
+                    <a:p>
+                      <a:r>
+                        <a:rPr lang="en-US" dirty="0"/>
+                        <a:t>w-1/6</a:t>
+                      </a:r>
+                      <a:endParaRPr lang="en-IN" dirty="0"/>
+                    </a:p>
+                  </a:txBody>
+                  <a:tcPr/>
+                </a:tc>
+                <a:extLst>
+                  <a:ext uri="{0D108BD9-81ED-4DB2-BD59-A6C34878D82A}">
+                    <a16:rowId xmlns:a16="http://schemas.microsoft.com/office/drawing/2014/main" val="2307132258"/>
+                  </a:ext>
+                </a:extLst>
+              </a:tr>
+              <a:tr h="370840">
+                <a:tc>
+                  <a:txBody>
+                    <a:bodyPr/>
+                    <a:lstStyle/>
+                    <a:p>
+                      <a:r>
+                        <a:rPr lang="en-US" dirty="0"/>
+                        <a:t>Div 3</a:t>
+                      </a:r>
+                      <a:endParaRPr lang="en-IN" dirty="0"/>
+                    </a:p>
+                  </a:txBody>
+                  <a:tcPr/>
+                </a:tc>
+                <a:tc>
+                  <a:txBody>
+                    <a:bodyPr/>
+                    <a:lstStyle/>
+                    <a:p>
+                      <a:r>
+                        <a:rPr lang="en-US" dirty="0">
+                          <a:highlight>
+                            <a:srgbClr val="FF0000"/>
+                          </a:highlight>
+                        </a:rPr>
+                        <a:t>w-2/3</a:t>
+                      </a:r>
+                      <a:endParaRPr lang="en-IN" dirty="0">
+                        <a:highlight>
+                          <a:srgbClr val="FF0000"/>
+                        </a:highlight>
+                      </a:endParaRPr>
+                    </a:p>
+                  </a:txBody>
+                  <a:tcPr/>
+                </a:tc>
+                <a:tc>
+                  <a:txBody>
+                    <a:bodyPr/>
+                    <a:lstStyle/>
+                    <a:p>
+                      <a:r>
+                        <a:rPr lang="en-US" dirty="0"/>
+                        <a:t>w-5/6</a:t>
+                      </a:r>
+                      <a:endParaRPr lang="en-IN" dirty="0"/>
+                    </a:p>
+                  </a:txBody>
+                  <a:tcPr/>
+                </a:tc>
+                <a:extLst>
+                  <a:ext uri="{0D108BD9-81ED-4DB2-BD59-A6C34878D82A}">
+                    <a16:rowId xmlns:a16="http://schemas.microsoft.com/office/drawing/2014/main" val="2743589950"/>
+                  </a:ext>
+                </a:extLst>
+              </a:tr>
+            </a:tbl>
+          </a:graphicData>
+        </a:graphic>
+      </p:graphicFrame>
+      <p:graphicFrame>
+        <p:nvGraphicFramePr>
+          <p:cNvPr id="5" name="Table 4">
+            <a:extLst>
+              <a:ext uri="{FF2B5EF4-FFF2-40B4-BE49-F238E27FC236}">
+                <a16:creationId xmlns:a16="http://schemas.microsoft.com/office/drawing/2014/main" id="{E8EDDAD8-A69D-1836-078E-42D4BCC31133}"/>
+              </a:ext>
+            </a:extLst>
+          </p:cNvPr>
+          <p:cNvGraphicFramePr>
+            <a:graphicFrameLocks noGrp="1"/>
+          </p:cNvGraphicFramePr>
+          <p:nvPr>
+            <p:extLst>
+              <p:ext uri="{D42A27DB-BD31-4B8C-83A1-F6EECF244321}">
+                <p14:modId xmlns:p14="http://schemas.microsoft.com/office/powerpoint/2010/main" val="183060907"/>
+              </p:ext>
+            </p:extLst>
+          </p:nvPr>
+        </p:nvGraphicFramePr>
+        <p:xfrm>
+          <a:off x="2032000" y="2344250"/>
+          <a:ext cx="8127999" cy="1381760"/>
+        </p:xfrm>
+        <a:graphic>
+          <a:graphicData uri="http://schemas.openxmlformats.org/drawingml/2006/table">
+            <a:tbl>
+              <a:tblPr firstRow="1" bandRow="1">
+                <a:tableStyleId>{5C22544A-7EE6-4342-B048-85BDC9FD1C3A}</a:tableStyleId>
+              </a:tblPr>
+              <a:tblGrid>
+                <a:gridCol w="2709333">
+                  <a:extLst>
+                    <a:ext uri="{9D8B030D-6E8A-4147-A177-3AD203B41FA5}">
+                      <a16:colId xmlns:a16="http://schemas.microsoft.com/office/drawing/2014/main" val="1289844633"/>
+                    </a:ext>
+                  </a:extLst>
+                </a:gridCol>
+                <a:gridCol w="2709333">
+                  <a:extLst>
+                    <a:ext uri="{9D8B030D-6E8A-4147-A177-3AD203B41FA5}">
+                      <a16:colId xmlns:a16="http://schemas.microsoft.com/office/drawing/2014/main" val="1459239304"/>
+                    </a:ext>
+                  </a:extLst>
+                </a:gridCol>
+                <a:gridCol w="2709333">
+                  <a:extLst>
+                    <a:ext uri="{9D8B030D-6E8A-4147-A177-3AD203B41FA5}">
+                      <a16:colId xmlns:a16="http://schemas.microsoft.com/office/drawing/2014/main" val="1017402314"/>
+                    </a:ext>
+                  </a:extLst>
+                </a:gridCol>
+              </a:tblGrid>
+              <a:tr h="370840">
+                <a:tc gridSpan="3">
+                  <a:txBody>
+                    <a:bodyPr/>
+                    <a:lstStyle/>
+                    <a:p>
+                      <a:r>
+                        <a:rPr lang="en-US" dirty="0"/>
+                        <a:t>Inside Div 3 </a:t>
+                      </a:r>
+                      <a:r>
+                        <a:rPr lang="en-US" dirty="0">
+                          <a:sym typeface="Wingdings" panose="05000000000000000000" pitchFamily="2" charset="2"/>
+                        </a:rPr>
+                        <a:t> Div 4 and Div 5 should be there…hence height of Div4 + Height of Div 5 should be equal to 1.</a:t>
+                      </a:r>
+                      <a:endParaRPr lang="en-IN" dirty="0"/>
+                    </a:p>
+                  </a:txBody>
+                  <a:tcPr/>
+                </a:tc>
+                <a:tc hMerge="1">
+                  <a:txBody>
+                    <a:bodyPr/>
+                    <a:lstStyle/>
+                    <a:p>
+                      <a:endParaRPr lang="en-IN" dirty="0"/>
+                    </a:p>
+                  </a:txBody>
+                  <a:tcPr/>
+                </a:tc>
+                <a:tc hMerge="1">
+                  <a:txBody>
+                    <a:bodyPr/>
+                    <a:lstStyle/>
+                    <a:p>
+                      <a:endParaRPr lang="en-IN" dirty="0"/>
+                    </a:p>
+                  </a:txBody>
+                  <a:tcPr/>
+                </a:tc>
+                <a:extLst>
+                  <a:ext uri="{0D108BD9-81ED-4DB2-BD59-A6C34878D82A}">
+                    <a16:rowId xmlns:a16="http://schemas.microsoft.com/office/drawing/2014/main" val="3578977689"/>
+                  </a:ext>
+                </a:extLst>
+              </a:tr>
+              <a:tr h="370840">
+                <a:tc>
+                  <a:txBody>
+                    <a:bodyPr/>
+                    <a:lstStyle/>
+                    <a:p>
+                      <a:r>
+                        <a:rPr lang="en-US" dirty="0"/>
+                        <a:t>Div 2</a:t>
+                      </a:r>
+                      <a:endParaRPr lang="en-IN" dirty="0"/>
+                    </a:p>
+                  </a:txBody>
+                  <a:tcPr/>
+                </a:tc>
+                <a:tc>
+                  <a:txBody>
+                    <a:bodyPr/>
+                    <a:lstStyle/>
+                    <a:p>
+                      <a:r>
+                        <a:rPr lang="en-US" dirty="0">
+                          <a:highlight>
+                            <a:srgbClr val="FF0000"/>
+                          </a:highlight>
+                        </a:rPr>
+                        <a:t>h-1/3</a:t>
+                      </a:r>
+                      <a:endParaRPr lang="en-IN" dirty="0">
+                        <a:highlight>
+                          <a:srgbClr val="FF0000"/>
+                        </a:highlight>
+                      </a:endParaRPr>
+                    </a:p>
+                  </a:txBody>
+                  <a:tcPr/>
+                </a:tc>
+                <a:tc>
+                  <a:txBody>
+                    <a:bodyPr/>
+                    <a:lstStyle/>
+                    <a:p>
+                      <a:r>
+                        <a:rPr lang="en-US" dirty="0"/>
+                        <a:t>h-1/6</a:t>
+                      </a:r>
+                      <a:endParaRPr lang="en-IN" dirty="0"/>
+                    </a:p>
+                  </a:txBody>
+                  <a:tcPr/>
+                </a:tc>
+                <a:extLst>
+                  <a:ext uri="{0D108BD9-81ED-4DB2-BD59-A6C34878D82A}">
+                    <a16:rowId xmlns:a16="http://schemas.microsoft.com/office/drawing/2014/main" val="2307132258"/>
+                  </a:ext>
+                </a:extLst>
+              </a:tr>
+              <a:tr h="370840">
+                <a:tc>
+                  <a:txBody>
+                    <a:bodyPr/>
+                    <a:lstStyle/>
+                    <a:p>
+                      <a:r>
+                        <a:rPr lang="en-US" dirty="0"/>
+                        <a:t>Div 3</a:t>
+                      </a:r>
+                      <a:endParaRPr lang="en-IN" dirty="0"/>
+                    </a:p>
+                  </a:txBody>
+                  <a:tcPr/>
+                </a:tc>
+                <a:tc>
+                  <a:txBody>
+                    <a:bodyPr/>
+                    <a:lstStyle/>
+                    <a:p>
+                      <a:r>
+                        <a:rPr lang="en-US" dirty="0">
+                          <a:highlight>
+                            <a:srgbClr val="FF0000"/>
+                          </a:highlight>
+                        </a:rPr>
+                        <a:t>h-2/3</a:t>
+                      </a:r>
+                      <a:endParaRPr lang="en-IN" dirty="0">
+                        <a:highlight>
+                          <a:srgbClr val="FF0000"/>
+                        </a:highlight>
+                      </a:endParaRPr>
+                    </a:p>
+                  </a:txBody>
+                  <a:tcPr/>
+                </a:tc>
+                <a:tc>
+                  <a:txBody>
+                    <a:bodyPr/>
+                    <a:lstStyle/>
+                    <a:p>
+                      <a:r>
+                        <a:rPr lang="en-US" dirty="0"/>
+                        <a:t>h-5/6</a:t>
+                      </a:r>
+                      <a:endParaRPr lang="en-IN" dirty="0"/>
+                    </a:p>
+                  </a:txBody>
+                  <a:tcPr/>
+                </a:tc>
+                <a:extLst>
+                  <a:ext uri="{0D108BD9-81ED-4DB2-BD59-A6C34878D82A}">
+                    <a16:rowId xmlns:a16="http://schemas.microsoft.com/office/drawing/2014/main" val="2743589950"/>
+                  </a:ext>
+                </a:extLst>
+              </a:tr>
+            </a:tbl>
+          </a:graphicData>
+        </a:graphic>
+      </p:graphicFrame>
+    </p:spTree>
+    <p:extLst>
+      <p:ext uri="{BB962C8B-B14F-4D97-AF65-F5344CB8AC3E}">
+        <p14:creationId xmlns:p14="http://schemas.microsoft.com/office/powerpoint/2010/main" val="2027409690"/>
+      </p:ext>
+    </p:extLst>
+  </p:cSld>
+  <p:clrMapOvr>
+    <a:masterClrMapping/>
+  </p:clrMapOvr>
+</p:sld>
+</file>
+
+<file path=ppt/slides/slide8.xml><?xml version="1.0" encoding="utf-8"?>
+<p:sld xmlns:a="http://schemas.openxmlformats.org/drawingml/2006/main" xmlns:r="http://schemas.openxmlformats.org/officeDocument/2006/relationships" xmlns:p="http://schemas.openxmlformats.org/presentationml/2006/main">
+  <p:cSld>
+    <p:spTree>
+      <p:nvGrpSpPr>
+        <p:cNvPr id="1" name=""/>
+        <p:cNvGrpSpPr/>
+        <p:nvPr/>
+      </p:nvGrpSpPr>
+      <p:grpSpPr>
+        <a:xfrm>
+          <a:off x="0" y="0"/>
+          <a:ext cx="0" cy="0"/>
+          <a:chOff x="0" y="0"/>
+          <a:chExt cx="0" cy="0"/>
+        </a:xfrm>
+      </p:grpSpPr>
+      <p:sp>
+        <p:nvSpPr>
+          <p:cNvPr id="4" name="Rectangle 3">
+            <a:extLst>
+              <a:ext uri="{FF2B5EF4-FFF2-40B4-BE49-F238E27FC236}">
+                <a16:creationId xmlns:a16="http://schemas.microsoft.com/office/drawing/2014/main" id="{26753591-629B-B99B-BE2E-A6958374FC67}"/>
+              </a:ext>
+            </a:extLst>
+          </p:cNvPr>
+          <p:cNvSpPr/>
+          <p:nvPr/>
+        </p:nvSpPr>
+        <p:spPr>
+          <a:xfrm>
+            <a:off x="0" y="0"/>
+            <a:ext cx="12192000" cy="6858000"/>
+          </a:xfrm>
+          <a:prstGeom prst="rect">
+            <a:avLst/>
+          </a:prstGeom>
+        </p:spPr>
+        <p:style>
+          <a:lnRef idx="1">
+            <a:schemeClr val="accent3"/>
+          </a:lnRef>
+          <a:fillRef idx="2">
+            <a:schemeClr val="accent3"/>
+          </a:fillRef>
+          <a:effectRef idx="1">
+            <a:schemeClr val="accent3"/>
+          </a:effectRef>
+          <a:fontRef idx="minor">
+            <a:schemeClr val="dk1"/>
+          </a:fontRef>
+        </p:style>
+        <p:txBody>
+          <a:bodyPr rtlCol="0" anchor="ctr"/>
+          <a:lstStyle/>
+          <a:p>
+            <a:pPr algn="ctr"/>
+            <a:endParaRPr lang="en-IN"/>
+          </a:p>
+        </p:txBody>
+      </p:sp>
+      <p:sp>
+        <p:nvSpPr>
+          <p:cNvPr id="5" name="Rectangle 4">
+            <a:extLst>
+              <a:ext uri="{FF2B5EF4-FFF2-40B4-BE49-F238E27FC236}">
+                <a16:creationId xmlns:a16="http://schemas.microsoft.com/office/drawing/2014/main" id="{699C6EED-80F2-C8F6-8C5F-CB1F8A661FA3}"/>
+              </a:ext>
+            </a:extLst>
+          </p:cNvPr>
+          <p:cNvSpPr/>
+          <p:nvPr/>
+        </p:nvSpPr>
+        <p:spPr>
+          <a:xfrm>
+            <a:off x="137160" y="154894"/>
+            <a:ext cx="11091672" cy="301752"/>
+          </a:xfrm>
+          <a:prstGeom prst="rect">
+            <a:avLst/>
+          </a:prstGeom>
+          <a:solidFill>
+            <a:schemeClr val="accent4">
+              <a:alpha val="50000"/>
+            </a:schemeClr>
+          </a:solidFill>
+          <a:ln>
+            <a:noFill/>
+          </a:ln>
+        </p:spPr>
+        <p:style>
+          <a:lnRef idx="0">
+            <a:scrgbClr r="0" g="0" b="0"/>
+          </a:lnRef>
+          <a:fillRef idx="0">
+            <a:scrgbClr r="0" g="0" b="0"/>
+          </a:fillRef>
+          <a:effectRef idx="0">
+            <a:scrgbClr r="0" g="0" b="0"/>
+          </a:effectRef>
+          <a:fontRef idx="minor">
+            <a:schemeClr val="lt1"/>
+          </a:fontRef>
+        </p:style>
+        <p:txBody>
+          <a:bodyPr rtlCol="0" anchor="ctr"/>
+          <a:lstStyle/>
+          <a:p>
+            <a:r>
+              <a:rPr lang="en-US" dirty="0">
+                <a:solidFill>
+                  <a:schemeClr val="tx1"/>
+                </a:solidFill>
+              </a:rPr>
+              <a:t>http://localhost:3000&lt;routes&gt;</a:t>
+            </a:r>
+            <a:endParaRPr lang="en-IN" dirty="0">
+              <a:solidFill>
+                <a:schemeClr val="tx1"/>
+              </a:solidFill>
+            </a:endParaRPr>
+          </a:p>
+        </p:txBody>
+      </p:sp>
+      <p:sp>
+        <p:nvSpPr>
+          <p:cNvPr id="6" name="Rectangle 5">
+            <a:extLst>
+              <a:ext uri="{FF2B5EF4-FFF2-40B4-BE49-F238E27FC236}">
+                <a16:creationId xmlns:a16="http://schemas.microsoft.com/office/drawing/2014/main" id="{D274EA8F-755E-4131-E7D3-84E1B58992F8}"/>
+              </a:ext>
+            </a:extLst>
+          </p:cNvPr>
+          <p:cNvSpPr/>
+          <p:nvPr/>
+        </p:nvSpPr>
+        <p:spPr>
+          <a:xfrm>
+            <a:off x="11365992" y="210312"/>
+            <a:ext cx="557784" cy="301752"/>
+          </a:xfrm>
+          <a:prstGeom prst="rect">
+            <a:avLst/>
+          </a:prstGeom>
+        </p:spPr>
+        <p:style>
+          <a:lnRef idx="2">
+            <a:schemeClr val="accent1">
+              <a:shade val="15000"/>
+            </a:schemeClr>
+          </a:lnRef>
+          <a:fillRef idx="1">
+            <a:schemeClr val="accent1"/>
+          </a:fillRef>
+          <a:effectRef idx="0">
+            <a:schemeClr val="accent1"/>
+          </a:effectRef>
+          <a:fontRef idx="minor">
+            <a:schemeClr val="lt1"/>
+          </a:fontRef>
+        </p:style>
+        <p:txBody>
+          <a:bodyPr rtlCol="0" anchor="ctr"/>
+          <a:lstStyle/>
+          <a:p>
+            <a:pPr algn="ctr"/>
+            <a:r>
+              <a:rPr lang="en-US" dirty="0"/>
+              <a:t>Go</a:t>
+            </a:r>
+            <a:endParaRPr lang="en-IN" dirty="0"/>
+          </a:p>
+        </p:txBody>
+      </p:sp>
+      <p:sp>
+        <p:nvSpPr>
+          <p:cNvPr id="7" name="TextBox 6">
+            <a:extLst>
+              <a:ext uri="{FF2B5EF4-FFF2-40B4-BE49-F238E27FC236}">
+                <a16:creationId xmlns:a16="http://schemas.microsoft.com/office/drawing/2014/main" id="{C6C72F24-2BC9-42CB-D145-B946B207CFBE}"/>
+              </a:ext>
+            </a:extLst>
+          </p:cNvPr>
+          <p:cNvSpPr txBox="1"/>
+          <p:nvPr/>
+        </p:nvSpPr>
+        <p:spPr>
+          <a:xfrm>
+            <a:off x="438912" y="1060704"/>
+            <a:ext cx="9930384" cy="3416320"/>
+          </a:xfrm>
+          <a:prstGeom prst="rect">
+            <a:avLst/>
+          </a:prstGeom>
+          <a:noFill/>
+        </p:spPr>
+        <p:txBody>
+          <a:bodyPr wrap="square" rtlCol="0">
+            <a:spAutoFit/>
+          </a:bodyPr>
+          <a:lstStyle/>
+          <a:p>
+            <a:r>
+              <a:rPr lang="en-US" dirty="0"/>
+              <a:t>&lt;routes&gt; </a:t>
+            </a:r>
+            <a:r>
+              <a:rPr lang="en-US" dirty="0">
+                <a:sym typeface="Wingdings" panose="05000000000000000000" pitchFamily="2" charset="2"/>
+              </a:rPr>
+              <a:t> group of route</a:t>
+            </a:r>
+          </a:p>
+          <a:p>
+            <a:endParaRPr lang="en-US" dirty="0">
+              <a:sym typeface="Wingdings" panose="05000000000000000000" pitchFamily="2" charset="2"/>
+            </a:endParaRPr>
+          </a:p>
+          <a:p>
+            <a:r>
+              <a:rPr lang="en-US" dirty="0">
+                <a:sym typeface="Wingdings" panose="05000000000000000000" pitchFamily="2" charset="2"/>
+              </a:rPr>
+              <a:t>	 01. “/”	 element(component)= default component to load  http://localhost:3000/</a:t>
+            </a:r>
+          </a:p>
+          <a:p>
+            <a:endParaRPr lang="en-US" dirty="0">
+              <a:sym typeface="Wingdings" panose="05000000000000000000" pitchFamily="2" charset="2"/>
+            </a:endParaRPr>
+          </a:p>
+          <a:p>
+            <a:r>
+              <a:rPr lang="en-US" dirty="0">
+                <a:sym typeface="Wingdings" panose="05000000000000000000" pitchFamily="2" charset="2"/>
+              </a:rPr>
+              <a:t>	 02. “/login”	 element(component)= login component</a:t>
+            </a:r>
+          </a:p>
+          <a:p>
+            <a:r>
+              <a:rPr lang="en-US" dirty="0">
+                <a:sym typeface="Wingdings" panose="05000000000000000000" pitchFamily="2" charset="2"/>
+              </a:rPr>
+              <a:t>http://localhost:3000/login</a:t>
+            </a:r>
+          </a:p>
+          <a:p>
+            <a:endParaRPr lang="en-US" dirty="0">
+              <a:sym typeface="Wingdings" panose="05000000000000000000" pitchFamily="2" charset="2"/>
+            </a:endParaRPr>
+          </a:p>
+          <a:p>
+            <a:r>
+              <a:rPr lang="en-US" dirty="0">
+                <a:sym typeface="Wingdings" panose="05000000000000000000" pitchFamily="2" charset="2"/>
+              </a:rPr>
+              <a:t>	 03. “/dashboard” element(component)= dash board component</a:t>
+            </a:r>
+          </a:p>
+          <a:p>
+            <a:r>
+              <a:rPr lang="en-US" dirty="0">
+                <a:sym typeface="Wingdings" panose="05000000000000000000" pitchFamily="2" charset="2"/>
+              </a:rPr>
+              <a:t>http://localhost:3000/dashboard</a:t>
+            </a:r>
+          </a:p>
+          <a:p>
+            <a:endParaRPr lang="en-US" dirty="0">
+              <a:sym typeface="Wingdings" panose="05000000000000000000" pitchFamily="2" charset="2"/>
+            </a:endParaRPr>
+          </a:p>
+          <a:p>
+            <a:r>
+              <a:rPr lang="en-US" dirty="0">
+                <a:sym typeface="Wingdings" panose="05000000000000000000" pitchFamily="2" charset="2"/>
+              </a:rPr>
+              <a:t>	………. Etc.,</a:t>
+            </a:r>
+            <a:endParaRPr lang="en-IN" dirty="0"/>
+          </a:p>
+        </p:txBody>
+      </p:sp>
+      <p:sp>
+        <p:nvSpPr>
+          <p:cNvPr id="8" name="Oval 7">
+            <a:extLst>
+              <a:ext uri="{FF2B5EF4-FFF2-40B4-BE49-F238E27FC236}">
+                <a16:creationId xmlns:a16="http://schemas.microsoft.com/office/drawing/2014/main" id="{7653B763-41D4-6574-9C45-611F19D736D9}"/>
+              </a:ext>
+            </a:extLst>
+          </p:cNvPr>
+          <p:cNvSpPr/>
+          <p:nvPr/>
+        </p:nvSpPr>
+        <p:spPr>
+          <a:xfrm>
+            <a:off x="-195072" y="0"/>
+            <a:ext cx="4672584" cy="749808"/>
+          </a:xfrm>
+          <a:prstGeom prst="ellipse">
+            <a:avLst/>
+          </a:prstGeom>
+          <a:noFill/>
+          <a:ln w="34925" cap="flat" cmpd="sng" algn="ctr">
+            <a:solidFill>
+              <a:schemeClr val="dk1"/>
+            </a:solidFill>
+            <a:prstDash val="solid"/>
+            <a:round/>
+            <a:headEnd type="none" w="med" len="med"/>
+            <a:tailEnd type="none" w="med" len="med"/>
+          </a:ln>
+        </p:spPr>
+        <p:style>
+          <a:lnRef idx="0">
+            <a:scrgbClr r="0" g="0" b="0"/>
+          </a:lnRef>
+          <a:fillRef idx="0">
+            <a:scrgbClr r="0" g="0" b="0"/>
+          </a:fillRef>
+          <a:effectRef idx="0">
+            <a:scrgbClr r="0" g="0" b="0"/>
+          </a:effectRef>
+          <a:fontRef idx="minor">
+            <a:schemeClr val="dk1"/>
+          </a:fontRef>
+        </p:style>
+        <p:txBody>
+          <a:bodyPr rtlCol="0" anchor="ctr"/>
+          <a:lstStyle/>
+          <a:p>
+            <a:pPr algn="ctr"/>
+            <a:endParaRPr lang="en-IN"/>
+          </a:p>
+        </p:txBody>
+      </p:sp>
+      <p:cxnSp>
+        <p:nvCxnSpPr>
+          <p:cNvPr id="10" name="Straight Arrow Connector 9">
+            <a:extLst>
+              <a:ext uri="{FF2B5EF4-FFF2-40B4-BE49-F238E27FC236}">
+                <a16:creationId xmlns:a16="http://schemas.microsoft.com/office/drawing/2014/main" id="{5B2FEC37-7F13-C6BE-D49F-B14E2C3DAC72}"/>
+              </a:ext>
+            </a:extLst>
+          </p:cNvPr>
+          <p:cNvCxnSpPr/>
+          <p:nvPr/>
+        </p:nvCxnSpPr>
+        <p:spPr>
+          <a:xfrm>
+            <a:off x="4506012" y="361188"/>
+            <a:ext cx="1470582" cy="0"/>
+          </a:xfrm>
+          <a:prstGeom prst="straightConnector1">
+            <a:avLst/>
+          </a:prstGeom>
+          <a:ln>
+            <a:tailEnd type="triangle"/>
+          </a:ln>
+        </p:spPr>
+        <p:style>
+          <a:lnRef idx="3">
+            <a:schemeClr val="dk1"/>
+          </a:lnRef>
+          <a:fillRef idx="0">
+            <a:schemeClr val="dk1"/>
+          </a:fillRef>
+          <a:effectRef idx="2">
+            <a:schemeClr val="dk1"/>
+          </a:effectRef>
+          <a:fontRef idx="minor">
+            <a:schemeClr val="tx1"/>
+          </a:fontRef>
+        </p:style>
+      </p:cxnSp>
+      <p:sp>
+        <p:nvSpPr>
+          <p:cNvPr id="11" name="TextBox 10">
+            <a:extLst>
+              <a:ext uri="{FF2B5EF4-FFF2-40B4-BE49-F238E27FC236}">
+                <a16:creationId xmlns:a16="http://schemas.microsoft.com/office/drawing/2014/main" id="{3A8B0DAA-AE2A-9911-7874-A80CAB6DD2E5}"/>
+              </a:ext>
+            </a:extLst>
+          </p:cNvPr>
+          <p:cNvSpPr txBox="1"/>
+          <p:nvPr/>
+        </p:nvSpPr>
+        <p:spPr>
+          <a:xfrm>
+            <a:off x="6096000" y="210312"/>
+            <a:ext cx="2755769" cy="369332"/>
+          </a:xfrm>
+          <a:prstGeom prst="rect">
+            <a:avLst/>
+          </a:prstGeom>
+          <a:noFill/>
+        </p:spPr>
+        <p:txBody>
+          <a:bodyPr wrap="square" rtlCol="0">
+            <a:spAutoFit/>
+          </a:bodyPr>
+          <a:lstStyle/>
+          <a:p>
+            <a:r>
+              <a:rPr lang="en-US" dirty="0" err="1"/>
+              <a:t>BrowserRouter</a:t>
+            </a:r>
+            <a:r>
+              <a:rPr lang="en-US" dirty="0"/>
+              <a:t> as router</a:t>
+            </a:r>
+            <a:endParaRPr lang="en-IN" dirty="0"/>
+          </a:p>
+        </p:txBody>
+      </p:sp>
+    </p:spTree>
+    <p:extLst>
+      <p:ext uri="{BB962C8B-B14F-4D97-AF65-F5344CB8AC3E}">
+        <p14:creationId xmlns:p14="http://schemas.microsoft.com/office/powerpoint/2010/main" val="3880225361"/>
+      </p:ext>
+    </p:extLst>
+  </p:cSld>
+  <p:clrMapOvr>
+    <a:masterClrMapping/>
+  </p:clrMapOvr>
+</p:sld>
+</file>
+
+<file path=ppt/slides/slide9.xml><?xml version="1.0" encoding="utf-8"?>
+<p:sld xmlns:a="http://schemas.openxmlformats.org/drawingml/2006/main" xmlns:r="http://schemas.openxmlformats.org/officeDocument/2006/relationships" xmlns:p="http://schemas.openxmlformats.org/presentationml/2006/main">
+  <p:cSld>
+    <p:spTree>
+      <p:nvGrpSpPr>
+        <p:cNvPr id="1" name=""/>
+        <p:cNvGrpSpPr/>
+        <p:nvPr/>
+      </p:nvGrpSpPr>
+      <p:grpSpPr>
+        <a:xfrm>
+          <a:off x="0" y="0"/>
+          <a:ext cx="0" cy="0"/>
+          <a:chOff x="0" y="0"/>
+          <a:chExt cx="0" cy="0"/>
+        </a:xfrm>
+      </p:grpSpPr>
+      <p:sp>
+        <p:nvSpPr>
+          <p:cNvPr id="5" name="Right Brace 4">
+            <a:extLst>
+              <a:ext uri="{FF2B5EF4-FFF2-40B4-BE49-F238E27FC236}">
+                <a16:creationId xmlns:a16="http://schemas.microsoft.com/office/drawing/2014/main" id="{68B002D0-F465-4324-6FCD-A104844A7714}"/>
+              </a:ext>
+            </a:extLst>
+          </p:cNvPr>
+          <p:cNvSpPr/>
+          <p:nvPr/>
+        </p:nvSpPr>
+        <p:spPr>
+          <a:xfrm>
+            <a:off x="73891" y="0"/>
+            <a:ext cx="895927" cy="6858000"/>
+          </a:xfrm>
+          <a:prstGeom prst="rightBrace">
+            <a:avLst/>
+          </a:prstGeom>
+        </p:spPr>
+        <p:style>
+          <a:lnRef idx="1">
+            <a:schemeClr val="accent1"/>
+          </a:lnRef>
+          <a:fillRef idx="0">
+            <a:schemeClr val="accent1"/>
+          </a:fillRef>
+          <a:effectRef idx="0">
+            <a:schemeClr val="accent1"/>
+          </a:effectRef>
+          <a:fontRef idx="minor">
+            <a:schemeClr val="tx1"/>
+          </a:fontRef>
+        </p:style>
+        <p:txBody>
+          <a:bodyPr rtlCol="0" anchor="ctr"/>
+          <a:lstStyle/>
+          <a:p>
+            <a:pPr algn="ctr"/>
+            <a:endParaRPr lang="en-IN"/>
+          </a:p>
+        </p:txBody>
+      </p:sp>
+      <p:sp>
+        <p:nvSpPr>
+          <p:cNvPr id="6" name="Rectangle 5">
+            <a:extLst>
+              <a:ext uri="{FF2B5EF4-FFF2-40B4-BE49-F238E27FC236}">
+                <a16:creationId xmlns:a16="http://schemas.microsoft.com/office/drawing/2014/main" id="{717C0525-4572-4355-D2A5-BB9F41F855E8}"/>
+              </a:ext>
+            </a:extLst>
+          </p:cNvPr>
+          <p:cNvSpPr/>
+          <p:nvPr/>
+        </p:nvSpPr>
+        <p:spPr>
+          <a:xfrm>
+            <a:off x="969818" y="2997506"/>
+            <a:ext cx="535724" cy="923330"/>
+          </a:xfrm>
+          <a:prstGeom prst="rect">
+            <a:avLst/>
+          </a:prstGeom>
+          <a:noFill/>
+        </p:spPr>
+        <p:txBody>
+          <a:bodyPr wrap="none" lIns="91440" tIns="45720" rIns="91440" bIns="45720">
+            <a:spAutoFit/>
+          </a:bodyPr>
+          <a:lstStyle/>
+          <a:p>
+            <a:pPr algn="ctr"/>
+            <a:r>
+              <a:rPr lang="en-US" sz="5400" b="1" cap="none" spc="0" dirty="0">
+                <a:ln w="9525">
+                  <a:solidFill>
+                    <a:schemeClr val="bg1"/>
+                  </a:solidFill>
+                  <a:prstDash val="solid"/>
+                </a:ln>
+                <a:solidFill>
+                  <a:schemeClr val="tx1"/>
+                </a:solidFill>
+                <a:effectLst>
+                  <a:outerShdw blurRad="12700" dist="38100" dir="2700000" algn="tl" rotWithShape="0">
+                    <a:schemeClr val="bg1">
+                      <a:lumMod val="50000"/>
+                    </a:schemeClr>
+                  </a:outerShdw>
+                </a:effectLst>
+              </a:rPr>
+              <a:t>1</a:t>
+            </a:r>
+          </a:p>
+        </p:txBody>
+      </p:sp>
+      <p:cxnSp>
+        <p:nvCxnSpPr>
+          <p:cNvPr id="9" name="Straight Connector 8">
+            <a:extLst>
+              <a:ext uri="{FF2B5EF4-FFF2-40B4-BE49-F238E27FC236}">
+                <a16:creationId xmlns:a16="http://schemas.microsoft.com/office/drawing/2014/main" id="{3A062F9F-0C21-36AA-AF86-A00C4649B575}"/>
+              </a:ext>
+            </a:extLst>
+          </p:cNvPr>
+          <p:cNvCxnSpPr/>
+          <p:nvPr/>
+        </p:nvCxnSpPr>
+        <p:spPr>
+          <a:xfrm>
+            <a:off x="0" y="341745"/>
+            <a:ext cx="12192000" cy="0"/>
+          </a:xfrm>
+          <a:prstGeom prst="line">
+            <a:avLst/>
+          </a:prstGeom>
+        </p:spPr>
+        <p:style>
+          <a:lnRef idx="1">
+            <a:schemeClr val="accent1"/>
+          </a:lnRef>
+          <a:fillRef idx="0">
+            <a:schemeClr val="accent1"/>
+          </a:fillRef>
+          <a:effectRef idx="0">
+            <a:schemeClr val="accent1"/>
+          </a:effectRef>
+          <a:fontRef idx="minor">
+            <a:schemeClr val="tx1"/>
+          </a:fontRef>
+        </p:style>
+      </p:cxnSp>
+      <p:sp>
+        <p:nvSpPr>
+          <p:cNvPr id="10" name="Rectangle 9">
+            <a:extLst>
+              <a:ext uri="{FF2B5EF4-FFF2-40B4-BE49-F238E27FC236}">
+                <a16:creationId xmlns:a16="http://schemas.microsoft.com/office/drawing/2014/main" id="{6CB7BDA3-B157-2032-85F1-C7CFC31B8969}"/>
+              </a:ext>
+            </a:extLst>
+          </p:cNvPr>
+          <p:cNvSpPr/>
+          <p:nvPr/>
+        </p:nvSpPr>
+        <p:spPr>
+          <a:xfrm>
+            <a:off x="6313047" y="351287"/>
+            <a:ext cx="535724" cy="923330"/>
+          </a:xfrm>
+          <a:prstGeom prst="rect">
+            <a:avLst/>
+          </a:prstGeom>
+          <a:noFill/>
+        </p:spPr>
+        <p:txBody>
+          <a:bodyPr wrap="none" lIns="91440" tIns="45720" rIns="91440" bIns="45720">
+            <a:spAutoFit/>
+          </a:bodyPr>
+          <a:lstStyle/>
+          <a:p>
+            <a:pPr algn="ctr"/>
+            <a:r>
+              <a:rPr lang="en-US" sz="5400" b="1" cap="none" spc="0" dirty="0">
+                <a:ln w="9525">
+                  <a:solidFill>
+                    <a:schemeClr val="bg1"/>
+                  </a:solidFill>
+                  <a:prstDash val="solid"/>
+                </a:ln>
+                <a:solidFill>
+                  <a:schemeClr val="tx1"/>
+                </a:solidFill>
+                <a:effectLst>
+                  <a:outerShdw blurRad="12700" dist="38100" dir="2700000" algn="tl" rotWithShape="0">
+                    <a:schemeClr val="bg1">
+                      <a:lumMod val="50000"/>
+                    </a:schemeClr>
+                  </a:outerShdw>
+                </a:effectLst>
+              </a:rPr>
+              <a:t>1</a:t>
+            </a:r>
+          </a:p>
+        </p:txBody>
+      </p:sp>
+    </p:spTree>
+    <p:extLst>
+      <p:ext uri="{BB962C8B-B14F-4D97-AF65-F5344CB8AC3E}">
+        <p14:creationId xmlns:p14="http://schemas.microsoft.com/office/powerpoint/2010/main" val="225679836"/>
       </p:ext>
     </p:extLst>
   </p:cSld>

--- a/project.pptx
+++ b/project.pptx
@@ -21,6 +21,7 @@
     <p:sldId id="269" r:id="rId15"/>
     <p:sldId id="270" r:id="rId16"/>
     <p:sldId id="271" r:id="rId17"/>
+    <p:sldId id="272" r:id="rId18"/>
   </p:sldIdLst>
   <p:sldSz cx="12192000" cy="6858000"/>
   <p:notesSz cx="6858000" cy="9144000"/>
@@ -276,7 +277,7 @@
           <a:p>
             <a:fld id="{756090CF-B298-4534-AD23-AB8589173D38}" type="datetimeFigureOut">
               <a:rPr lang="en-IN" smtClean="0"/>
-              <a:t>23-09-2023</a:t>
+              <a:t>24-09-2023</a:t>
             </a:fld>
             <a:endParaRPr lang="en-IN"/>
           </a:p>
@@ -476,7 +477,7 @@
           <a:p>
             <a:fld id="{756090CF-B298-4534-AD23-AB8589173D38}" type="datetimeFigureOut">
               <a:rPr lang="en-IN" smtClean="0"/>
-              <a:t>23-09-2023</a:t>
+              <a:t>24-09-2023</a:t>
             </a:fld>
             <a:endParaRPr lang="en-IN"/>
           </a:p>
@@ -686,7 +687,7 @@
           <a:p>
             <a:fld id="{756090CF-B298-4534-AD23-AB8589173D38}" type="datetimeFigureOut">
               <a:rPr lang="en-IN" smtClean="0"/>
-              <a:t>23-09-2023</a:t>
+              <a:t>24-09-2023</a:t>
             </a:fld>
             <a:endParaRPr lang="en-IN"/>
           </a:p>
@@ -886,7 +887,7 @@
           <a:p>
             <a:fld id="{756090CF-B298-4534-AD23-AB8589173D38}" type="datetimeFigureOut">
               <a:rPr lang="en-IN" smtClean="0"/>
-              <a:t>23-09-2023</a:t>
+              <a:t>24-09-2023</a:t>
             </a:fld>
             <a:endParaRPr lang="en-IN"/>
           </a:p>
@@ -1162,7 +1163,7 @@
           <a:p>
             <a:fld id="{756090CF-B298-4534-AD23-AB8589173D38}" type="datetimeFigureOut">
               <a:rPr lang="en-IN" smtClean="0"/>
-              <a:t>23-09-2023</a:t>
+              <a:t>24-09-2023</a:t>
             </a:fld>
             <a:endParaRPr lang="en-IN"/>
           </a:p>
@@ -1430,7 +1431,7 @@
           <a:p>
             <a:fld id="{756090CF-B298-4534-AD23-AB8589173D38}" type="datetimeFigureOut">
               <a:rPr lang="en-IN" smtClean="0"/>
-              <a:t>23-09-2023</a:t>
+              <a:t>24-09-2023</a:t>
             </a:fld>
             <a:endParaRPr lang="en-IN"/>
           </a:p>
@@ -1845,7 +1846,7 @@
           <a:p>
             <a:fld id="{756090CF-B298-4534-AD23-AB8589173D38}" type="datetimeFigureOut">
               <a:rPr lang="en-IN" smtClean="0"/>
-              <a:t>23-09-2023</a:t>
+              <a:t>24-09-2023</a:t>
             </a:fld>
             <a:endParaRPr lang="en-IN"/>
           </a:p>
@@ -1987,7 +1988,7 @@
           <a:p>
             <a:fld id="{756090CF-B298-4534-AD23-AB8589173D38}" type="datetimeFigureOut">
               <a:rPr lang="en-IN" smtClean="0"/>
-              <a:t>23-09-2023</a:t>
+              <a:t>24-09-2023</a:t>
             </a:fld>
             <a:endParaRPr lang="en-IN"/>
           </a:p>
@@ -2100,7 +2101,7 @@
           <a:p>
             <a:fld id="{756090CF-B298-4534-AD23-AB8589173D38}" type="datetimeFigureOut">
               <a:rPr lang="en-IN" smtClean="0"/>
-              <a:t>23-09-2023</a:t>
+              <a:t>24-09-2023</a:t>
             </a:fld>
             <a:endParaRPr lang="en-IN"/>
           </a:p>
@@ -2413,7 +2414,7 @@
           <a:p>
             <a:fld id="{756090CF-B298-4534-AD23-AB8589173D38}" type="datetimeFigureOut">
               <a:rPr lang="en-IN" smtClean="0"/>
-              <a:t>23-09-2023</a:t>
+              <a:t>24-09-2023</a:t>
             </a:fld>
             <a:endParaRPr lang="en-IN"/>
           </a:p>
@@ -2702,7 +2703,7 @@
           <a:p>
             <a:fld id="{756090CF-B298-4534-AD23-AB8589173D38}" type="datetimeFigureOut">
               <a:rPr lang="en-IN" smtClean="0"/>
-              <a:t>23-09-2023</a:t>
+              <a:t>24-09-2023</a:t>
             </a:fld>
             <a:endParaRPr lang="en-IN"/>
           </a:p>
@@ -2945,7 +2946,7 @@
           <a:p>
             <a:fld id="{756090CF-B298-4534-AD23-AB8589173D38}" type="datetimeFigureOut">
               <a:rPr lang="en-IN" smtClean="0"/>
-              <a:t>23-09-2023</a:t>
+              <a:t>24-09-2023</a:t>
             </a:fld>
             <a:endParaRPr lang="en-IN"/>
           </a:p>
@@ -6676,6 +6677,104 @@
 </p:sld>
 </file>
 
+<file path=ppt/slides/slide17.xml><?xml version="1.0" encoding="utf-8"?>
+<p:sld xmlns:a="http://schemas.openxmlformats.org/drawingml/2006/main" xmlns:r="http://schemas.openxmlformats.org/officeDocument/2006/relationships" xmlns:p="http://schemas.openxmlformats.org/presentationml/2006/main">
+  <p:cSld>
+    <p:spTree>
+      <p:nvGrpSpPr>
+        <p:cNvPr id="1" name=""/>
+        <p:cNvGrpSpPr/>
+        <p:nvPr/>
+      </p:nvGrpSpPr>
+      <p:grpSpPr>
+        <a:xfrm>
+          <a:off x="0" y="0"/>
+          <a:ext cx="0" cy="0"/>
+          <a:chOff x="0" y="0"/>
+          <a:chExt cx="0" cy="0"/>
+        </a:xfrm>
+      </p:grpSpPr>
+      <p:sp>
+        <p:nvSpPr>
+          <p:cNvPr id="4" name="Rectangle 3">
+            <a:extLst>
+              <a:ext uri="{FF2B5EF4-FFF2-40B4-BE49-F238E27FC236}">
+                <a16:creationId xmlns:a16="http://schemas.microsoft.com/office/drawing/2014/main" id="{34645F37-0A08-FE85-AD9E-2B538E8F2DF8}"/>
+              </a:ext>
+            </a:extLst>
+          </p:cNvPr>
+          <p:cNvSpPr/>
+          <p:nvPr/>
+        </p:nvSpPr>
+        <p:spPr>
+          <a:xfrm>
+            <a:off x="4774967" y="2967335"/>
+            <a:ext cx="2642070" cy="923330"/>
+          </a:xfrm>
+          <a:prstGeom prst="rect">
+            <a:avLst/>
+          </a:prstGeom>
+          <a:noFill/>
+        </p:spPr>
+        <p:txBody>
+          <a:bodyPr wrap="none" lIns="91440" tIns="45720" rIns="91440" bIns="45720">
+            <a:spAutoFit/>
+          </a:bodyPr>
+          <a:lstStyle/>
+          <a:p>
+            <a:pPr algn="ctr"/>
+            <a:r>
+              <a:rPr lang="en-US" sz="5400" b="1">
+                <a:ln w="9525">
+                  <a:solidFill>
+                    <a:schemeClr val="bg1"/>
+                  </a:solidFill>
+                  <a:prstDash val="solid"/>
+                </a:ln>
+                <a:effectLst>
+                  <a:outerShdw blurRad="12700" dist="38100" dir="2700000" algn="tl" rotWithShape="0">
+                    <a:schemeClr val="bg1">
+                      <a:lumMod val="50000"/>
+                    </a:schemeClr>
+                  </a:outerShdw>
+                </a:effectLst>
+              </a:rPr>
+              <a:t>Slide -17</a:t>
+            </a:r>
+            <a:endParaRPr lang="en-US" sz="5400" b="1" cap="none" spc="0" dirty="0">
+              <a:ln w="9525">
+                <a:solidFill>
+                  <a:schemeClr val="bg1"/>
+                </a:solidFill>
+                <a:prstDash val="solid"/>
+              </a:ln>
+              <a:solidFill>
+                <a:schemeClr val="tx1"/>
+              </a:solidFill>
+              <a:effectLst>
+                <a:outerShdw blurRad="12700" dist="38100" dir="2700000" algn="tl" rotWithShape="0">
+                  <a:schemeClr val="bg1">
+                    <a:lumMod val="50000"/>
+                  </a:schemeClr>
+                </a:outerShdw>
+              </a:effectLst>
+            </a:endParaRPr>
+          </a:p>
+        </p:txBody>
+      </p:sp>
+    </p:spTree>
+    <p:extLst>
+      <p:ext uri="{BB962C8B-B14F-4D97-AF65-F5344CB8AC3E}">
+        <p14:creationId xmlns:p14="http://schemas.microsoft.com/office/powerpoint/2010/main" val="2145736994"/>
+      </p:ext>
+    </p:extLst>
+  </p:cSld>
+  <p:clrMapOvr>
+    <a:masterClrMapping/>
+  </p:clrMapOvr>
+</p:sld>
+</file>
+
 <file path=ppt/slides/slide2.xml><?xml version="1.0" encoding="utf-8"?>
 <p:sld xmlns:a="http://schemas.openxmlformats.org/drawingml/2006/main" xmlns:r="http://schemas.openxmlformats.org/officeDocument/2006/relationships" xmlns:p="http://schemas.openxmlformats.org/presentationml/2006/main">
   <p:cSld>

--- a/project.pptx
+++ b/project.pptx
@@ -277,7 +277,7 @@
           <a:p>
             <a:fld id="{756090CF-B298-4534-AD23-AB8589173D38}" type="datetimeFigureOut">
               <a:rPr lang="en-IN" smtClean="0"/>
-              <a:t>24-09-2023</a:t>
+              <a:t>25-09-2023</a:t>
             </a:fld>
             <a:endParaRPr lang="en-IN"/>
           </a:p>
@@ -477,7 +477,7 @@
           <a:p>
             <a:fld id="{756090CF-B298-4534-AD23-AB8589173D38}" type="datetimeFigureOut">
               <a:rPr lang="en-IN" smtClean="0"/>
-              <a:t>24-09-2023</a:t>
+              <a:t>25-09-2023</a:t>
             </a:fld>
             <a:endParaRPr lang="en-IN"/>
           </a:p>
@@ -687,7 +687,7 @@
           <a:p>
             <a:fld id="{756090CF-B298-4534-AD23-AB8589173D38}" type="datetimeFigureOut">
               <a:rPr lang="en-IN" smtClean="0"/>
-              <a:t>24-09-2023</a:t>
+              <a:t>25-09-2023</a:t>
             </a:fld>
             <a:endParaRPr lang="en-IN"/>
           </a:p>
@@ -887,7 +887,7 @@
           <a:p>
             <a:fld id="{756090CF-B298-4534-AD23-AB8589173D38}" type="datetimeFigureOut">
               <a:rPr lang="en-IN" smtClean="0"/>
-              <a:t>24-09-2023</a:t>
+              <a:t>25-09-2023</a:t>
             </a:fld>
             <a:endParaRPr lang="en-IN"/>
           </a:p>
@@ -1163,7 +1163,7 @@
           <a:p>
             <a:fld id="{756090CF-B298-4534-AD23-AB8589173D38}" type="datetimeFigureOut">
               <a:rPr lang="en-IN" smtClean="0"/>
-              <a:t>24-09-2023</a:t>
+              <a:t>25-09-2023</a:t>
             </a:fld>
             <a:endParaRPr lang="en-IN"/>
           </a:p>
@@ -1431,7 +1431,7 @@
           <a:p>
             <a:fld id="{756090CF-B298-4534-AD23-AB8589173D38}" type="datetimeFigureOut">
               <a:rPr lang="en-IN" smtClean="0"/>
-              <a:t>24-09-2023</a:t>
+              <a:t>25-09-2023</a:t>
             </a:fld>
             <a:endParaRPr lang="en-IN"/>
           </a:p>
@@ -1846,7 +1846,7 @@
           <a:p>
             <a:fld id="{756090CF-B298-4534-AD23-AB8589173D38}" type="datetimeFigureOut">
               <a:rPr lang="en-IN" smtClean="0"/>
-              <a:t>24-09-2023</a:t>
+              <a:t>25-09-2023</a:t>
             </a:fld>
             <a:endParaRPr lang="en-IN"/>
           </a:p>
@@ -1988,7 +1988,7 @@
           <a:p>
             <a:fld id="{756090CF-B298-4534-AD23-AB8589173D38}" type="datetimeFigureOut">
               <a:rPr lang="en-IN" smtClean="0"/>
-              <a:t>24-09-2023</a:t>
+              <a:t>25-09-2023</a:t>
             </a:fld>
             <a:endParaRPr lang="en-IN"/>
           </a:p>
@@ -2101,7 +2101,7 @@
           <a:p>
             <a:fld id="{756090CF-B298-4534-AD23-AB8589173D38}" type="datetimeFigureOut">
               <a:rPr lang="en-IN" smtClean="0"/>
-              <a:t>24-09-2023</a:t>
+              <a:t>25-09-2023</a:t>
             </a:fld>
             <a:endParaRPr lang="en-IN"/>
           </a:p>
@@ -2414,7 +2414,7 @@
           <a:p>
             <a:fld id="{756090CF-B298-4534-AD23-AB8589173D38}" type="datetimeFigureOut">
               <a:rPr lang="en-IN" smtClean="0"/>
-              <a:t>24-09-2023</a:t>
+              <a:t>25-09-2023</a:t>
             </a:fld>
             <a:endParaRPr lang="en-IN"/>
           </a:p>
@@ -2703,7 +2703,7 @@
           <a:p>
             <a:fld id="{756090CF-B298-4534-AD23-AB8589173D38}" type="datetimeFigureOut">
               <a:rPr lang="en-IN" smtClean="0"/>
-              <a:t>24-09-2023</a:t>
+              <a:t>25-09-2023</a:t>
             </a:fld>
             <a:endParaRPr lang="en-IN"/>
           </a:p>
@@ -2946,7 +2946,7 @@
           <a:p>
             <a:fld id="{756090CF-B298-4534-AD23-AB8589173D38}" type="datetimeFigureOut">
               <a:rPr lang="en-IN" smtClean="0"/>
-              <a:t>24-09-2023</a:t>
+              <a:t>25-09-2023</a:t>
             </a:fld>
             <a:endParaRPr lang="en-IN"/>
           </a:p>
@@ -6696,20 +6696,20 @@
       </p:grpSpPr>
       <p:sp>
         <p:nvSpPr>
-          <p:cNvPr id="4" name="Rectangle 3">
-            <a:extLst>
-              <a:ext uri="{FF2B5EF4-FFF2-40B4-BE49-F238E27FC236}">
-                <a16:creationId xmlns:a16="http://schemas.microsoft.com/office/drawing/2014/main" id="{34645F37-0A08-FE85-AD9E-2B538E8F2DF8}"/>
-              </a:ext>
-            </a:extLst>
-          </p:cNvPr>
-          <p:cNvSpPr/>
-          <p:nvPr/>
-        </p:nvSpPr>
-        <p:spPr>
-          <a:xfrm>
-            <a:off x="4774967" y="2967335"/>
-            <a:ext cx="2642070" cy="923330"/>
+          <p:cNvPr id="2" name="TextBox 1">
+            <a:extLst>
+              <a:ext uri="{FF2B5EF4-FFF2-40B4-BE49-F238E27FC236}">
+                <a16:creationId xmlns:a16="http://schemas.microsoft.com/office/drawing/2014/main" id="{64C8C91F-BF1E-A77C-2325-AA6319161FB9}"/>
+              </a:ext>
+            </a:extLst>
+          </p:cNvPr>
+          <p:cNvSpPr txBox="1"/>
+          <p:nvPr/>
+        </p:nvSpPr>
+        <p:spPr>
+          <a:xfrm>
+            <a:off x="210312" y="201168"/>
+            <a:ext cx="11804904" cy="1754326"/>
           </a:xfrm>
           <a:prstGeom prst="rect">
             <a:avLst/>
@@ -6717,48 +6717,67 @@
           <a:noFill/>
         </p:spPr>
         <p:txBody>
-          <a:bodyPr wrap="none" lIns="91440" tIns="45720" rIns="91440" bIns="45720">
+          <a:bodyPr wrap="square" rtlCol="0">
             <a:spAutoFit/>
           </a:bodyPr>
           <a:lstStyle/>
           <a:p>
-            <a:pPr algn="ctr"/>
-            <a:r>
-              <a:rPr lang="en-US" sz="5400" b="1">
-                <a:ln w="9525">
-                  <a:solidFill>
-                    <a:schemeClr val="bg1"/>
-                  </a:solidFill>
-                  <a:prstDash val="solid"/>
-                </a:ln>
-                <a:effectLst>
-                  <a:outerShdw blurRad="12700" dist="38100" dir="2700000" algn="tl" rotWithShape="0">
-                    <a:schemeClr val="bg1">
-                      <a:lumMod val="50000"/>
-                    </a:schemeClr>
-                  </a:outerShdw>
-                </a:effectLst>
-              </a:rPr>
-              <a:t>Slide -17</a:t>
-            </a:r>
-            <a:endParaRPr lang="en-US" sz="5400" b="1" cap="none" spc="0" dirty="0">
-              <a:ln w="9525">
-                <a:solidFill>
-                  <a:schemeClr val="bg1"/>
-                </a:solidFill>
-                <a:prstDash val="solid"/>
-              </a:ln>
-              <a:solidFill>
-                <a:schemeClr val="tx1"/>
-              </a:solidFill>
-              <a:effectLst>
-                <a:outerShdw blurRad="12700" dist="38100" dir="2700000" algn="tl" rotWithShape="0">
-                  <a:schemeClr val="bg1">
-                    <a:lumMod val="50000"/>
-                  </a:schemeClr>
-                </a:outerShdw>
-              </a:effectLst>
-            </a:endParaRPr>
+            <a:pPr marL="342900" indent="-342900">
+              <a:buAutoNum type="arabicPeriod"/>
+            </a:pPr>
+            <a:r>
+              <a:rPr lang="en-US" b="1" u="sng" dirty="0"/>
+              <a:t>If User Name text box is blank show message to user to enter user name</a:t>
+            </a:r>
+          </a:p>
+          <a:p>
+            <a:pPr marL="342900" indent="-342900">
+              <a:buAutoNum type="arabicPeriod"/>
+            </a:pPr>
+            <a:r>
+              <a:rPr lang="en-US" b="1" u="sng" dirty="0"/>
+              <a:t>If Password text box is blank show message to user to enter password</a:t>
+            </a:r>
+          </a:p>
+          <a:p>
+            <a:pPr marL="342900" indent="-342900">
+              <a:buAutoNum type="arabicPeriod"/>
+            </a:pPr>
+            <a:r>
+              <a:rPr lang="en-US" b="1" u="sng" dirty="0"/>
+              <a:t>Check whether entered User name is correct in respect of email format…if not show user a message</a:t>
+            </a:r>
+          </a:p>
+          <a:p>
+            <a:pPr marL="342900" indent="-342900">
+              <a:buAutoNum type="arabicPeriod"/>
+            </a:pPr>
+            <a:r>
+              <a:rPr lang="en-US" dirty="0"/>
+              <a:t>If every thing above is </a:t>
+            </a:r>
+            <a:r>
+              <a:rPr lang="en-US" dirty="0" err="1"/>
+              <a:t>fine..then</a:t>
+            </a:r>
+            <a:r>
+              <a:rPr lang="en-US" dirty="0"/>
+              <a:t> check whether username and password is matching with the data available in the server and throw message if not matched…..if matched…redirect to </a:t>
+            </a:r>
+            <a:r>
+              <a:rPr lang="en-US" dirty="0" err="1"/>
+              <a:t>DashBoard</a:t>
+            </a:r>
+            <a:r>
+              <a:rPr lang="en-US" dirty="0"/>
+              <a:t> page…</a:t>
+            </a:r>
+          </a:p>
+          <a:p>
+            <a:pPr marL="342900" indent="-342900">
+              <a:buAutoNum type="arabicPeriod"/>
+            </a:pPr>
+            <a:endParaRPr lang="en-IN" dirty="0"/>
           </a:p>
         </p:txBody>
       </p:sp>
